--- a/Documentation/DataAnalytics.pptx
+++ b/Documentation/DataAnalytics.pptx
@@ -5,7 +5,7 @@
     <p:sldMasterId id="2147483659" r:id="rId1"/>
   </p:sldMasterIdLst>
   <p:notesMasterIdLst>
-    <p:notesMasterId r:id="rId24"/>
+    <p:notesMasterId r:id="rId22"/>
   </p:notesMasterIdLst>
   <p:sldIdLst>
     <p:sldId id="256" r:id="rId2"/>
@@ -17,19 +17,17 @@
     <p:sldId id="274" r:id="rId8"/>
     <p:sldId id="275" r:id="rId9"/>
     <p:sldId id="276" r:id="rId10"/>
-    <p:sldId id="277" r:id="rId11"/>
-    <p:sldId id="278" r:id="rId12"/>
-    <p:sldId id="279" r:id="rId13"/>
-    <p:sldId id="280" r:id="rId14"/>
-    <p:sldId id="281" r:id="rId15"/>
-    <p:sldId id="282" r:id="rId16"/>
-    <p:sldId id="283" r:id="rId17"/>
-    <p:sldId id="272" r:id="rId18"/>
-    <p:sldId id="271" r:id="rId19"/>
-    <p:sldId id="284" r:id="rId20"/>
-    <p:sldId id="285" r:id="rId21"/>
-    <p:sldId id="286" r:id="rId22"/>
-    <p:sldId id="287" r:id="rId23"/>
+    <p:sldId id="279" r:id="rId11"/>
+    <p:sldId id="280" r:id="rId12"/>
+    <p:sldId id="281" r:id="rId13"/>
+    <p:sldId id="282" r:id="rId14"/>
+    <p:sldId id="283" r:id="rId15"/>
+    <p:sldId id="272" r:id="rId16"/>
+    <p:sldId id="271" r:id="rId17"/>
+    <p:sldId id="284" r:id="rId18"/>
+    <p:sldId id="285" r:id="rId19"/>
+    <p:sldId id="286" r:id="rId20"/>
+    <p:sldId id="287" r:id="rId21"/>
   </p:sldIdLst>
   <p:sldSz cx="12192000" cy="6858000"/>
   <p:notesSz cx="6858000" cy="9144000"/>
@@ -1693,224 +1691,6 @@
           </a:bodyPr>
           <a:lstStyle/>
           <a:p>
-            <a:pPr marL="0" lvl="0" indent="0">
-              <a:spcBef>
-                <a:spcPts val="0"/>
-              </a:spcBef>
-              <a:spcAft>
-                <a:spcPts val="0"/>
-              </a:spcAft>
-              <a:buNone/>
-            </a:pPr>
-            <a:endParaRPr dirty="0"/>
-          </a:p>
-        </p:txBody>
-      </p:sp>
-      <p:sp>
-        <p:nvSpPr>
-          <p:cNvPr id="244" name="Shape 244"/>
-          <p:cNvSpPr>
-            <a:spLocks noGrp="1" noRot="1" noChangeAspect="1"/>
-          </p:cNvSpPr>
-          <p:nvPr>
-            <p:ph type="sldImg" idx="2"/>
-          </p:nvPr>
-        </p:nvSpPr>
-        <p:spPr>
-          <a:xfrm>
-            <a:off x="685800" y="1143000"/>
-            <a:ext cx="5486400" cy="3086100"/>
-          </a:xfrm>
-          <a:custGeom>
-            <a:avLst/>
-            <a:gdLst/>
-            <a:ahLst/>
-            <a:cxnLst/>
-            <a:rect l="0" t="0" r="0" b="0"/>
-            <a:pathLst>
-              <a:path w="120000" h="120000" extrusionOk="0">
-                <a:moveTo>
-                  <a:pt x="0" y="0"/>
-                </a:moveTo>
-                <a:lnTo>
-                  <a:pt x="120000" y="0"/>
-                </a:lnTo>
-                <a:lnTo>
-                  <a:pt x="120000" y="120000"/>
-                </a:lnTo>
-                <a:lnTo>
-                  <a:pt x="0" y="120000"/>
-                </a:lnTo>
-                <a:close/>
-              </a:path>
-            </a:pathLst>
-          </a:custGeom>
-        </p:spPr>
-      </p:sp>
-    </p:spTree>
-    <p:extLst>
-      <p:ext uri="{BB962C8B-B14F-4D97-AF65-F5344CB8AC3E}">
-        <p14:creationId xmlns:p14="http://schemas.microsoft.com/office/powerpoint/2010/main" val="3316837077"/>
-      </p:ext>
-    </p:extLst>
-  </p:cSld>
-  <p:clrMapOvr>
-    <a:masterClrMapping/>
-  </p:clrMapOvr>
-</p:notes>
-</file>
-
-<file path=ppt/notesSlides/notesSlide11.xml><?xml version="1.0" encoding="utf-8"?>
-<p:notes xmlns:a="http://schemas.openxmlformats.org/drawingml/2006/main" xmlns:r="http://schemas.openxmlformats.org/officeDocument/2006/relationships" xmlns:p="http://schemas.openxmlformats.org/presentationml/2006/main" showMasterSp="0" showMasterPhAnim="0">
-  <p:cSld>
-    <p:spTree>
-      <p:nvGrpSpPr>
-        <p:cNvPr id="1" name="Shape 242"/>
-        <p:cNvGrpSpPr/>
-        <p:nvPr/>
-      </p:nvGrpSpPr>
-      <p:grpSpPr>
-        <a:xfrm>
-          <a:off x="0" y="0"/>
-          <a:ext cx="0" cy="0"/>
-          <a:chOff x="0" y="0"/>
-          <a:chExt cx="0" cy="0"/>
-        </a:xfrm>
-      </p:grpSpPr>
-      <p:sp>
-        <p:nvSpPr>
-          <p:cNvPr id="243" name="Shape 243"/>
-          <p:cNvSpPr txBox="1">
-            <a:spLocks noGrp="1"/>
-          </p:cNvSpPr>
-          <p:nvPr>
-            <p:ph type="body" idx="1"/>
-          </p:nvPr>
-        </p:nvSpPr>
-        <p:spPr>
-          <a:xfrm>
-            <a:off x="685800" y="4400550"/>
-            <a:ext cx="5486400" cy="3600450"/>
-          </a:xfrm>
-          <a:prstGeom prst="rect">
-            <a:avLst/>
-          </a:prstGeom>
-        </p:spPr>
-        <p:txBody>
-          <a:bodyPr spcFirstLastPara="1" wrap="square" lIns="91425" tIns="91425" rIns="91425" bIns="91425" anchor="t" anchorCtr="0">
-            <a:noAutofit/>
-          </a:bodyPr>
-          <a:lstStyle/>
-          <a:p>
-            <a:pPr marL="0" lvl="0" indent="0">
-              <a:spcBef>
-                <a:spcPts val="0"/>
-              </a:spcBef>
-              <a:spcAft>
-                <a:spcPts val="0"/>
-              </a:spcAft>
-              <a:buNone/>
-            </a:pPr>
-            <a:endParaRPr dirty="0"/>
-          </a:p>
-        </p:txBody>
-      </p:sp>
-      <p:sp>
-        <p:nvSpPr>
-          <p:cNvPr id="244" name="Shape 244"/>
-          <p:cNvSpPr>
-            <a:spLocks noGrp="1" noRot="1" noChangeAspect="1"/>
-          </p:cNvSpPr>
-          <p:nvPr>
-            <p:ph type="sldImg" idx="2"/>
-          </p:nvPr>
-        </p:nvSpPr>
-        <p:spPr>
-          <a:xfrm>
-            <a:off x="685800" y="1143000"/>
-            <a:ext cx="5486400" cy="3086100"/>
-          </a:xfrm>
-          <a:custGeom>
-            <a:avLst/>
-            <a:gdLst/>
-            <a:ahLst/>
-            <a:cxnLst/>
-            <a:rect l="0" t="0" r="0" b="0"/>
-            <a:pathLst>
-              <a:path w="120000" h="120000" extrusionOk="0">
-                <a:moveTo>
-                  <a:pt x="0" y="0"/>
-                </a:moveTo>
-                <a:lnTo>
-                  <a:pt x="120000" y="0"/>
-                </a:lnTo>
-                <a:lnTo>
-                  <a:pt x="120000" y="120000"/>
-                </a:lnTo>
-                <a:lnTo>
-                  <a:pt x="0" y="120000"/>
-                </a:lnTo>
-                <a:close/>
-              </a:path>
-            </a:pathLst>
-          </a:custGeom>
-        </p:spPr>
-      </p:sp>
-    </p:spTree>
-    <p:extLst>
-      <p:ext uri="{BB962C8B-B14F-4D97-AF65-F5344CB8AC3E}">
-        <p14:creationId xmlns:p14="http://schemas.microsoft.com/office/powerpoint/2010/main" val="1856501620"/>
-      </p:ext>
-    </p:extLst>
-  </p:cSld>
-  <p:clrMapOvr>
-    <a:masterClrMapping/>
-  </p:clrMapOvr>
-</p:notes>
-</file>
-
-<file path=ppt/notesSlides/notesSlide12.xml><?xml version="1.0" encoding="utf-8"?>
-<p:notes xmlns:a="http://schemas.openxmlformats.org/drawingml/2006/main" xmlns:r="http://schemas.openxmlformats.org/officeDocument/2006/relationships" xmlns:p="http://schemas.openxmlformats.org/presentationml/2006/main" showMasterSp="0" showMasterPhAnim="0">
-  <p:cSld>
-    <p:spTree>
-      <p:nvGrpSpPr>
-        <p:cNvPr id="1" name="Shape 242"/>
-        <p:cNvGrpSpPr/>
-        <p:nvPr/>
-      </p:nvGrpSpPr>
-      <p:grpSpPr>
-        <a:xfrm>
-          <a:off x="0" y="0"/>
-          <a:ext cx="0" cy="0"/>
-          <a:chOff x="0" y="0"/>
-          <a:chExt cx="0" cy="0"/>
-        </a:xfrm>
-      </p:grpSpPr>
-      <p:sp>
-        <p:nvSpPr>
-          <p:cNvPr id="243" name="Shape 243"/>
-          <p:cNvSpPr txBox="1">
-            <a:spLocks noGrp="1"/>
-          </p:cNvSpPr>
-          <p:nvPr>
-            <p:ph type="body" idx="1"/>
-          </p:nvPr>
-        </p:nvSpPr>
-        <p:spPr>
-          <a:xfrm>
-            <a:off x="685800" y="4400550"/>
-            <a:ext cx="5486400" cy="3600450"/>
-          </a:xfrm>
-          <a:prstGeom prst="rect">
-            <a:avLst/>
-          </a:prstGeom>
-        </p:spPr>
-        <p:txBody>
-          <a:bodyPr spcFirstLastPara="1" wrap="square" lIns="91425" tIns="91425" rIns="91425" bIns="91425" anchor="t" anchorCtr="0">
-            <a:noAutofit/>
-          </a:bodyPr>
-          <a:lstStyle/>
-          <a:p>
             <a:pPr marL="0" marR="0" lvl="0" indent="0" algn="l" defTabSz="914400" rtl="0" eaLnBrk="1" fontAlgn="auto" latinLnBrk="0" hangingPunct="1">
               <a:lnSpc>
                 <a:spcPct val="100000"/>
@@ -2047,7 +1827,7 @@
 </p:notes>
 </file>
 
-<file path=ppt/notesSlides/notesSlide13.xml><?xml version="1.0" encoding="utf-8"?>
+<file path=ppt/notesSlides/notesSlide11.xml><?xml version="1.0" encoding="utf-8"?>
 <p:notes xmlns:a="http://schemas.openxmlformats.org/drawingml/2006/main" xmlns:r="http://schemas.openxmlformats.org/officeDocument/2006/relationships" xmlns:p="http://schemas.openxmlformats.org/presentationml/2006/main" showMasterSp="0" showMasterPhAnim="0">
   <p:cSld>
     <p:spTree>
@@ -2226,7 +2006,7 @@
 </p:notes>
 </file>
 
-<file path=ppt/notesSlides/notesSlide14.xml><?xml version="1.0" encoding="utf-8"?>
+<file path=ppt/notesSlides/notesSlide12.xml><?xml version="1.0" encoding="utf-8"?>
 <p:notes xmlns:a="http://schemas.openxmlformats.org/drawingml/2006/main" xmlns:r="http://schemas.openxmlformats.org/officeDocument/2006/relationships" xmlns:p="http://schemas.openxmlformats.org/presentationml/2006/main" showMasterSp="0" showMasterPhAnim="0">
   <p:cSld>
     <p:spTree>
@@ -2394,7 +2174,7 @@
 </p:notes>
 </file>
 
-<file path=ppt/notesSlides/notesSlide15.xml><?xml version="1.0" encoding="utf-8"?>
+<file path=ppt/notesSlides/notesSlide13.xml><?xml version="1.0" encoding="utf-8"?>
 <p:notes xmlns:a="http://schemas.openxmlformats.org/drawingml/2006/main" xmlns:r="http://schemas.openxmlformats.org/officeDocument/2006/relationships" xmlns:p="http://schemas.openxmlformats.org/presentationml/2006/main" showMasterSp="0" showMasterPhAnim="0">
   <p:cSld>
     <p:spTree>
@@ -2503,7 +2283,7 @@
 </p:notes>
 </file>
 
-<file path=ppt/notesSlides/notesSlide16.xml><?xml version="1.0" encoding="utf-8"?>
+<file path=ppt/notesSlides/notesSlide14.xml><?xml version="1.0" encoding="utf-8"?>
 <p:notes xmlns:a="http://schemas.openxmlformats.org/drawingml/2006/main" xmlns:r="http://schemas.openxmlformats.org/officeDocument/2006/relationships" xmlns:p="http://schemas.openxmlformats.org/presentationml/2006/main" showMasterSp="0" showMasterPhAnim="0">
   <p:cSld>
     <p:spTree>
@@ -2708,7 +2488,7 @@
 </p:notes>
 </file>
 
-<file path=ppt/notesSlides/notesSlide17.xml><?xml version="1.0" encoding="utf-8"?>
+<file path=ppt/notesSlides/notesSlide15.xml><?xml version="1.0" encoding="utf-8"?>
 <p:notes xmlns:a="http://schemas.openxmlformats.org/drawingml/2006/main" xmlns:r="http://schemas.openxmlformats.org/officeDocument/2006/relationships" xmlns:p="http://schemas.openxmlformats.org/presentationml/2006/main" showMasterSp="0" showMasterPhAnim="0">
   <p:cSld>
     <p:spTree>
@@ -2817,7 +2597,7 @@
 </p:notes>
 </file>
 
-<file path=ppt/notesSlides/notesSlide18.xml><?xml version="1.0" encoding="utf-8"?>
+<file path=ppt/notesSlides/notesSlide16.xml><?xml version="1.0" encoding="utf-8"?>
 <p:notes xmlns:a="http://schemas.openxmlformats.org/drawingml/2006/main" xmlns:r="http://schemas.openxmlformats.org/officeDocument/2006/relationships" xmlns:p="http://schemas.openxmlformats.org/presentationml/2006/main" showMasterSp="0" showMasterPhAnim="0">
   <p:cSld>
     <p:spTree>
@@ -2970,7 +2750,7 @@
 </p:notes>
 </file>
 
-<file path=ppt/notesSlides/notesSlide19.xml><?xml version="1.0" encoding="utf-8"?>
+<file path=ppt/notesSlides/notesSlide17.xml><?xml version="1.0" encoding="utf-8"?>
 <p:notes xmlns:a="http://schemas.openxmlformats.org/drawingml/2006/main" xmlns:r="http://schemas.openxmlformats.org/officeDocument/2006/relationships" xmlns:p="http://schemas.openxmlformats.org/presentationml/2006/main" showMasterSp="0" showMasterPhAnim="0">
   <p:cSld>
     <p:spTree>
@@ -3079,116 +2859,7 @@
 </p:notes>
 </file>
 
-<file path=ppt/notesSlides/notesSlide2.xml><?xml version="1.0" encoding="utf-8"?>
-<p:notes xmlns:a="http://schemas.openxmlformats.org/drawingml/2006/main" xmlns:r="http://schemas.openxmlformats.org/officeDocument/2006/relationships" xmlns:p="http://schemas.openxmlformats.org/presentationml/2006/main" showMasterSp="0" showMasterPhAnim="0">
-  <p:cSld>
-    <p:spTree>
-      <p:nvGrpSpPr>
-        <p:cNvPr id="1" name="Shape 242"/>
-        <p:cNvGrpSpPr/>
-        <p:nvPr/>
-      </p:nvGrpSpPr>
-      <p:grpSpPr>
-        <a:xfrm>
-          <a:off x="0" y="0"/>
-          <a:ext cx="0" cy="0"/>
-          <a:chOff x="0" y="0"/>
-          <a:chExt cx="0" cy="0"/>
-        </a:xfrm>
-      </p:grpSpPr>
-      <p:sp>
-        <p:nvSpPr>
-          <p:cNvPr id="243" name="Shape 243"/>
-          <p:cNvSpPr txBox="1">
-            <a:spLocks noGrp="1"/>
-          </p:cNvSpPr>
-          <p:nvPr>
-            <p:ph type="body" idx="1"/>
-          </p:nvPr>
-        </p:nvSpPr>
-        <p:spPr>
-          <a:xfrm>
-            <a:off x="685800" y="4400550"/>
-            <a:ext cx="5486400" cy="3600450"/>
-          </a:xfrm>
-          <a:prstGeom prst="rect">
-            <a:avLst/>
-          </a:prstGeom>
-        </p:spPr>
-        <p:txBody>
-          <a:bodyPr spcFirstLastPara="1" wrap="square" lIns="91425" tIns="91425" rIns="91425" bIns="91425" anchor="t" anchorCtr="0">
-            <a:noAutofit/>
-          </a:bodyPr>
-          <a:lstStyle/>
-          <a:p>
-            <a:pPr marL="0" lvl="0" indent="0">
-              <a:spcBef>
-                <a:spcPts val="0"/>
-              </a:spcBef>
-              <a:spcAft>
-                <a:spcPts val="0"/>
-              </a:spcAft>
-              <a:buNone/>
-            </a:pPr>
-            <a:endParaRPr dirty="0"/>
-          </a:p>
-        </p:txBody>
-      </p:sp>
-      <p:sp>
-        <p:nvSpPr>
-          <p:cNvPr id="244" name="Shape 244"/>
-          <p:cNvSpPr>
-            <a:spLocks noGrp="1" noRot="1" noChangeAspect="1"/>
-          </p:cNvSpPr>
-          <p:nvPr>
-            <p:ph type="sldImg" idx="2"/>
-          </p:nvPr>
-        </p:nvSpPr>
-        <p:spPr>
-          <a:xfrm>
-            <a:off x="685800" y="1143000"/>
-            <a:ext cx="5486400" cy="3086100"/>
-          </a:xfrm>
-          <a:custGeom>
-            <a:avLst/>
-            <a:gdLst/>
-            <a:ahLst/>
-            <a:cxnLst/>
-            <a:rect l="0" t="0" r="0" b="0"/>
-            <a:pathLst>
-              <a:path w="120000" h="120000" extrusionOk="0">
-                <a:moveTo>
-                  <a:pt x="0" y="0"/>
-                </a:moveTo>
-                <a:lnTo>
-                  <a:pt x="120000" y="0"/>
-                </a:lnTo>
-                <a:lnTo>
-                  <a:pt x="120000" y="120000"/>
-                </a:lnTo>
-                <a:lnTo>
-                  <a:pt x="0" y="120000"/>
-                </a:lnTo>
-                <a:close/>
-              </a:path>
-            </a:pathLst>
-          </a:custGeom>
-        </p:spPr>
-      </p:sp>
-    </p:spTree>
-    <p:extLst>
-      <p:ext uri="{BB962C8B-B14F-4D97-AF65-F5344CB8AC3E}">
-        <p14:creationId xmlns:p14="http://schemas.microsoft.com/office/powerpoint/2010/main" val="4288537167"/>
-      </p:ext>
-    </p:extLst>
-  </p:cSld>
-  <p:clrMapOvr>
-    <a:masterClrMapping/>
-  </p:clrMapOvr>
-</p:notes>
-</file>
-
-<file path=ppt/notesSlides/notesSlide20.xml><?xml version="1.0" encoding="utf-8"?>
+<file path=ppt/notesSlides/notesSlide18.xml><?xml version="1.0" encoding="utf-8"?>
 <p:notes xmlns:a="http://schemas.openxmlformats.org/drawingml/2006/main" xmlns:r="http://schemas.openxmlformats.org/officeDocument/2006/relationships" xmlns:p="http://schemas.openxmlformats.org/presentationml/2006/main" showMasterSp="0" showMasterPhAnim="0">
   <p:cSld>
     <p:spTree>
@@ -3297,7 +2968,7 @@
 </p:notes>
 </file>
 
-<file path=ppt/notesSlides/notesSlide21.xml><?xml version="1.0" encoding="utf-8"?>
+<file path=ppt/notesSlides/notesSlide19.xml><?xml version="1.0" encoding="utf-8"?>
 <p:notes xmlns:a="http://schemas.openxmlformats.org/drawingml/2006/main" xmlns:r="http://schemas.openxmlformats.org/officeDocument/2006/relationships" xmlns:p="http://schemas.openxmlformats.org/presentationml/2006/main" showMasterSp="0" showMasterPhAnim="0">
   <p:cSld>
     <p:spTree>
@@ -3397,6 +3068,115 @@
     <p:extLst>
       <p:ext uri="{BB962C8B-B14F-4D97-AF65-F5344CB8AC3E}">
         <p14:creationId xmlns:p14="http://schemas.microsoft.com/office/powerpoint/2010/main" val="4290428690"/>
+      </p:ext>
+    </p:extLst>
+  </p:cSld>
+  <p:clrMapOvr>
+    <a:masterClrMapping/>
+  </p:clrMapOvr>
+</p:notes>
+</file>
+
+<file path=ppt/notesSlides/notesSlide2.xml><?xml version="1.0" encoding="utf-8"?>
+<p:notes xmlns:a="http://schemas.openxmlformats.org/drawingml/2006/main" xmlns:r="http://schemas.openxmlformats.org/officeDocument/2006/relationships" xmlns:p="http://schemas.openxmlformats.org/presentationml/2006/main" showMasterSp="0" showMasterPhAnim="0">
+  <p:cSld>
+    <p:spTree>
+      <p:nvGrpSpPr>
+        <p:cNvPr id="1" name="Shape 242"/>
+        <p:cNvGrpSpPr/>
+        <p:nvPr/>
+      </p:nvGrpSpPr>
+      <p:grpSpPr>
+        <a:xfrm>
+          <a:off x="0" y="0"/>
+          <a:ext cx="0" cy="0"/>
+          <a:chOff x="0" y="0"/>
+          <a:chExt cx="0" cy="0"/>
+        </a:xfrm>
+      </p:grpSpPr>
+      <p:sp>
+        <p:nvSpPr>
+          <p:cNvPr id="243" name="Shape 243"/>
+          <p:cNvSpPr txBox="1">
+            <a:spLocks noGrp="1"/>
+          </p:cNvSpPr>
+          <p:nvPr>
+            <p:ph type="body" idx="1"/>
+          </p:nvPr>
+        </p:nvSpPr>
+        <p:spPr>
+          <a:xfrm>
+            <a:off x="685800" y="4400550"/>
+            <a:ext cx="5486400" cy="3600450"/>
+          </a:xfrm>
+          <a:prstGeom prst="rect">
+            <a:avLst/>
+          </a:prstGeom>
+        </p:spPr>
+        <p:txBody>
+          <a:bodyPr spcFirstLastPara="1" wrap="square" lIns="91425" tIns="91425" rIns="91425" bIns="91425" anchor="t" anchorCtr="0">
+            <a:noAutofit/>
+          </a:bodyPr>
+          <a:lstStyle/>
+          <a:p>
+            <a:pPr marL="0" lvl="0" indent="0">
+              <a:spcBef>
+                <a:spcPts val="0"/>
+              </a:spcBef>
+              <a:spcAft>
+                <a:spcPts val="0"/>
+              </a:spcAft>
+              <a:buNone/>
+            </a:pPr>
+            <a:endParaRPr dirty="0"/>
+          </a:p>
+        </p:txBody>
+      </p:sp>
+      <p:sp>
+        <p:nvSpPr>
+          <p:cNvPr id="244" name="Shape 244"/>
+          <p:cNvSpPr>
+            <a:spLocks noGrp="1" noRot="1" noChangeAspect="1"/>
+          </p:cNvSpPr>
+          <p:nvPr>
+            <p:ph type="sldImg" idx="2"/>
+          </p:nvPr>
+        </p:nvSpPr>
+        <p:spPr>
+          <a:xfrm>
+            <a:off x="685800" y="1143000"/>
+            <a:ext cx="5486400" cy="3086100"/>
+          </a:xfrm>
+          <a:custGeom>
+            <a:avLst/>
+            <a:gdLst/>
+            <a:ahLst/>
+            <a:cxnLst/>
+            <a:rect l="0" t="0" r="0" b="0"/>
+            <a:pathLst>
+              <a:path w="120000" h="120000" extrusionOk="0">
+                <a:moveTo>
+                  <a:pt x="0" y="0"/>
+                </a:moveTo>
+                <a:lnTo>
+                  <a:pt x="120000" y="0"/>
+                </a:lnTo>
+                <a:lnTo>
+                  <a:pt x="120000" y="120000"/>
+                </a:lnTo>
+                <a:lnTo>
+                  <a:pt x="0" y="120000"/>
+                </a:lnTo>
+                <a:close/>
+              </a:path>
+            </a:pathLst>
+          </a:custGeom>
+        </p:spPr>
+      </p:sp>
+    </p:spTree>
+    <p:extLst>
+      <p:ext uri="{BB962C8B-B14F-4D97-AF65-F5344CB8AC3E}">
+        <p14:creationId xmlns:p14="http://schemas.microsoft.com/office/powerpoint/2010/main" val="4288537167"/>
       </p:ext>
     </p:extLst>
   </p:cSld>
@@ -17105,26 +16885,18 @@
                 <a:latin typeface="Calibri Light" panose="020F0302020204030204" pitchFamily="34" charset="0"/>
                 <a:cs typeface="Calibri Light" panose="020F0302020204030204" pitchFamily="34" charset="0"/>
               </a:rPr>
-              <a:t>Variable ‘Page Talking About ‘</a:t>
-            </a:r>
-            <a:endParaRPr lang="it-IT" sz="2800" dirty="0">
+              <a:t>Likes for all pages</a:t>
+            </a:r>
+            <a:r>
+              <a:rPr lang="it-IT" sz="2800" dirty="0">
+                <a:latin typeface="Calibri Light" panose="020F0302020204030204" pitchFamily="34" charset="0"/>
+                <a:cs typeface="Calibri Light" panose="020F0302020204030204" pitchFamily="34" charset="0"/>
+              </a:rPr>
+              <a:t> </a:t>
+            </a:r>
+            <a:endParaRPr lang="en-GB" sz="2800" dirty="0">
               <a:latin typeface="Calibri Light" panose="020F0302020204030204" pitchFamily="34" charset="0"/>
               <a:cs typeface="Calibri Light" panose="020F0302020204030204" pitchFamily="34" charset="0"/>
-            </a:endParaRPr>
-          </a:p>
-          <a:p>
-            <a:pPr marL="0" marR="0" lvl="0" indent="0" algn="l" rtl="0">
-              <a:spcBef>
-                <a:spcPts val="0"/>
-              </a:spcBef>
-              <a:spcAft>
-                <a:spcPts val="0"/>
-              </a:spcAft>
-              <a:buNone/>
-            </a:pPr>
-            <a:endParaRPr lang="en-GB" sz="4000" dirty="0">
-              <a:latin typeface="Calibri" panose="020F0502020204030204" pitchFamily="34" charset="0"/>
-              <a:cs typeface="Calibri" panose="020F0502020204030204" pitchFamily="34" charset="0"/>
             </a:endParaRPr>
           </a:p>
         </p:txBody>
@@ -17204,682 +16976,6 @@
             <a:fld id="{00000000-1234-1234-1234-123412341234}" type="slidenum">
               <a:rPr lang="nb-NO" sz="1800" smtClean="0"/>
               <a:t>10</a:t>
-            </a:fld>
-            <a:endParaRPr lang="nb-NO" sz="1800"/>
-          </a:p>
-        </p:txBody>
-      </p:sp>
-      <p:sp>
-        <p:nvSpPr>
-          <p:cNvPr id="2" name="Segnaposto piè di pagina 1">
-            <a:extLst>
-              <a:ext uri="{FF2B5EF4-FFF2-40B4-BE49-F238E27FC236}">
-                <a16:creationId xmlns:a16="http://schemas.microsoft.com/office/drawing/2014/main" id="{3A8DC547-98D8-5343-982F-51E225E4C786}"/>
-              </a:ext>
-            </a:extLst>
-          </p:cNvPr>
-          <p:cNvSpPr>
-            <a:spLocks noGrp="1"/>
-          </p:cNvSpPr>
-          <p:nvPr>
-            <p:ph type="ftr" idx="11"/>
-          </p:nvPr>
-        </p:nvSpPr>
-        <p:spPr>
-          <a:xfrm>
-            <a:off x="4463425" y="6441514"/>
-            <a:ext cx="4822804" cy="365125"/>
-          </a:xfrm>
-        </p:spPr>
-        <p:txBody>
-          <a:bodyPr/>
-          <a:lstStyle/>
-          <a:p>
-            <a:r>
-              <a:rPr lang="it-IT" sz="1800" dirty="0"/>
-              <a:t>-     Data Analytics &amp; Data </a:t>
-            </a:r>
-            <a:r>
-              <a:rPr lang="it-IT" sz="1800" dirty="0" err="1"/>
-              <a:t>Driven</a:t>
-            </a:r>
-            <a:r>
-              <a:rPr lang="it-IT" sz="1800" dirty="0"/>
-              <a:t> </a:t>
-            </a:r>
-            <a:r>
-              <a:rPr lang="it-IT" sz="1800" dirty="0" err="1"/>
-              <a:t>Decision</a:t>
-            </a:r>
-            <a:endParaRPr lang="it-IT" sz="1800" dirty="0"/>
-          </a:p>
-        </p:txBody>
-      </p:sp>
-      <p:pic>
-        <p:nvPicPr>
-          <p:cNvPr id="12" name="Immagine 11">
-            <a:extLst>
-              <a:ext uri="{FF2B5EF4-FFF2-40B4-BE49-F238E27FC236}">
-                <a16:creationId xmlns:a16="http://schemas.microsoft.com/office/drawing/2014/main" id="{F4F6ECE7-6349-2B41-9480-E8EAB38FAEC9}"/>
-              </a:ext>
-            </a:extLst>
-          </p:cNvPr>
-          <p:cNvPicPr/>
-          <p:nvPr/>
-        </p:nvPicPr>
-        <p:blipFill>
-          <a:blip r:embed="rId4">
-            <a:extLst>
-              <a:ext uri="{28A0092B-C50C-407E-A947-70E740481C1C}">
-                <a14:useLocalDpi xmlns:a14="http://schemas.microsoft.com/office/drawing/2010/main" val="0"/>
-              </a:ext>
-            </a:extLst>
-          </a:blip>
-          <a:stretch>
-            <a:fillRect/>
-          </a:stretch>
-        </p:blipFill>
-        <p:spPr>
-          <a:xfrm>
-            <a:off x="2998139" y="1365480"/>
-            <a:ext cx="6086483" cy="4641930"/>
-          </a:xfrm>
-          <a:prstGeom prst="rect">
-            <a:avLst/>
-          </a:prstGeom>
-        </p:spPr>
-      </p:pic>
-    </p:spTree>
-    <p:extLst>
-      <p:ext uri="{BB962C8B-B14F-4D97-AF65-F5344CB8AC3E}">
-        <p14:creationId xmlns:p14="http://schemas.microsoft.com/office/powerpoint/2010/main" val="1613927551"/>
-      </p:ext>
-    </p:extLst>
-  </p:cSld>
-  <p:clrMapOvr>
-    <a:masterClrMapping/>
-  </p:clrMapOvr>
-</p:sld>
-</file>
-
-<file path=ppt/slides/slide11.xml><?xml version="1.0" encoding="utf-8"?>
-<p:sld xmlns:a="http://schemas.openxmlformats.org/drawingml/2006/main" xmlns:r="http://schemas.openxmlformats.org/officeDocument/2006/relationships" xmlns:p="http://schemas.openxmlformats.org/presentationml/2006/main">
-  <p:cSld>
-    <p:spTree>
-      <p:nvGrpSpPr>
-        <p:cNvPr id="1" name="Shape 245"/>
-        <p:cNvGrpSpPr/>
-        <p:nvPr/>
-      </p:nvGrpSpPr>
-      <p:grpSpPr>
-        <a:xfrm>
-          <a:off x="0" y="0"/>
-          <a:ext cx="0" cy="0"/>
-          <a:chOff x="0" y="0"/>
-          <a:chExt cx="0" cy="0"/>
-        </a:xfrm>
-      </p:grpSpPr>
-      <p:pic>
-        <p:nvPicPr>
-          <p:cNvPr id="246" name="Shape 246"/>
-          <p:cNvPicPr preferRelativeResize="0"/>
-          <p:nvPr/>
-        </p:nvPicPr>
-        <p:blipFill rotWithShape="1">
-          <a:blip r:embed="rId3">
-            <a:alphaModFix/>
-          </a:blip>
-          <a:srcRect/>
-          <a:stretch/>
-        </p:blipFill>
-        <p:spPr>
-          <a:xfrm>
-            <a:off x="108438" y="6007410"/>
-            <a:ext cx="774700" cy="732056"/>
-          </a:xfrm>
-          <a:prstGeom prst="rect">
-            <a:avLst/>
-          </a:prstGeom>
-          <a:noFill/>
-          <a:ln>
-            <a:noFill/>
-          </a:ln>
-        </p:spPr>
-      </p:pic>
-      <p:sp>
-        <p:nvSpPr>
-          <p:cNvPr id="247" name="Shape 247"/>
-          <p:cNvSpPr txBox="1"/>
-          <p:nvPr/>
-        </p:nvSpPr>
-        <p:spPr>
-          <a:xfrm>
-            <a:off x="883138" y="6441514"/>
-            <a:ext cx="3940694" cy="369332"/>
-          </a:xfrm>
-          <a:prstGeom prst="rect">
-            <a:avLst/>
-          </a:prstGeom>
-          <a:noFill/>
-          <a:ln>
-            <a:noFill/>
-          </a:ln>
-        </p:spPr>
-        <p:txBody>
-          <a:bodyPr spcFirstLastPara="1" wrap="square" lIns="91425" tIns="45700" rIns="91425" bIns="45700" anchor="t" anchorCtr="0">
-            <a:noAutofit/>
-          </a:bodyPr>
-          <a:lstStyle/>
-          <a:p>
-            <a:pPr marL="0" marR="0" lvl="0" indent="0" algn="l" rtl="0">
-              <a:spcBef>
-                <a:spcPts val="0"/>
-              </a:spcBef>
-              <a:spcAft>
-                <a:spcPts val="0"/>
-              </a:spcAft>
-              <a:buNone/>
-            </a:pPr>
-            <a:r>
-              <a:rPr lang="it-IT" sz="1800">
-                <a:solidFill>
-                  <a:schemeClr val="lt1"/>
-                </a:solidFill>
-                <a:latin typeface="Calibri"/>
-                <a:ea typeface="Calibri"/>
-                <a:cs typeface="Calibri"/>
-                <a:sym typeface="Calibri"/>
-              </a:rPr>
-              <a:t>DISIM - Università degli Studi Dell’Aquila</a:t>
-            </a:r>
-            <a:endParaRPr/>
-          </a:p>
-        </p:txBody>
-      </p:sp>
-      <p:sp>
-        <p:nvSpPr>
-          <p:cNvPr id="248" name="Shape 248"/>
-          <p:cNvSpPr txBox="1"/>
-          <p:nvPr/>
-        </p:nvSpPr>
-        <p:spPr>
-          <a:xfrm>
-            <a:off x="876468" y="352448"/>
-            <a:ext cx="10336015" cy="787584"/>
-          </a:xfrm>
-          <a:prstGeom prst="rect">
-            <a:avLst/>
-          </a:prstGeom>
-          <a:noFill/>
-          <a:ln>
-            <a:noFill/>
-          </a:ln>
-        </p:spPr>
-        <p:txBody>
-          <a:bodyPr spcFirstLastPara="1" wrap="square" lIns="91425" tIns="45700" rIns="91425" bIns="45700" anchor="t" anchorCtr="0">
-            <a:noAutofit/>
-          </a:bodyPr>
-          <a:lstStyle/>
-          <a:p>
-            <a:r>
-              <a:rPr lang="en-GB" sz="3600" dirty="0">
-                <a:latin typeface="Calibri" panose="020F0502020204030204" pitchFamily="34" charset="0"/>
-                <a:cs typeface="Calibri" panose="020F0502020204030204" pitchFamily="34" charset="0"/>
-              </a:rPr>
-              <a:t>Exploratory Analysis </a:t>
-            </a:r>
-            <a:r>
-              <a:rPr lang="en-GB" sz="2800" dirty="0">
-                <a:latin typeface="Calibri" panose="020F0502020204030204" pitchFamily="34" charset="0"/>
-                <a:cs typeface="Calibri" panose="020F0502020204030204" pitchFamily="34" charset="0"/>
-              </a:rPr>
-              <a:t>–</a:t>
-            </a:r>
-            <a:r>
-              <a:rPr lang="en-GB" sz="4000" dirty="0">
-                <a:latin typeface="Calibri" panose="020F0502020204030204" pitchFamily="34" charset="0"/>
-                <a:cs typeface="Calibri" panose="020F0502020204030204" pitchFamily="34" charset="0"/>
-              </a:rPr>
-              <a:t> </a:t>
-            </a:r>
-            <a:r>
-              <a:rPr lang="en-GB" sz="2800" dirty="0">
-                <a:latin typeface="Calibri Light" panose="020F0302020204030204" pitchFamily="34" charset="0"/>
-                <a:cs typeface="Calibri Light" panose="020F0302020204030204" pitchFamily="34" charset="0"/>
-              </a:rPr>
-              <a:t>Variable ‘Post Share Count ‘</a:t>
-            </a:r>
-            <a:endParaRPr lang="it-IT" sz="2800" dirty="0">
-              <a:latin typeface="Calibri Light" panose="020F0302020204030204" pitchFamily="34" charset="0"/>
-              <a:cs typeface="Calibri Light" panose="020F0302020204030204" pitchFamily="34" charset="0"/>
-            </a:endParaRPr>
-          </a:p>
-          <a:p>
-            <a:pPr marL="0" marR="0" lvl="0" indent="0" algn="l" rtl="0">
-              <a:spcBef>
-                <a:spcPts val="0"/>
-              </a:spcBef>
-              <a:spcAft>
-                <a:spcPts val="0"/>
-              </a:spcAft>
-              <a:buNone/>
-            </a:pPr>
-            <a:endParaRPr lang="en-GB" sz="4000" dirty="0">
-              <a:latin typeface="Calibri" panose="020F0502020204030204" pitchFamily="34" charset="0"/>
-              <a:cs typeface="Calibri" panose="020F0502020204030204" pitchFamily="34" charset="0"/>
-            </a:endParaRPr>
-          </a:p>
-        </p:txBody>
-      </p:sp>
-      <p:sp>
-        <p:nvSpPr>
-          <p:cNvPr id="249" name="Shape 249"/>
-          <p:cNvSpPr/>
-          <p:nvPr/>
-        </p:nvSpPr>
-        <p:spPr>
-          <a:xfrm>
-            <a:off x="0" y="0"/>
-            <a:ext cx="12192000" cy="127000"/>
-          </a:xfrm>
-          <a:prstGeom prst="rect">
-            <a:avLst/>
-          </a:prstGeom>
-          <a:solidFill>
-            <a:schemeClr val="accent1"/>
-          </a:solidFill>
-          <a:ln>
-            <a:noFill/>
-          </a:ln>
-        </p:spPr>
-        <p:txBody>
-          <a:bodyPr spcFirstLastPara="1" wrap="square" lIns="91425" tIns="45700" rIns="91425" bIns="45700" anchor="ctr" anchorCtr="0">
-            <a:noAutofit/>
-          </a:bodyPr>
-          <a:lstStyle/>
-          <a:p>
-            <a:pPr marL="0" marR="0" lvl="0" indent="0" algn="ctr" rtl="0">
-              <a:spcBef>
-                <a:spcPts val="0"/>
-              </a:spcBef>
-              <a:spcAft>
-                <a:spcPts val="0"/>
-              </a:spcAft>
-              <a:buNone/>
-            </a:pPr>
-            <a:endParaRPr sz="1800">
-              <a:solidFill>
-                <a:schemeClr val="lt1"/>
-              </a:solidFill>
-              <a:latin typeface="Calibri"/>
-              <a:ea typeface="Calibri"/>
-              <a:cs typeface="Calibri"/>
-              <a:sym typeface="Calibri"/>
-            </a:endParaRPr>
-          </a:p>
-        </p:txBody>
-      </p:sp>
-      <p:sp>
-        <p:nvSpPr>
-          <p:cNvPr id="7" name="Segnaposto numero diapositiva 6"/>
-          <p:cNvSpPr>
-            <a:spLocks noGrp="1"/>
-          </p:cNvSpPr>
-          <p:nvPr>
-            <p:ph type="sldNum" idx="12"/>
-          </p:nvPr>
-        </p:nvSpPr>
-        <p:spPr/>
-        <p:txBody>
-          <a:bodyPr/>
-          <a:lstStyle/>
-          <a:p>
-            <a:pPr marL="0" lvl="0" indent="0">
-              <a:spcBef>
-                <a:spcPts val="0"/>
-              </a:spcBef>
-              <a:spcAft>
-                <a:spcPts val="0"/>
-              </a:spcAft>
-              <a:buNone/>
-            </a:pPr>
-            <a:fld id="{00000000-1234-1234-1234-123412341234}" type="slidenum">
-              <a:rPr lang="nb-NO" sz="1800" smtClean="0"/>
-              <a:t>11</a:t>
-            </a:fld>
-            <a:endParaRPr lang="nb-NO" sz="1800"/>
-          </a:p>
-        </p:txBody>
-      </p:sp>
-      <p:sp>
-        <p:nvSpPr>
-          <p:cNvPr id="2" name="Segnaposto piè di pagina 1">
-            <a:extLst>
-              <a:ext uri="{FF2B5EF4-FFF2-40B4-BE49-F238E27FC236}">
-                <a16:creationId xmlns:a16="http://schemas.microsoft.com/office/drawing/2014/main" id="{3A8DC547-98D8-5343-982F-51E225E4C786}"/>
-              </a:ext>
-            </a:extLst>
-          </p:cNvPr>
-          <p:cNvSpPr>
-            <a:spLocks noGrp="1"/>
-          </p:cNvSpPr>
-          <p:nvPr>
-            <p:ph type="ftr" idx="11"/>
-          </p:nvPr>
-        </p:nvSpPr>
-        <p:spPr>
-          <a:xfrm>
-            <a:off x="4463425" y="6441514"/>
-            <a:ext cx="4822804" cy="365125"/>
-          </a:xfrm>
-        </p:spPr>
-        <p:txBody>
-          <a:bodyPr/>
-          <a:lstStyle/>
-          <a:p>
-            <a:r>
-              <a:rPr lang="it-IT" sz="1800" dirty="0"/>
-              <a:t>-     Data Analytics &amp; Data </a:t>
-            </a:r>
-            <a:r>
-              <a:rPr lang="it-IT" sz="1800" dirty="0" err="1"/>
-              <a:t>Driven</a:t>
-            </a:r>
-            <a:r>
-              <a:rPr lang="it-IT" sz="1800" dirty="0"/>
-              <a:t> </a:t>
-            </a:r>
-            <a:r>
-              <a:rPr lang="it-IT" sz="1800" dirty="0" err="1"/>
-              <a:t>Decision</a:t>
-            </a:r>
-            <a:endParaRPr lang="it-IT" sz="1800" dirty="0"/>
-          </a:p>
-        </p:txBody>
-      </p:sp>
-      <p:pic>
-        <p:nvPicPr>
-          <p:cNvPr id="9" name="Immagine 8">
-            <a:extLst>
-              <a:ext uri="{FF2B5EF4-FFF2-40B4-BE49-F238E27FC236}">
-                <a16:creationId xmlns:a16="http://schemas.microsoft.com/office/drawing/2014/main" id="{B62145B1-BB4B-F84C-984B-60B4E48C0CB0}"/>
-              </a:ext>
-            </a:extLst>
-          </p:cNvPr>
-          <p:cNvPicPr/>
-          <p:nvPr/>
-        </p:nvPicPr>
-        <p:blipFill>
-          <a:blip r:embed="rId4">
-            <a:extLst>
-              <a:ext uri="{28A0092B-C50C-407E-A947-70E740481C1C}">
-                <a14:useLocalDpi xmlns:a14="http://schemas.microsoft.com/office/drawing/2010/main" val="0"/>
-              </a:ext>
-            </a:extLst>
-          </a:blip>
-          <a:stretch>
-            <a:fillRect/>
-          </a:stretch>
-        </p:blipFill>
-        <p:spPr>
-          <a:xfrm>
-            <a:off x="3022076" y="1096896"/>
-            <a:ext cx="6157550" cy="4910514"/>
-          </a:xfrm>
-          <a:prstGeom prst="rect">
-            <a:avLst/>
-          </a:prstGeom>
-        </p:spPr>
-      </p:pic>
-    </p:spTree>
-    <p:extLst>
-      <p:ext uri="{BB962C8B-B14F-4D97-AF65-F5344CB8AC3E}">
-        <p14:creationId xmlns:p14="http://schemas.microsoft.com/office/powerpoint/2010/main" val="985621517"/>
-      </p:ext>
-    </p:extLst>
-  </p:cSld>
-  <p:clrMapOvr>
-    <a:masterClrMapping/>
-  </p:clrMapOvr>
-</p:sld>
-</file>
-
-<file path=ppt/slides/slide12.xml><?xml version="1.0" encoding="utf-8"?>
-<p:sld xmlns:a="http://schemas.openxmlformats.org/drawingml/2006/main" xmlns:r="http://schemas.openxmlformats.org/officeDocument/2006/relationships" xmlns:p="http://schemas.openxmlformats.org/presentationml/2006/main">
-  <p:cSld>
-    <p:spTree>
-      <p:nvGrpSpPr>
-        <p:cNvPr id="1" name="Shape 245"/>
-        <p:cNvGrpSpPr/>
-        <p:nvPr/>
-      </p:nvGrpSpPr>
-      <p:grpSpPr>
-        <a:xfrm>
-          <a:off x="0" y="0"/>
-          <a:ext cx="0" cy="0"/>
-          <a:chOff x="0" y="0"/>
-          <a:chExt cx="0" cy="0"/>
-        </a:xfrm>
-      </p:grpSpPr>
-      <p:pic>
-        <p:nvPicPr>
-          <p:cNvPr id="246" name="Shape 246"/>
-          <p:cNvPicPr preferRelativeResize="0"/>
-          <p:nvPr/>
-        </p:nvPicPr>
-        <p:blipFill rotWithShape="1">
-          <a:blip r:embed="rId3">
-            <a:alphaModFix/>
-          </a:blip>
-          <a:srcRect/>
-          <a:stretch/>
-        </p:blipFill>
-        <p:spPr>
-          <a:xfrm>
-            <a:off x="108438" y="6007410"/>
-            <a:ext cx="774700" cy="732056"/>
-          </a:xfrm>
-          <a:prstGeom prst="rect">
-            <a:avLst/>
-          </a:prstGeom>
-          <a:noFill/>
-          <a:ln>
-            <a:noFill/>
-          </a:ln>
-        </p:spPr>
-      </p:pic>
-      <p:sp>
-        <p:nvSpPr>
-          <p:cNvPr id="247" name="Shape 247"/>
-          <p:cNvSpPr txBox="1"/>
-          <p:nvPr/>
-        </p:nvSpPr>
-        <p:spPr>
-          <a:xfrm>
-            <a:off x="883138" y="6441514"/>
-            <a:ext cx="3940694" cy="369332"/>
-          </a:xfrm>
-          <a:prstGeom prst="rect">
-            <a:avLst/>
-          </a:prstGeom>
-          <a:noFill/>
-          <a:ln>
-            <a:noFill/>
-          </a:ln>
-        </p:spPr>
-        <p:txBody>
-          <a:bodyPr spcFirstLastPara="1" wrap="square" lIns="91425" tIns="45700" rIns="91425" bIns="45700" anchor="t" anchorCtr="0">
-            <a:noAutofit/>
-          </a:bodyPr>
-          <a:lstStyle/>
-          <a:p>
-            <a:pPr marL="0" marR="0" lvl="0" indent="0" algn="l" rtl="0">
-              <a:spcBef>
-                <a:spcPts val="0"/>
-              </a:spcBef>
-              <a:spcAft>
-                <a:spcPts val="0"/>
-              </a:spcAft>
-              <a:buNone/>
-            </a:pPr>
-            <a:r>
-              <a:rPr lang="it-IT" sz="1800">
-                <a:solidFill>
-                  <a:schemeClr val="lt1"/>
-                </a:solidFill>
-                <a:latin typeface="Calibri"/>
-                <a:ea typeface="Calibri"/>
-                <a:cs typeface="Calibri"/>
-                <a:sym typeface="Calibri"/>
-              </a:rPr>
-              <a:t>DISIM - Università degli Studi Dell’Aquila</a:t>
-            </a:r>
-            <a:endParaRPr/>
-          </a:p>
-        </p:txBody>
-      </p:sp>
-      <p:sp>
-        <p:nvSpPr>
-          <p:cNvPr id="248" name="Shape 248"/>
-          <p:cNvSpPr txBox="1"/>
-          <p:nvPr/>
-        </p:nvSpPr>
-        <p:spPr>
-          <a:xfrm>
-            <a:off x="876468" y="352448"/>
-            <a:ext cx="10336015" cy="787584"/>
-          </a:xfrm>
-          <a:prstGeom prst="rect">
-            <a:avLst/>
-          </a:prstGeom>
-          <a:noFill/>
-          <a:ln>
-            <a:noFill/>
-          </a:ln>
-        </p:spPr>
-        <p:txBody>
-          <a:bodyPr spcFirstLastPara="1" wrap="square" lIns="91425" tIns="45700" rIns="91425" bIns="45700" anchor="t" anchorCtr="0">
-            <a:noAutofit/>
-          </a:bodyPr>
-          <a:lstStyle/>
-          <a:p>
-            <a:r>
-              <a:rPr lang="en-GB" sz="3600" dirty="0">
-                <a:latin typeface="Calibri" panose="020F0502020204030204" pitchFamily="34" charset="0"/>
-                <a:cs typeface="Calibri" panose="020F0502020204030204" pitchFamily="34" charset="0"/>
-              </a:rPr>
-              <a:t>Exploratory Analysis </a:t>
-            </a:r>
-            <a:r>
-              <a:rPr lang="en-GB" sz="2800" dirty="0">
-                <a:latin typeface="Calibri" panose="020F0502020204030204" pitchFamily="34" charset="0"/>
-                <a:cs typeface="Calibri" panose="020F0502020204030204" pitchFamily="34" charset="0"/>
-              </a:rPr>
-              <a:t>–</a:t>
-            </a:r>
-            <a:r>
-              <a:rPr lang="en-GB" sz="4000" dirty="0">
-                <a:latin typeface="Calibri" panose="020F0502020204030204" pitchFamily="34" charset="0"/>
-                <a:cs typeface="Calibri" panose="020F0502020204030204" pitchFamily="34" charset="0"/>
-              </a:rPr>
-              <a:t> </a:t>
-            </a:r>
-            <a:r>
-              <a:rPr lang="en-GB" sz="2800" dirty="0">
-                <a:latin typeface="Calibri Light" panose="020F0302020204030204" pitchFamily="34" charset="0"/>
-                <a:cs typeface="Calibri Light" panose="020F0302020204030204" pitchFamily="34" charset="0"/>
-              </a:rPr>
-              <a:t>Likes for all pages</a:t>
-            </a:r>
-            <a:r>
-              <a:rPr lang="it-IT" sz="2800" dirty="0">
-                <a:latin typeface="Calibri Light" panose="020F0302020204030204" pitchFamily="34" charset="0"/>
-                <a:cs typeface="Calibri Light" panose="020F0302020204030204" pitchFamily="34" charset="0"/>
-              </a:rPr>
-              <a:t> </a:t>
-            </a:r>
-            <a:endParaRPr lang="en-GB" sz="2800" dirty="0">
-              <a:latin typeface="Calibri Light" panose="020F0302020204030204" pitchFamily="34" charset="0"/>
-              <a:cs typeface="Calibri Light" panose="020F0302020204030204" pitchFamily="34" charset="0"/>
-            </a:endParaRPr>
-          </a:p>
-        </p:txBody>
-      </p:sp>
-      <p:sp>
-        <p:nvSpPr>
-          <p:cNvPr id="249" name="Shape 249"/>
-          <p:cNvSpPr/>
-          <p:nvPr/>
-        </p:nvSpPr>
-        <p:spPr>
-          <a:xfrm>
-            <a:off x="0" y="0"/>
-            <a:ext cx="12192000" cy="127000"/>
-          </a:xfrm>
-          <a:prstGeom prst="rect">
-            <a:avLst/>
-          </a:prstGeom>
-          <a:solidFill>
-            <a:schemeClr val="accent1"/>
-          </a:solidFill>
-          <a:ln>
-            <a:noFill/>
-          </a:ln>
-        </p:spPr>
-        <p:txBody>
-          <a:bodyPr spcFirstLastPara="1" wrap="square" lIns="91425" tIns="45700" rIns="91425" bIns="45700" anchor="ctr" anchorCtr="0">
-            <a:noAutofit/>
-          </a:bodyPr>
-          <a:lstStyle/>
-          <a:p>
-            <a:pPr marL="0" marR="0" lvl="0" indent="0" algn="ctr" rtl="0">
-              <a:spcBef>
-                <a:spcPts val="0"/>
-              </a:spcBef>
-              <a:spcAft>
-                <a:spcPts val="0"/>
-              </a:spcAft>
-              <a:buNone/>
-            </a:pPr>
-            <a:endParaRPr sz="1800">
-              <a:solidFill>
-                <a:schemeClr val="lt1"/>
-              </a:solidFill>
-              <a:latin typeface="Calibri"/>
-              <a:ea typeface="Calibri"/>
-              <a:cs typeface="Calibri"/>
-              <a:sym typeface="Calibri"/>
-            </a:endParaRPr>
-          </a:p>
-        </p:txBody>
-      </p:sp>
-      <p:sp>
-        <p:nvSpPr>
-          <p:cNvPr id="7" name="Segnaposto numero diapositiva 6"/>
-          <p:cNvSpPr>
-            <a:spLocks noGrp="1"/>
-          </p:cNvSpPr>
-          <p:nvPr>
-            <p:ph type="sldNum" idx="12"/>
-          </p:nvPr>
-        </p:nvSpPr>
-        <p:spPr/>
-        <p:txBody>
-          <a:bodyPr/>
-          <a:lstStyle/>
-          <a:p>
-            <a:pPr marL="0" lvl="0" indent="0">
-              <a:spcBef>
-                <a:spcPts val="0"/>
-              </a:spcBef>
-              <a:spcAft>
-                <a:spcPts val="0"/>
-              </a:spcAft>
-              <a:buNone/>
-            </a:pPr>
-            <a:fld id="{00000000-1234-1234-1234-123412341234}" type="slidenum">
-              <a:rPr lang="nb-NO" sz="1800" smtClean="0"/>
-              <a:t>12</a:t>
             </a:fld>
             <a:endParaRPr lang="nb-NO" sz="1800"/>
           </a:p>
@@ -18012,6 +17108,663 @@
 </p:sld>
 </file>
 
+<file path=ppt/slides/slide11.xml><?xml version="1.0" encoding="utf-8"?>
+<p:sld xmlns:a="http://schemas.openxmlformats.org/drawingml/2006/main" xmlns:r="http://schemas.openxmlformats.org/officeDocument/2006/relationships" xmlns:p="http://schemas.openxmlformats.org/presentationml/2006/main">
+  <p:cSld>
+    <p:spTree>
+      <p:nvGrpSpPr>
+        <p:cNvPr id="1" name="Shape 245"/>
+        <p:cNvGrpSpPr/>
+        <p:nvPr/>
+      </p:nvGrpSpPr>
+      <p:grpSpPr>
+        <a:xfrm>
+          <a:off x="0" y="0"/>
+          <a:ext cx="0" cy="0"/>
+          <a:chOff x="0" y="0"/>
+          <a:chExt cx="0" cy="0"/>
+        </a:xfrm>
+      </p:grpSpPr>
+      <p:pic>
+        <p:nvPicPr>
+          <p:cNvPr id="246" name="Shape 246"/>
+          <p:cNvPicPr preferRelativeResize="0"/>
+          <p:nvPr/>
+        </p:nvPicPr>
+        <p:blipFill rotWithShape="1">
+          <a:blip r:embed="rId3">
+            <a:alphaModFix/>
+          </a:blip>
+          <a:srcRect/>
+          <a:stretch/>
+        </p:blipFill>
+        <p:spPr>
+          <a:xfrm>
+            <a:off x="108438" y="6007410"/>
+            <a:ext cx="774700" cy="732056"/>
+          </a:xfrm>
+          <a:prstGeom prst="rect">
+            <a:avLst/>
+          </a:prstGeom>
+          <a:noFill/>
+          <a:ln>
+            <a:noFill/>
+          </a:ln>
+        </p:spPr>
+      </p:pic>
+      <p:sp>
+        <p:nvSpPr>
+          <p:cNvPr id="247" name="Shape 247"/>
+          <p:cNvSpPr txBox="1"/>
+          <p:nvPr/>
+        </p:nvSpPr>
+        <p:spPr>
+          <a:xfrm>
+            <a:off x="883138" y="6441514"/>
+            <a:ext cx="3940694" cy="369332"/>
+          </a:xfrm>
+          <a:prstGeom prst="rect">
+            <a:avLst/>
+          </a:prstGeom>
+          <a:noFill/>
+          <a:ln>
+            <a:noFill/>
+          </a:ln>
+        </p:spPr>
+        <p:txBody>
+          <a:bodyPr spcFirstLastPara="1" wrap="square" lIns="91425" tIns="45700" rIns="91425" bIns="45700" anchor="t" anchorCtr="0">
+            <a:noAutofit/>
+          </a:bodyPr>
+          <a:lstStyle/>
+          <a:p>
+            <a:pPr marL="0" marR="0" lvl="0" indent="0" algn="l" rtl="0">
+              <a:spcBef>
+                <a:spcPts val="0"/>
+              </a:spcBef>
+              <a:spcAft>
+                <a:spcPts val="0"/>
+              </a:spcAft>
+              <a:buNone/>
+            </a:pPr>
+            <a:r>
+              <a:rPr lang="it-IT" sz="1800">
+                <a:solidFill>
+                  <a:schemeClr val="lt1"/>
+                </a:solidFill>
+                <a:latin typeface="Calibri"/>
+                <a:ea typeface="Calibri"/>
+                <a:cs typeface="Calibri"/>
+                <a:sym typeface="Calibri"/>
+              </a:rPr>
+              <a:t>DISIM - Università degli Studi Dell’Aquila</a:t>
+            </a:r>
+            <a:endParaRPr/>
+          </a:p>
+        </p:txBody>
+      </p:sp>
+      <p:sp>
+        <p:nvSpPr>
+          <p:cNvPr id="248" name="Shape 248"/>
+          <p:cNvSpPr txBox="1"/>
+          <p:nvPr/>
+        </p:nvSpPr>
+        <p:spPr>
+          <a:xfrm>
+            <a:off x="876468" y="352448"/>
+            <a:ext cx="10336015" cy="787584"/>
+          </a:xfrm>
+          <a:prstGeom prst="rect">
+            <a:avLst/>
+          </a:prstGeom>
+          <a:noFill/>
+          <a:ln>
+            <a:noFill/>
+          </a:ln>
+        </p:spPr>
+        <p:txBody>
+          <a:bodyPr spcFirstLastPara="1" wrap="square" lIns="91425" tIns="45700" rIns="91425" bIns="45700" anchor="t" anchorCtr="0">
+            <a:noAutofit/>
+          </a:bodyPr>
+          <a:lstStyle/>
+          <a:p>
+            <a:r>
+              <a:rPr lang="en-GB" sz="3600" dirty="0">
+                <a:latin typeface="Calibri" panose="020F0502020204030204" pitchFamily="34" charset="0"/>
+                <a:cs typeface="Calibri" panose="020F0502020204030204" pitchFamily="34" charset="0"/>
+              </a:rPr>
+              <a:t>Exploratory Analysis </a:t>
+            </a:r>
+            <a:r>
+              <a:rPr lang="en-GB" sz="2800" dirty="0">
+                <a:latin typeface="Calibri" panose="020F0502020204030204" pitchFamily="34" charset="0"/>
+                <a:cs typeface="Calibri" panose="020F0502020204030204" pitchFamily="34" charset="0"/>
+              </a:rPr>
+              <a:t>–</a:t>
+            </a:r>
+            <a:r>
+              <a:rPr lang="en-GB" sz="4000" dirty="0">
+                <a:latin typeface="Calibri" panose="020F0502020204030204" pitchFamily="34" charset="0"/>
+                <a:cs typeface="Calibri" panose="020F0502020204030204" pitchFamily="34" charset="0"/>
+              </a:rPr>
+              <a:t> </a:t>
+            </a:r>
+            <a:r>
+              <a:rPr lang="en-GB" sz="2800" dirty="0">
+                <a:latin typeface="Calibri Light" panose="020F0302020204030204" pitchFamily="34" charset="0"/>
+                <a:cs typeface="Calibri Light" panose="020F0302020204030204" pitchFamily="34" charset="0"/>
+              </a:rPr>
+              <a:t>Post’s Category</a:t>
+            </a:r>
+          </a:p>
+        </p:txBody>
+      </p:sp>
+      <p:sp>
+        <p:nvSpPr>
+          <p:cNvPr id="249" name="Shape 249"/>
+          <p:cNvSpPr/>
+          <p:nvPr/>
+        </p:nvSpPr>
+        <p:spPr>
+          <a:xfrm>
+            <a:off x="0" y="0"/>
+            <a:ext cx="12192000" cy="127000"/>
+          </a:xfrm>
+          <a:prstGeom prst="rect">
+            <a:avLst/>
+          </a:prstGeom>
+          <a:solidFill>
+            <a:schemeClr val="accent1"/>
+          </a:solidFill>
+          <a:ln>
+            <a:noFill/>
+          </a:ln>
+        </p:spPr>
+        <p:txBody>
+          <a:bodyPr spcFirstLastPara="1" wrap="square" lIns="91425" tIns="45700" rIns="91425" bIns="45700" anchor="ctr" anchorCtr="0">
+            <a:noAutofit/>
+          </a:bodyPr>
+          <a:lstStyle/>
+          <a:p>
+            <a:pPr marL="0" marR="0" lvl="0" indent="0" algn="ctr" rtl="0">
+              <a:spcBef>
+                <a:spcPts val="0"/>
+              </a:spcBef>
+              <a:spcAft>
+                <a:spcPts val="0"/>
+              </a:spcAft>
+              <a:buNone/>
+            </a:pPr>
+            <a:endParaRPr sz="1800">
+              <a:solidFill>
+                <a:schemeClr val="lt1"/>
+              </a:solidFill>
+              <a:latin typeface="Calibri"/>
+              <a:ea typeface="Calibri"/>
+              <a:cs typeface="Calibri"/>
+              <a:sym typeface="Calibri"/>
+            </a:endParaRPr>
+          </a:p>
+        </p:txBody>
+      </p:sp>
+      <p:sp>
+        <p:nvSpPr>
+          <p:cNvPr id="7" name="Segnaposto numero diapositiva 6"/>
+          <p:cNvSpPr>
+            <a:spLocks noGrp="1"/>
+          </p:cNvSpPr>
+          <p:nvPr>
+            <p:ph type="sldNum" idx="12"/>
+          </p:nvPr>
+        </p:nvSpPr>
+        <p:spPr/>
+        <p:txBody>
+          <a:bodyPr/>
+          <a:lstStyle/>
+          <a:p>
+            <a:pPr marL="0" lvl="0" indent="0">
+              <a:spcBef>
+                <a:spcPts val="0"/>
+              </a:spcBef>
+              <a:spcAft>
+                <a:spcPts val="0"/>
+              </a:spcAft>
+              <a:buNone/>
+            </a:pPr>
+            <a:fld id="{00000000-1234-1234-1234-123412341234}" type="slidenum">
+              <a:rPr lang="nb-NO" sz="1800" smtClean="0"/>
+              <a:t>11</a:t>
+            </a:fld>
+            <a:endParaRPr lang="nb-NO" sz="1800"/>
+          </a:p>
+        </p:txBody>
+      </p:sp>
+      <p:sp>
+        <p:nvSpPr>
+          <p:cNvPr id="2" name="Segnaposto piè di pagina 1">
+            <a:extLst>
+              <a:ext uri="{FF2B5EF4-FFF2-40B4-BE49-F238E27FC236}">
+                <a16:creationId xmlns:a16="http://schemas.microsoft.com/office/drawing/2014/main" id="{3A8DC547-98D8-5343-982F-51E225E4C786}"/>
+              </a:ext>
+            </a:extLst>
+          </p:cNvPr>
+          <p:cNvSpPr>
+            <a:spLocks noGrp="1"/>
+          </p:cNvSpPr>
+          <p:nvPr>
+            <p:ph type="ftr" idx="11"/>
+          </p:nvPr>
+        </p:nvSpPr>
+        <p:spPr>
+          <a:xfrm>
+            <a:off x="4463425" y="6441514"/>
+            <a:ext cx="4822804" cy="365125"/>
+          </a:xfrm>
+        </p:spPr>
+        <p:txBody>
+          <a:bodyPr/>
+          <a:lstStyle/>
+          <a:p>
+            <a:r>
+              <a:rPr lang="it-IT" sz="1800" dirty="0"/>
+              <a:t>-     Data Analytics &amp; Data </a:t>
+            </a:r>
+            <a:r>
+              <a:rPr lang="it-IT" sz="1800" dirty="0" err="1"/>
+              <a:t>Driven</a:t>
+            </a:r>
+            <a:r>
+              <a:rPr lang="it-IT" sz="1800" dirty="0"/>
+              <a:t> </a:t>
+            </a:r>
+            <a:r>
+              <a:rPr lang="it-IT" sz="1800" dirty="0" err="1"/>
+              <a:t>Decision</a:t>
+            </a:r>
+            <a:endParaRPr lang="it-IT" sz="1800" dirty="0"/>
+          </a:p>
+        </p:txBody>
+      </p:sp>
+      <p:pic>
+        <p:nvPicPr>
+          <p:cNvPr id="12" name="Immagine 11">
+            <a:extLst>
+              <a:ext uri="{FF2B5EF4-FFF2-40B4-BE49-F238E27FC236}">
+                <a16:creationId xmlns:a16="http://schemas.microsoft.com/office/drawing/2014/main" id="{8072E649-D8B8-464C-A6C6-C8B916B548A0}"/>
+              </a:ext>
+            </a:extLst>
+          </p:cNvPr>
+          <p:cNvPicPr/>
+          <p:nvPr/>
+        </p:nvPicPr>
+        <p:blipFill>
+          <a:blip r:embed="rId4">
+            <a:extLst>
+              <a:ext uri="{28A0092B-C50C-407E-A947-70E740481C1C}">
+                <a14:useLocalDpi xmlns:a14="http://schemas.microsoft.com/office/drawing/2010/main" val="0"/>
+              </a:ext>
+            </a:extLst>
+          </a:blip>
+          <a:stretch>
+            <a:fillRect/>
+          </a:stretch>
+        </p:blipFill>
+        <p:spPr>
+          <a:xfrm>
+            <a:off x="1584005" y="1258978"/>
+            <a:ext cx="9023990" cy="4629486"/>
+          </a:xfrm>
+          <a:prstGeom prst="rect">
+            <a:avLst/>
+          </a:prstGeom>
+        </p:spPr>
+      </p:pic>
+    </p:spTree>
+    <p:extLst>
+      <p:ext uri="{BB962C8B-B14F-4D97-AF65-F5344CB8AC3E}">
+        <p14:creationId xmlns:p14="http://schemas.microsoft.com/office/powerpoint/2010/main" val="1703505657"/>
+      </p:ext>
+    </p:extLst>
+  </p:cSld>
+  <p:clrMapOvr>
+    <a:masterClrMapping/>
+  </p:clrMapOvr>
+</p:sld>
+</file>
+
+<file path=ppt/slides/slide12.xml><?xml version="1.0" encoding="utf-8"?>
+<p:sld xmlns:a="http://schemas.openxmlformats.org/drawingml/2006/main" xmlns:r="http://schemas.openxmlformats.org/officeDocument/2006/relationships" xmlns:p="http://schemas.openxmlformats.org/presentationml/2006/main">
+  <p:cSld>
+    <p:spTree>
+      <p:nvGrpSpPr>
+        <p:cNvPr id="1" name="Shape 245"/>
+        <p:cNvGrpSpPr/>
+        <p:nvPr/>
+      </p:nvGrpSpPr>
+      <p:grpSpPr>
+        <a:xfrm>
+          <a:off x="0" y="0"/>
+          <a:ext cx="0" cy="0"/>
+          <a:chOff x="0" y="0"/>
+          <a:chExt cx="0" cy="0"/>
+        </a:xfrm>
+      </p:grpSpPr>
+      <p:pic>
+        <p:nvPicPr>
+          <p:cNvPr id="246" name="Shape 246"/>
+          <p:cNvPicPr preferRelativeResize="0"/>
+          <p:nvPr/>
+        </p:nvPicPr>
+        <p:blipFill rotWithShape="1">
+          <a:blip r:embed="rId3">
+            <a:alphaModFix/>
+          </a:blip>
+          <a:srcRect/>
+          <a:stretch/>
+        </p:blipFill>
+        <p:spPr>
+          <a:xfrm>
+            <a:off x="108438" y="6007410"/>
+            <a:ext cx="774700" cy="732056"/>
+          </a:xfrm>
+          <a:prstGeom prst="rect">
+            <a:avLst/>
+          </a:prstGeom>
+          <a:noFill/>
+          <a:ln>
+            <a:noFill/>
+          </a:ln>
+        </p:spPr>
+      </p:pic>
+      <p:sp>
+        <p:nvSpPr>
+          <p:cNvPr id="247" name="Shape 247"/>
+          <p:cNvSpPr txBox="1"/>
+          <p:nvPr/>
+        </p:nvSpPr>
+        <p:spPr>
+          <a:xfrm>
+            <a:off x="883138" y="6441514"/>
+            <a:ext cx="3940694" cy="369332"/>
+          </a:xfrm>
+          <a:prstGeom prst="rect">
+            <a:avLst/>
+          </a:prstGeom>
+          <a:noFill/>
+          <a:ln>
+            <a:noFill/>
+          </a:ln>
+        </p:spPr>
+        <p:txBody>
+          <a:bodyPr spcFirstLastPara="1" wrap="square" lIns="91425" tIns="45700" rIns="91425" bIns="45700" anchor="t" anchorCtr="0">
+            <a:noAutofit/>
+          </a:bodyPr>
+          <a:lstStyle/>
+          <a:p>
+            <a:pPr marL="0" marR="0" lvl="0" indent="0" algn="l" rtl="0">
+              <a:spcBef>
+                <a:spcPts val="0"/>
+              </a:spcBef>
+              <a:spcAft>
+                <a:spcPts val="0"/>
+              </a:spcAft>
+              <a:buNone/>
+            </a:pPr>
+            <a:r>
+              <a:rPr lang="it-IT" sz="1800">
+                <a:solidFill>
+                  <a:schemeClr val="lt1"/>
+                </a:solidFill>
+                <a:latin typeface="Calibri"/>
+                <a:ea typeface="Calibri"/>
+                <a:cs typeface="Calibri"/>
+                <a:sym typeface="Calibri"/>
+              </a:rPr>
+              <a:t>DISIM - Università degli Studi Dell’Aquila</a:t>
+            </a:r>
+            <a:endParaRPr/>
+          </a:p>
+        </p:txBody>
+      </p:sp>
+      <p:sp>
+        <p:nvSpPr>
+          <p:cNvPr id="248" name="Shape 248"/>
+          <p:cNvSpPr txBox="1"/>
+          <p:nvPr/>
+        </p:nvSpPr>
+        <p:spPr>
+          <a:xfrm>
+            <a:off x="876468" y="352448"/>
+            <a:ext cx="10511968" cy="787584"/>
+          </a:xfrm>
+          <a:prstGeom prst="rect">
+            <a:avLst/>
+          </a:prstGeom>
+          <a:noFill/>
+          <a:ln>
+            <a:noFill/>
+          </a:ln>
+        </p:spPr>
+        <p:txBody>
+          <a:bodyPr spcFirstLastPara="1" wrap="square" lIns="91425" tIns="45700" rIns="91425" bIns="45700" anchor="t" anchorCtr="0">
+            <a:noAutofit/>
+          </a:bodyPr>
+          <a:lstStyle/>
+          <a:p>
+            <a:r>
+              <a:rPr lang="en-GB" sz="3600" dirty="0">
+                <a:latin typeface="Calibri" panose="020F0502020204030204" pitchFamily="34" charset="0"/>
+                <a:cs typeface="Calibri" panose="020F0502020204030204" pitchFamily="34" charset="0"/>
+              </a:rPr>
+              <a:t>Exploratory Analysis </a:t>
+            </a:r>
+            <a:r>
+              <a:rPr lang="en-GB" sz="2800" dirty="0">
+                <a:latin typeface="Calibri" panose="020F0502020204030204" pitchFamily="34" charset="0"/>
+                <a:cs typeface="Calibri" panose="020F0502020204030204" pitchFamily="34" charset="0"/>
+              </a:rPr>
+              <a:t>–</a:t>
+            </a:r>
+            <a:r>
+              <a:rPr lang="en-GB" sz="4000" dirty="0">
+                <a:latin typeface="Calibri" panose="020F0502020204030204" pitchFamily="34" charset="0"/>
+                <a:cs typeface="Calibri" panose="020F0502020204030204" pitchFamily="34" charset="0"/>
+              </a:rPr>
+              <a:t> </a:t>
+            </a:r>
+            <a:r>
+              <a:rPr lang="en-GB" sz="2800" dirty="0">
+                <a:latin typeface="Calibri Light" panose="020F0302020204030204" pitchFamily="34" charset="0"/>
+                <a:cs typeface="Calibri Light" panose="020F0302020204030204" pitchFamily="34" charset="0"/>
+              </a:rPr>
+              <a:t>Posts published in the first 24h, </a:t>
+            </a:r>
+            <a:r>
+              <a:rPr lang="it-IT" sz="2800" dirty="0">
+                <a:latin typeface="Calibri Light" panose="020F0302020204030204" pitchFamily="34" charset="0"/>
+                <a:cs typeface="Calibri Light" panose="020F0302020204030204" pitchFamily="34" charset="0"/>
+              </a:rPr>
+              <a:t>48h &amp; 72h</a:t>
+            </a:r>
+            <a:endParaRPr lang="en-GB" sz="2800" dirty="0">
+              <a:latin typeface="Calibri Light" panose="020F0302020204030204" pitchFamily="34" charset="0"/>
+              <a:cs typeface="Calibri Light" panose="020F0302020204030204" pitchFamily="34" charset="0"/>
+            </a:endParaRPr>
+          </a:p>
+        </p:txBody>
+      </p:sp>
+      <p:sp>
+        <p:nvSpPr>
+          <p:cNvPr id="249" name="Shape 249"/>
+          <p:cNvSpPr/>
+          <p:nvPr/>
+        </p:nvSpPr>
+        <p:spPr>
+          <a:xfrm>
+            <a:off x="0" y="0"/>
+            <a:ext cx="12192000" cy="127000"/>
+          </a:xfrm>
+          <a:prstGeom prst="rect">
+            <a:avLst/>
+          </a:prstGeom>
+          <a:solidFill>
+            <a:schemeClr val="accent1"/>
+          </a:solidFill>
+          <a:ln>
+            <a:noFill/>
+          </a:ln>
+        </p:spPr>
+        <p:txBody>
+          <a:bodyPr spcFirstLastPara="1" wrap="square" lIns="91425" tIns="45700" rIns="91425" bIns="45700" anchor="ctr" anchorCtr="0">
+            <a:noAutofit/>
+          </a:bodyPr>
+          <a:lstStyle/>
+          <a:p>
+            <a:pPr marL="0" marR="0" lvl="0" indent="0" algn="ctr" rtl="0">
+              <a:spcBef>
+                <a:spcPts val="0"/>
+              </a:spcBef>
+              <a:spcAft>
+                <a:spcPts val="0"/>
+              </a:spcAft>
+              <a:buNone/>
+            </a:pPr>
+            <a:endParaRPr sz="1800">
+              <a:solidFill>
+                <a:schemeClr val="lt1"/>
+              </a:solidFill>
+              <a:latin typeface="Calibri"/>
+              <a:ea typeface="Calibri"/>
+              <a:cs typeface="Calibri"/>
+              <a:sym typeface="Calibri"/>
+            </a:endParaRPr>
+          </a:p>
+        </p:txBody>
+      </p:sp>
+      <p:sp>
+        <p:nvSpPr>
+          <p:cNvPr id="7" name="Segnaposto numero diapositiva 6"/>
+          <p:cNvSpPr>
+            <a:spLocks noGrp="1"/>
+          </p:cNvSpPr>
+          <p:nvPr>
+            <p:ph type="sldNum" idx="12"/>
+          </p:nvPr>
+        </p:nvSpPr>
+        <p:spPr/>
+        <p:txBody>
+          <a:bodyPr/>
+          <a:lstStyle/>
+          <a:p>
+            <a:pPr marL="0" lvl="0" indent="0">
+              <a:spcBef>
+                <a:spcPts val="0"/>
+              </a:spcBef>
+              <a:spcAft>
+                <a:spcPts val="0"/>
+              </a:spcAft>
+              <a:buNone/>
+            </a:pPr>
+            <a:fld id="{00000000-1234-1234-1234-123412341234}" type="slidenum">
+              <a:rPr lang="nb-NO" sz="1800" smtClean="0"/>
+              <a:t>12</a:t>
+            </a:fld>
+            <a:endParaRPr lang="nb-NO" sz="1800"/>
+          </a:p>
+        </p:txBody>
+      </p:sp>
+      <p:sp>
+        <p:nvSpPr>
+          <p:cNvPr id="2" name="Segnaposto piè di pagina 1">
+            <a:extLst>
+              <a:ext uri="{FF2B5EF4-FFF2-40B4-BE49-F238E27FC236}">
+                <a16:creationId xmlns:a16="http://schemas.microsoft.com/office/drawing/2014/main" id="{3A8DC547-98D8-5343-982F-51E225E4C786}"/>
+              </a:ext>
+            </a:extLst>
+          </p:cNvPr>
+          <p:cNvSpPr>
+            <a:spLocks noGrp="1"/>
+          </p:cNvSpPr>
+          <p:nvPr>
+            <p:ph type="ftr" idx="11"/>
+          </p:nvPr>
+        </p:nvSpPr>
+        <p:spPr>
+          <a:xfrm>
+            <a:off x="4463425" y="6441514"/>
+            <a:ext cx="4822804" cy="365125"/>
+          </a:xfrm>
+        </p:spPr>
+        <p:txBody>
+          <a:bodyPr/>
+          <a:lstStyle/>
+          <a:p>
+            <a:r>
+              <a:rPr lang="it-IT" sz="1800" dirty="0"/>
+              <a:t>-     Data Analytics &amp; Data </a:t>
+            </a:r>
+            <a:r>
+              <a:rPr lang="it-IT" sz="1800" dirty="0" err="1"/>
+              <a:t>Driven</a:t>
+            </a:r>
+            <a:r>
+              <a:rPr lang="it-IT" sz="1800" dirty="0"/>
+              <a:t> </a:t>
+            </a:r>
+            <a:r>
+              <a:rPr lang="it-IT" sz="1800" dirty="0" err="1"/>
+              <a:t>Decision</a:t>
+            </a:r>
+            <a:endParaRPr lang="it-IT" sz="1800" dirty="0"/>
+          </a:p>
+        </p:txBody>
+      </p:sp>
+      <p:pic>
+        <p:nvPicPr>
+          <p:cNvPr id="9" name="Immagine 8">
+            <a:extLst>
+              <a:ext uri="{FF2B5EF4-FFF2-40B4-BE49-F238E27FC236}">
+                <a16:creationId xmlns:a16="http://schemas.microsoft.com/office/drawing/2014/main" id="{43312E83-5549-2846-B610-9B3988F4B340}"/>
+              </a:ext>
+            </a:extLst>
+          </p:cNvPr>
+          <p:cNvPicPr/>
+          <p:nvPr/>
+        </p:nvPicPr>
+        <p:blipFill>
+          <a:blip r:embed="rId4">
+            <a:extLst>
+              <a:ext uri="{28A0092B-C50C-407E-A947-70E740481C1C}">
+                <a14:useLocalDpi xmlns:a14="http://schemas.microsoft.com/office/drawing/2010/main" val="0"/>
+              </a:ext>
+            </a:extLst>
+          </a:blip>
+          <a:stretch>
+            <a:fillRect/>
+          </a:stretch>
+        </p:blipFill>
+        <p:spPr>
+          <a:xfrm>
+            <a:off x="1584005" y="1365480"/>
+            <a:ext cx="9023990" cy="4383842"/>
+          </a:xfrm>
+          <a:prstGeom prst="rect">
+            <a:avLst/>
+          </a:prstGeom>
+        </p:spPr>
+      </p:pic>
+    </p:spTree>
+    <p:extLst>
+      <p:ext uri="{BB962C8B-B14F-4D97-AF65-F5344CB8AC3E}">
+        <p14:creationId xmlns:p14="http://schemas.microsoft.com/office/powerpoint/2010/main" val="2210213042"/>
+      </p:ext>
+    </p:extLst>
+  </p:cSld>
+  <p:clrMapOvr>
+    <a:masterClrMapping/>
+  </p:clrMapOvr>
+</p:sld>
+</file>
+
 <file path=ppt/slides/slide13.xml><?xml version="1.0" encoding="utf-8"?>
 <p:sld xmlns:a="http://schemas.openxmlformats.org/drawingml/2006/main" xmlns:r="http://schemas.openxmlformats.org/officeDocument/2006/relationships" xmlns:p="http://schemas.openxmlformats.org/presentationml/2006/main">
   <p:cSld>
@@ -18115,7 +17868,7 @@
         <p:spPr>
           <a:xfrm>
             <a:off x="876468" y="352448"/>
-            <a:ext cx="10336015" cy="787584"/>
+            <a:ext cx="10523844" cy="787584"/>
           </a:xfrm>
           <a:prstGeom prst="rect">
             <a:avLst/>
@@ -18139,25 +17892,18 @@
               <a:t>Exploratory Analysis </a:t>
             </a:r>
             <a:r>
-              <a:rPr lang="en-GB" sz="2800" dirty="0">
-                <a:latin typeface="Calibri" panose="020F0502020204030204" pitchFamily="34" charset="0"/>
-                <a:cs typeface="Calibri" panose="020F0502020204030204" pitchFamily="34" charset="0"/>
-              </a:rPr>
-              <a:t>–</a:t>
-            </a:r>
-            <a:r>
               <a:rPr lang="en-GB" sz="4000" dirty="0">
                 <a:latin typeface="Calibri" panose="020F0502020204030204" pitchFamily="34" charset="0"/>
                 <a:cs typeface="Calibri" panose="020F0502020204030204" pitchFamily="34" charset="0"/>
               </a:rPr>
-              <a:t> </a:t>
+              <a:t>– </a:t>
             </a:r>
             <a:r>
               <a:rPr lang="en-GB" sz="2800" dirty="0">
                 <a:latin typeface="Calibri Light" panose="020F0302020204030204" pitchFamily="34" charset="0"/>
                 <a:cs typeface="Calibri Light" panose="020F0302020204030204" pitchFamily="34" charset="0"/>
               </a:rPr>
-              <a:t>Post’s Category</a:t>
+              <a:t>Long &amp; Short Posts</a:t>
             </a:r>
           </a:p>
         </p:txBody>
@@ -18237,656 +17983,6 @@
             <a:fld id="{00000000-1234-1234-1234-123412341234}" type="slidenum">
               <a:rPr lang="nb-NO" sz="1800" smtClean="0"/>
               <a:t>13</a:t>
-            </a:fld>
-            <a:endParaRPr lang="nb-NO" sz="1800"/>
-          </a:p>
-        </p:txBody>
-      </p:sp>
-      <p:sp>
-        <p:nvSpPr>
-          <p:cNvPr id="2" name="Segnaposto piè di pagina 1">
-            <a:extLst>
-              <a:ext uri="{FF2B5EF4-FFF2-40B4-BE49-F238E27FC236}">
-                <a16:creationId xmlns:a16="http://schemas.microsoft.com/office/drawing/2014/main" id="{3A8DC547-98D8-5343-982F-51E225E4C786}"/>
-              </a:ext>
-            </a:extLst>
-          </p:cNvPr>
-          <p:cNvSpPr>
-            <a:spLocks noGrp="1"/>
-          </p:cNvSpPr>
-          <p:nvPr>
-            <p:ph type="ftr" idx="11"/>
-          </p:nvPr>
-        </p:nvSpPr>
-        <p:spPr>
-          <a:xfrm>
-            <a:off x="4463425" y="6441514"/>
-            <a:ext cx="4822804" cy="365125"/>
-          </a:xfrm>
-        </p:spPr>
-        <p:txBody>
-          <a:bodyPr/>
-          <a:lstStyle/>
-          <a:p>
-            <a:r>
-              <a:rPr lang="it-IT" sz="1800" dirty="0"/>
-              <a:t>-     Data Analytics &amp; Data </a:t>
-            </a:r>
-            <a:r>
-              <a:rPr lang="it-IT" sz="1800" dirty="0" err="1"/>
-              <a:t>Driven</a:t>
-            </a:r>
-            <a:r>
-              <a:rPr lang="it-IT" sz="1800" dirty="0"/>
-              <a:t> </a:t>
-            </a:r>
-            <a:r>
-              <a:rPr lang="it-IT" sz="1800" dirty="0" err="1"/>
-              <a:t>Decision</a:t>
-            </a:r>
-            <a:endParaRPr lang="it-IT" sz="1800" dirty="0"/>
-          </a:p>
-        </p:txBody>
-      </p:sp>
-      <p:pic>
-        <p:nvPicPr>
-          <p:cNvPr id="12" name="Immagine 11">
-            <a:extLst>
-              <a:ext uri="{FF2B5EF4-FFF2-40B4-BE49-F238E27FC236}">
-                <a16:creationId xmlns:a16="http://schemas.microsoft.com/office/drawing/2014/main" id="{8072E649-D8B8-464C-A6C6-C8B916B548A0}"/>
-              </a:ext>
-            </a:extLst>
-          </p:cNvPr>
-          <p:cNvPicPr/>
-          <p:nvPr/>
-        </p:nvPicPr>
-        <p:blipFill>
-          <a:blip r:embed="rId4">
-            <a:extLst>
-              <a:ext uri="{28A0092B-C50C-407E-A947-70E740481C1C}">
-                <a14:useLocalDpi xmlns:a14="http://schemas.microsoft.com/office/drawing/2010/main" val="0"/>
-              </a:ext>
-            </a:extLst>
-          </a:blip>
-          <a:stretch>
-            <a:fillRect/>
-          </a:stretch>
-        </p:blipFill>
-        <p:spPr>
-          <a:xfrm>
-            <a:off x="1584005" y="1258978"/>
-            <a:ext cx="9023990" cy="4629486"/>
-          </a:xfrm>
-          <a:prstGeom prst="rect">
-            <a:avLst/>
-          </a:prstGeom>
-        </p:spPr>
-      </p:pic>
-    </p:spTree>
-    <p:extLst>
-      <p:ext uri="{BB962C8B-B14F-4D97-AF65-F5344CB8AC3E}">
-        <p14:creationId xmlns:p14="http://schemas.microsoft.com/office/powerpoint/2010/main" val="1703505657"/>
-      </p:ext>
-    </p:extLst>
-  </p:cSld>
-  <p:clrMapOvr>
-    <a:masterClrMapping/>
-  </p:clrMapOvr>
-</p:sld>
-</file>
-
-<file path=ppt/slides/slide14.xml><?xml version="1.0" encoding="utf-8"?>
-<p:sld xmlns:a="http://schemas.openxmlformats.org/drawingml/2006/main" xmlns:r="http://schemas.openxmlformats.org/officeDocument/2006/relationships" xmlns:p="http://schemas.openxmlformats.org/presentationml/2006/main">
-  <p:cSld>
-    <p:spTree>
-      <p:nvGrpSpPr>
-        <p:cNvPr id="1" name="Shape 245"/>
-        <p:cNvGrpSpPr/>
-        <p:nvPr/>
-      </p:nvGrpSpPr>
-      <p:grpSpPr>
-        <a:xfrm>
-          <a:off x="0" y="0"/>
-          <a:ext cx="0" cy="0"/>
-          <a:chOff x="0" y="0"/>
-          <a:chExt cx="0" cy="0"/>
-        </a:xfrm>
-      </p:grpSpPr>
-      <p:pic>
-        <p:nvPicPr>
-          <p:cNvPr id="246" name="Shape 246"/>
-          <p:cNvPicPr preferRelativeResize="0"/>
-          <p:nvPr/>
-        </p:nvPicPr>
-        <p:blipFill rotWithShape="1">
-          <a:blip r:embed="rId3">
-            <a:alphaModFix/>
-          </a:blip>
-          <a:srcRect/>
-          <a:stretch/>
-        </p:blipFill>
-        <p:spPr>
-          <a:xfrm>
-            <a:off x="108438" y="6007410"/>
-            <a:ext cx="774700" cy="732056"/>
-          </a:xfrm>
-          <a:prstGeom prst="rect">
-            <a:avLst/>
-          </a:prstGeom>
-          <a:noFill/>
-          <a:ln>
-            <a:noFill/>
-          </a:ln>
-        </p:spPr>
-      </p:pic>
-      <p:sp>
-        <p:nvSpPr>
-          <p:cNvPr id="247" name="Shape 247"/>
-          <p:cNvSpPr txBox="1"/>
-          <p:nvPr/>
-        </p:nvSpPr>
-        <p:spPr>
-          <a:xfrm>
-            <a:off x="883138" y="6441514"/>
-            <a:ext cx="3940694" cy="369332"/>
-          </a:xfrm>
-          <a:prstGeom prst="rect">
-            <a:avLst/>
-          </a:prstGeom>
-          <a:noFill/>
-          <a:ln>
-            <a:noFill/>
-          </a:ln>
-        </p:spPr>
-        <p:txBody>
-          <a:bodyPr spcFirstLastPara="1" wrap="square" lIns="91425" tIns="45700" rIns="91425" bIns="45700" anchor="t" anchorCtr="0">
-            <a:noAutofit/>
-          </a:bodyPr>
-          <a:lstStyle/>
-          <a:p>
-            <a:pPr marL="0" marR="0" lvl="0" indent="0" algn="l" rtl="0">
-              <a:spcBef>
-                <a:spcPts val="0"/>
-              </a:spcBef>
-              <a:spcAft>
-                <a:spcPts val="0"/>
-              </a:spcAft>
-              <a:buNone/>
-            </a:pPr>
-            <a:r>
-              <a:rPr lang="it-IT" sz="1800">
-                <a:solidFill>
-                  <a:schemeClr val="lt1"/>
-                </a:solidFill>
-                <a:latin typeface="Calibri"/>
-                <a:ea typeface="Calibri"/>
-                <a:cs typeface="Calibri"/>
-                <a:sym typeface="Calibri"/>
-              </a:rPr>
-              <a:t>DISIM - Università degli Studi Dell’Aquila</a:t>
-            </a:r>
-            <a:endParaRPr/>
-          </a:p>
-        </p:txBody>
-      </p:sp>
-      <p:sp>
-        <p:nvSpPr>
-          <p:cNvPr id="248" name="Shape 248"/>
-          <p:cNvSpPr txBox="1"/>
-          <p:nvPr/>
-        </p:nvSpPr>
-        <p:spPr>
-          <a:xfrm>
-            <a:off x="876468" y="352448"/>
-            <a:ext cx="10511968" cy="787584"/>
-          </a:xfrm>
-          <a:prstGeom prst="rect">
-            <a:avLst/>
-          </a:prstGeom>
-          <a:noFill/>
-          <a:ln>
-            <a:noFill/>
-          </a:ln>
-        </p:spPr>
-        <p:txBody>
-          <a:bodyPr spcFirstLastPara="1" wrap="square" lIns="91425" tIns="45700" rIns="91425" bIns="45700" anchor="t" anchorCtr="0">
-            <a:noAutofit/>
-          </a:bodyPr>
-          <a:lstStyle/>
-          <a:p>
-            <a:r>
-              <a:rPr lang="en-GB" sz="3600" dirty="0">
-                <a:latin typeface="Calibri" panose="020F0502020204030204" pitchFamily="34" charset="0"/>
-                <a:cs typeface="Calibri" panose="020F0502020204030204" pitchFamily="34" charset="0"/>
-              </a:rPr>
-              <a:t>Exploratory Analysis </a:t>
-            </a:r>
-            <a:r>
-              <a:rPr lang="en-GB" sz="2800" dirty="0">
-                <a:latin typeface="Calibri" panose="020F0502020204030204" pitchFamily="34" charset="0"/>
-                <a:cs typeface="Calibri" panose="020F0502020204030204" pitchFamily="34" charset="0"/>
-              </a:rPr>
-              <a:t>–</a:t>
-            </a:r>
-            <a:r>
-              <a:rPr lang="en-GB" sz="4000" dirty="0">
-                <a:latin typeface="Calibri" panose="020F0502020204030204" pitchFamily="34" charset="0"/>
-                <a:cs typeface="Calibri" panose="020F0502020204030204" pitchFamily="34" charset="0"/>
-              </a:rPr>
-              <a:t> </a:t>
-            </a:r>
-            <a:r>
-              <a:rPr lang="en-GB" sz="2800" dirty="0">
-                <a:latin typeface="Calibri Light" panose="020F0302020204030204" pitchFamily="34" charset="0"/>
-                <a:cs typeface="Calibri Light" panose="020F0302020204030204" pitchFamily="34" charset="0"/>
-              </a:rPr>
-              <a:t>Posts published in the first 24h, </a:t>
-            </a:r>
-            <a:r>
-              <a:rPr lang="it-IT" sz="2800" dirty="0">
-                <a:latin typeface="Calibri Light" panose="020F0302020204030204" pitchFamily="34" charset="0"/>
-                <a:cs typeface="Calibri Light" panose="020F0302020204030204" pitchFamily="34" charset="0"/>
-              </a:rPr>
-              <a:t>48h &amp; 72h</a:t>
-            </a:r>
-            <a:endParaRPr lang="en-GB" sz="2800" dirty="0">
-              <a:latin typeface="Calibri Light" panose="020F0302020204030204" pitchFamily="34" charset="0"/>
-              <a:cs typeface="Calibri Light" panose="020F0302020204030204" pitchFamily="34" charset="0"/>
-            </a:endParaRPr>
-          </a:p>
-        </p:txBody>
-      </p:sp>
-      <p:sp>
-        <p:nvSpPr>
-          <p:cNvPr id="249" name="Shape 249"/>
-          <p:cNvSpPr/>
-          <p:nvPr/>
-        </p:nvSpPr>
-        <p:spPr>
-          <a:xfrm>
-            <a:off x="0" y="0"/>
-            <a:ext cx="12192000" cy="127000"/>
-          </a:xfrm>
-          <a:prstGeom prst="rect">
-            <a:avLst/>
-          </a:prstGeom>
-          <a:solidFill>
-            <a:schemeClr val="accent1"/>
-          </a:solidFill>
-          <a:ln>
-            <a:noFill/>
-          </a:ln>
-        </p:spPr>
-        <p:txBody>
-          <a:bodyPr spcFirstLastPara="1" wrap="square" lIns="91425" tIns="45700" rIns="91425" bIns="45700" anchor="ctr" anchorCtr="0">
-            <a:noAutofit/>
-          </a:bodyPr>
-          <a:lstStyle/>
-          <a:p>
-            <a:pPr marL="0" marR="0" lvl="0" indent="0" algn="ctr" rtl="0">
-              <a:spcBef>
-                <a:spcPts val="0"/>
-              </a:spcBef>
-              <a:spcAft>
-                <a:spcPts val="0"/>
-              </a:spcAft>
-              <a:buNone/>
-            </a:pPr>
-            <a:endParaRPr sz="1800">
-              <a:solidFill>
-                <a:schemeClr val="lt1"/>
-              </a:solidFill>
-              <a:latin typeface="Calibri"/>
-              <a:ea typeface="Calibri"/>
-              <a:cs typeface="Calibri"/>
-              <a:sym typeface="Calibri"/>
-            </a:endParaRPr>
-          </a:p>
-        </p:txBody>
-      </p:sp>
-      <p:sp>
-        <p:nvSpPr>
-          <p:cNvPr id="7" name="Segnaposto numero diapositiva 6"/>
-          <p:cNvSpPr>
-            <a:spLocks noGrp="1"/>
-          </p:cNvSpPr>
-          <p:nvPr>
-            <p:ph type="sldNum" idx="12"/>
-          </p:nvPr>
-        </p:nvSpPr>
-        <p:spPr/>
-        <p:txBody>
-          <a:bodyPr/>
-          <a:lstStyle/>
-          <a:p>
-            <a:pPr marL="0" lvl="0" indent="0">
-              <a:spcBef>
-                <a:spcPts val="0"/>
-              </a:spcBef>
-              <a:spcAft>
-                <a:spcPts val="0"/>
-              </a:spcAft>
-              <a:buNone/>
-            </a:pPr>
-            <a:fld id="{00000000-1234-1234-1234-123412341234}" type="slidenum">
-              <a:rPr lang="nb-NO" sz="1800" smtClean="0"/>
-              <a:t>14</a:t>
-            </a:fld>
-            <a:endParaRPr lang="nb-NO" sz="1800"/>
-          </a:p>
-        </p:txBody>
-      </p:sp>
-      <p:sp>
-        <p:nvSpPr>
-          <p:cNvPr id="2" name="Segnaposto piè di pagina 1">
-            <a:extLst>
-              <a:ext uri="{FF2B5EF4-FFF2-40B4-BE49-F238E27FC236}">
-                <a16:creationId xmlns:a16="http://schemas.microsoft.com/office/drawing/2014/main" id="{3A8DC547-98D8-5343-982F-51E225E4C786}"/>
-              </a:ext>
-            </a:extLst>
-          </p:cNvPr>
-          <p:cNvSpPr>
-            <a:spLocks noGrp="1"/>
-          </p:cNvSpPr>
-          <p:nvPr>
-            <p:ph type="ftr" idx="11"/>
-          </p:nvPr>
-        </p:nvSpPr>
-        <p:spPr>
-          <a:xfrm>
-            <a:off x="4463425" y="6441514"/>
-            <a:ext cx="4822804" cy="365125"/>
-          </a:xfrm>
-        </p:spPr>
-        <p:txBody>
-          <a:bodyPr/>
-          <a:lstStyle/>
-          <a:p>
-            <a:r>
-              <a:rPr lang="it-IT" sz="1800" dirty="0"/>
-              <a:t>-     Data Analytics &amp; Data </a:t>
-            </a:r>
-            <a:r>
-              <a:rPr lang="it-IT" sz="1800" dirty="0" err="1"/>
-              <a:t>Driven</a:t>
-            </a:r>
-            <a:r>
-              <a:rPr lang="it-IT" sz="1800" dirty="0"/>
-              <a:t> </a:t>
-            </a:r>
-            <a:r>
-              <a:rPr lang="it-IT" sz="1800" dirty="0" err="1"/>
-              <a:t>Decision</a:t>
-            </a:r>
-            <a:endParaRPr lang="it-IT" sz="1800" dirty="0"/>
-          </a:p>
-        </p:txBody>
-      </p:sp>
-      <p:pic>
-        <p:nvPicPr>
-          <p:cNvPr id="9" name="Immagine 8">
-            <a:extLst>
-              <a:ext uri="{FF2B5EF4-FFF2-40B4-BE49-F238E27FC236}">
-                <a16:creationId xmlns:a16="http://schemas.microsoft.com/office/drawing/2014/main" id="{43312E83-5549-2846-B610-9B3988F4B340}"/>
-              </a:ext>
-            </a:extLst>
-          </p:cNvPr>
-          <p:cNvPicPr/>
-          <p:nvPr/>
-        </p:nvPicPr>
-        <p:blipFill>
-          <a:blip r:embed="rId4">
-            <a:extLst>
-              <a:ext uri="{28A0092B-C50C-407E-A947-70E740481C1C}">
-                <a14:useLocalDpi xmlns:a14="http://schemas.microsoft.com/office/drawing/2010/main" val="0"/>
-              </a:ext>
-            </a:extLst>
-          </a:blip>
-          <a:stretch>
-            <a:fillRect/>
-          </a:stretch>
-        </p:blipFill>
-        <p:spPr>
-          <a:xfrm>
-            <a:off x="1584005" y="1365480"/>
-            <a:ext cx="9023990" cy="4383842"/>
-          </a:xfrm>
-          <a:prstGeom prst="rect">
-            <a:avLst/>
-          </a:prstGeom>
-        </p:spPr>
-      </p:pic>
-    </p:spTree>
-    <p:extLst>
-      <p:ext uri="{BB962C8B-B14F-4D97-AF65-F5344CB8AC3E}">
-        <p14:creationId xmlns:p14="http://schemas.microsoft.com/office/powerpoint/2010/main" val="2210213042"/>
-      </p:ext>
-    </p:extLst>
-  </p:cSld>
-  <p:clrMapOvr>
-    <a:masterClrMapping/>
-  </p:clrMapOvr>
-</p:sld>
-</file>
-
-<file path=ppt/slides/slide15.xml><?xml version="1.0" encoding="utf-8"?>
-<p:sld xmlns:a="http://schemas.openxmlformats.org/drawingml/2006/main" xmlns:r="http://schemas.openxmlformats.org/officeDocument/2006/relationships" xmlns:p="http://schemas.openxmlformats.org/presentationml/2006/main">
-  <p:cSld>
-    <p:spTree>
-      <p:nvGrpSpPr>
-        <p:cNvPr id="1" name="Shape 245"/>
-        <p:cNvGrpSpPr/>
-        <p:nvPr/>
-      </p:nvGrpSpPr>
-      <p:grpSpPr>
-        <a:xfrm>
-          <a:off x="0" y="0"/>
-          <a:ext cx="0" cy="0"/>
-          <a:chOff x="0" y="0"/>
-          <a:chExt cx="0" cy="0"/>
-        </a:xfrm>
-      </p:grpSpPr>
-      <p:pic>
-        <p:nvPicPr>
-          <p:cNvPr id="246" name="Shape 246"/>
-          <p:cNvPicPr preferRelativeResize="0"/>
-          <p:nvPr/>
-        </p:nvPicPr>
-        <p:blipFill rotWithShape="1">
-          <a:blip r:embed="rId3">
-            <a:alphaModFix/>
-          </a:blip>
-          <a:srcRect/>
-          <a:stretch/>
-        </p:blipFill>
-        <p:spPr>
-          <a:xfrm>
-            <a:off x="108438" y="6007410"/>
-            <a:ext cx="774700" cy="732056"/>
-          </a:xfrm>
-          <a:prstGeom prst="rect">
-            <a:avLst/>
-          </a:prstGeom>
-          <a:noFill/>
-          <a:ln>
-            <a:noFill/>
-          </a:ln>
-        </p:spPr>
-      </p:pic>
-      <p:sp>
-        <p:nvSpPr>
-          <p:cNvPr id="247" name="Shape 247"/>
-          <p:cNvSpPr txBox="1"/>
-          <p:nvPr/>
-        </p:nvSpPr>
-        <p:spPr>
-          <a:xfrm>
-            <a:off x="883138" y="6441514"/>
-            <a:ext cx="3940694" cy="369332"/>
-          </a:xfrm>
-          <a:prstGeom prst="rect">
-            <a:avLst/>
-          </a:prstGeom>
-          <a:noFill/>
-          <a:ln>
-            <a:noFill/>
-          </a:ln>
-        </p:spPr>
-        <p:txBody>
-          <a:bodyPr spcFirstLastPara="1" wrap="square" lIns="91425" tIns="45700" rIns="91425" bIns="45700" anchor="t" anchorCtr="0">
-            <a:noAutofit/>
-          </a:bodyPr>
-          <a:lstStyle/>
-          <a:p>
-            <a:pPr marL="0" marR="0" lvl="0" indent="0" algn="l" rtl="0">
-              <a:spcBef>
-                <a:spcPts val="0"/>
-              </a:spcBef>
-              <a:spcAft>
-                <a:spcPts val="0"/>
-              </a:spcAft>
-              <a:buNone/>
-            </a:pPr>
-            <a:r>
-              <a:rPr lang="it-IT" sz="1800">
-                <a:solidFill>
-                  <a:schemeClr val="lt1"/>
-                </a:solidFill>
-                <a:latin typeface="Calibri"/>
-                <a:ea typeface="Calibri"/>
-                <a:cs typeface="Calibri"/>
-                <a:sym typeface="Calibri"/>
-              </a:rPr>
-              <a:t>DISIM - Università degli Studi Dell’Aquila</a:t>
-            </a:r>
-            <a:endParaRPr/>
-          </a:p>
-        </p:txBody>
-      </p:sp>
-      <p:sp>
-        <p:nvSpPr>
-          <p:cNvPr id="248" name="Shape 248"/>
-          <p:cNvSpPr txBox="1"/>
-          <p:nvPr/>
-        </p:nvSpPr>
-        <p:spPr>
-          <a:xfrm>
-            <a:off x="876468" y="352448"/>
-            <a:ext cx="10523844" cy="787584"/>
-          </a:xfrm>
-          <a:prstGeom prst="rect">
-            <a:avLst/>
-          </a:prstGeom>
-          <a:noFill/>
-          <a:ln>
-            <a:noFill/>
-          </a:ln>
-        </p:spPr>
-        <p:txBody>
-          <a:bodyPr spcFirstLastPara="1" wrap="square" lIns="91425" tIns="45700" rIns="91425" bIns="45700" anchor="t" anchorCtr="0">
-            <a:noAutofit/>
-          </a:bodyPr>
-          <a:lstStyle/>
-          <a:p>
-            <a:r>
-              <a:rPr lang="en-GB" sz="3600" dirty="0">
-                <a:latin typeface="Calibri" panose="020F0502020204030204" pitchFamily="34" charset="0"/>
-                <a:cs typeface="Calibri" panose="020F0502020204030204" pitchFamily="34" charset="0"/>
-              </a:rPr>
-              <a:t>Exploratory Analysis </a:t>
-            </a:r>
-            <a:r>
-              <a:rPr lang="en-GB" sz="4000" dirty="0">
-                <a:latin typeface="Calibri" panose="020F0502020204030204" pitchFamily="34" charset="0"/>
-                <a:cs typeface="Calibri" panose="020F0502020204030204" pitchFamily="34" charset="0"/>
-              </a:rPr>
-              <a:t>– </a:t>
-            </a:r>
-            <a:r>
-              <a:rPr lang="en-GB" sz="2800" dirty="0">
-                <a:latin typeface="Calibri Light" panose="020F0302020204030204" pitchFamily="34" charset="0"/>
-                <a:cs typeface="Calibri Light" panose="020F0302020204030204" pitchFamily="34" charset="0"/>
-              </a:rPr>
-              <a:t>Long &amp; Short Posts</a:t>
-            </a:r>
-          </a:p>
-        </p:txBody>
-      </p:sp>
-      <p:sp>
-        <p:nvSpPr>
-          <p:cNvPr id="249" name="Shape 249"/>
-          <p:cNvSpPr/>
-          <p:nvPr/>
-        </p:nvSpPr>
-        <p:spPr>
-          <a:xfrm>
-            <a:off x="0" y="0"/>
-            <a:ext cx="12192000" cy="127000"/>
-          </a:xfrm>
-          <a:prstGeom prst="rect">
-            <a:avLst/>
-          </a:prstGeom>
-          <a:solidFill>
-            <a:schemeClr val="accent1"/>
-          </a:solidFill>
-          <a:ln>
-            <a:noFill/>
-          </a:ln>
-        </p:spPr>
-        <p:txBody>
-          <a:bodyPr spcFirstLastPara="1" wrap="square" lIns="91425" tIns="45700" rIns="91425" bIns="45700" anchor="ctr" anchorCtr="0">
-            <a:noAutofit/>
-          </a:bodyPr>
-          <a:lstStyle/>
-          <a:p>
-            <a:pPr marL="0" marR="0" lvl="0" indent="0" algn="ctr" rtl="0">
-              <a:spcBef>
-                <a:spcPts val="0"/>
-              </a:spcBef>
-              <a:spcAft>
-                <a:spcPts val="0"/>
-              </a:spcAft>
-              <a:buNone/>
-            </a:pPr>
-            <a:endParaRPr sz="1800">
-              <a:solidFill>
-                <a:schemeClr val="lt1"/>
-              </a:solidFill>
-              <a:latin typeface="Calibri"/>
-              <a:ea typeface="Calibri"/>
-              <a:cs typeface="Calibri"/>
-              <a:sym typeface="Calibri"/>
-            </a:endParaRPr>
-          </a:p>
-        </p:txBody>
-      </p:sp>
-      <p:sp>
-        <p:nvSpPr>
-          <p:cNvPr id="7" name="Segnaposto numero diapositiva 6"/>
-          <p:cNvSpPr>
-            <a:spLocks noGrp="1"/>
-          </p:cNvSpPr>
-          <p:nvPr>
-            <p:ph type="sldNum" idx="12"/>
-          </p:nvPr>
-        </p:nvSpPr>
-        <p:spPr/>
-        <p:txBody>
-          <a:bodyPr/>
-          <a:lstStyle/>
-          <a:p>
-            <a:pPr marL="0" lvl="0" indent="0">
-              <a:spcBef>
-                <a:spcPts val="0"/>
-              </a:spcBef>
-              <a:spcAft>
-                <a:spcPts val="0"/>
-              </a:spcAft>
-              <a:buNone/>
-            </a:pPr>
-            <a:fld id="{00000000-1234-1234-1234-123412341234}" type="slidenum">
-              <a:rPr lang="nb-NO" sz="1800" smtClean="0"/>
-              <a:t>15</a:t>
             </a:fld>
             <a:endParaRPr lang="nb-NO" sz="1800"/>
           </a:p>
@@ -19319,7 +18415,7 @@
 </p:sld>
 </file>
 
-<file path=ppt/slides/slide16.xml><?xml version="1.0" encoding="utf-8"?>
+<file path=ppt/slides/slide14.xml><?xml version="1.0" encoding="utf-8"?>
 <p:sld xmlns:a="http://schemas.openxmlformats.org/drawingml/2006/main" xmlns:r="http://schemas.openxmlformats.org/officeDocument/2006/relationships" xmlns:p="http://schemas.openxmlformats.org/presentationml/2006/main">
   <p:cSld>
     <p:spTree>
@@ -19536,7 +18632,7 @@
             </a:pPr>
             <a:fld id="{00000000-1234-1234-1234-123412341234}" type="slidenum">
               <a:rPr lang="nb-NO" sz="1800" smtClean="0"/>
-              <a:t>16</a:t>
+              <a:t>14</a:t>
             </a:fld>
             <a:endParaRPr lang="nb-NO" sz="1800"/>
           </a:p>
@@ -19980,7 +19076,7 @@
 </p:sld>
 </file>
 
-<file path=ppt/slides/slide17.xml><?xml version="1.0" encoding="utf-8"?>
+<file path=ppt/slides/slide15.xml><?xml version="1.0" encoding="utf-8"?>
 <p:sld xmlns:a="http://schemas.openxmlformats.org/drawingml/2006/main" xmlns:r="http://schemas.openxmlformats.org/officeDocument/2006/relationships" xmlns:p="http://schemas.openxmlformats.org/presentationml/2006/main">
   <p:cSld>
     <p:spTree>
@@ -20184,7 +19280,7 @@
             </a:pPr>
             <a:fld id="{00000000-1234-1234-1234-123412341234}" type="slidenum">
               <a:rPr lang="nb-NO" sz="1800" smtClean="0"/>
-              <a:t>17</a:t>
+              <a:t>15</a:t>
             </a:fld>
             <a:endParaRPr lang="nb-NO" sz="1800"/>
           </a:p>
@@ -20476,6 +19572,938 @@
 </p:sld>
 </file>
 
+<file path=ppt/slides/slide16.xml><?xml version="1.0" encoding="utf-8"?>
+<p:sld xmlns:a="http://schemas.openxmlformats.org/drawingml/2006/main" xmlns:r="http://schemas.openxmlformats.org/officeDocument/2006/relationships" xmlns:p="http://schemas.openxmlformats.org/presentationml/2006/main">
+  <p:cSld>
+    <p:spTree>
+      <p:nvGrpSpPr>
+        <p:cNvPr id="1" name="Shape 245"/>
+        <p:cNvGrpSpPr/>
+        <p:nvPr/>
+      </p:nvGrpSpPr>
+      <p:grpSpPr>
+        <a:xfrm>
+          <a:off x="0" y="0"/>
+          <a:ext cx="0" cy="0"/>
+          <a:chOff x="0" y="0"/>
+          <a:chExt cx="0" cy="0"/>
+        </a:xfrm>
+      </p:grpSpPr>
+      <p:pic>
+        <p:nvPicPr>
+          <p:cNvPr id="246" name="Shape 246"/>
+          <p:cNvPicPr preferRelativeResize="0"/>
+          <p:nvPr/>
+        </p:nvPicPr>
+        <p:blipFill rotWithShape="1">
+          <a:blip r:embed="rId3">
+            <a:alphaModFix/>
+          </a:blip>
+          <a:srcRect/>
+          <a:stretch/>
+        </p:blipFill>
+        <p:spPr>
+          <a:xfrm>
+            <a:off x="108438" y="6007410"/>
+            <a:ext cx="774700" cy="732056"/>
+          </a:xfrm>
+          <a:prstGeom prst="rect">
+            <a:avLst/>
+          </a:prstGeom>
+          <a:noFill/>
+          <a:ln>
+            <a:noFill/>
+          </a:ln>
+        </p:spPr>
+      </p:pic>
+      <p:sp>
+        <p:nvSpPr>
+          <p:cNvPr id="247" name="Shape 247"/>
+          <p:cNvSpPr txBox="1"/>
+          <p:nvPr/>
+        </p:nvSpPr>
+        <p:spPr>
+          <a:xfrm>
+            <a:off x="883138" y="6441514"/>
+            <a:ext cx="3940694" cy="369332"/>
+          </a:xfrm>
+          <a:prstGeom prst="rect">
+            <a:avLst/>
+          </a:prstGeom>
+          <a:noFill/>
+          <a:ln>
+            <a:noFill/>
+          </a:ln>
+        </p:spPr>
+        <p:txBody>
+          <a:bodyPr spcFirstLastPara="1" wrap="square" lIns="91425" tIns="45700" rIns="91425" bIns="45700" anchor="t" anchorCtr="0">
+            <a:noAutofit/>
+          </a:bodyPr>
+          <a:lstStyle/>
+          <a:p>
+            <a:pPr marL="0" marR="0" lvl="0" indent="0" algn="l" rtl="0">
+              <a:spcBef>
+                <a:spcPts val="0"/>
+              </a:spcBef>
+              <a:spcAft>
+                <a:spcPts val="0"/>
+              </a:spcAft>
+              <a:buNone/>
+            </a:pPr>
+            <a:r>
+              <a:rPr lang="it-IT" sz="1800">
+                <a:solidFill>
+                  <a:schemeClr val="lt1"/>
+                </a:solidFill>
+                <a:latin typeface="Calibri"/>
+                <a:ea typeface="Calibri"/>
+                <a:cs typeface="Calibri"/>
+                <a:sym typeface="Calibri"/>
+              </a:rPr>
+              <a:t>DISIM - Università degli Studi Dell’Aquila</a:t>
+            </a:r>
+            <a:endParaRPr/>
+          </a:p>
+        </p:txBody>
+      </p:sp>
+      <p:sp>
+        <p:nvSpPr>
+          <p:cNvPr id="248" name="Shape 248"/>
+          <p:cNvSpPr txBox="1"/>
+          <p:nvPr/>
+        </p:nvSpPr>
+        <p:spPr>
+          <a:xfrm>
+            <a:off x="876468" y="352447"/>
+            <a:ext cx="5219531" cy="646331"/>
+          </a:xfrm>
+          <a:prstGeom prst="rect">
+            <a:avLst/>
+          </a:prstGeom>
+          <a:noFill/>
+          <a:ln>
+            <a:noFill/>
+          </a:ln>
+        </p:spPr>
+        <p:txBody>
+          <a:bodyPr spcFirstLastPara="1" wrap="square" lIns="91425" tIns="45700" rIns="91425" bIns="45700" anchor="t" anchorCtr="0">
+            <a:noAutofit/>
+          </a:bodyPr>
+          <a:lstStyle/>
+          <a:p>
+            <a:pPr marL="0" marR="0" lvl="0" indent="0" algn="l" rtl="0">
+              <a:spcBef>
+                <a:spcPts val="0"/>
+              </a:spcBef>
+              <a:spcAft>
+                <a:spcPts val="0"/>
+              </a:spcAft>
+              <a:buNone/>
+            </a:pPr>
+            <a:r>
+              <a:rPr lang="en-GB" sz="4000" dirty="0">
+                <a:latin typeface="Calibri" panose="020F0502020204030204" pitchFamily="34" charset="0"/>
+                <a:cs typeface="Calibri" panose="020F0502020204030204" pitchFamily="34" charset="0"/>
+              </a:rPr>
+              <a:t>Supervised Learning</a:t>
+            </a:r>
+          </a:p>
+        </p:txBody>
+      </p:sp>
+      <p:sp>
+        <p:nvSpPr>
+          <p:cNvPr id="249" name="Shape 249"/>
+          <p:cNvSpPr/>
+          <p:nvPr/>
+        </p:nvSpPr>
+        <p:spPr>
+          <a:xfrm>
+            <a:off x="0" y="0"/>
+            <a:ext cx="12192000" cy="127000"/>
+          </a:xfrm>
+          <a:prstGeom prst="rect">
+            <a:avLst/>
+          </a:prstGeom>
+          <a:solidFill>
+            <a:schemeClr val="accent1"/>
+          </a:solidFill>
+          <a:ln>
+            <a:noFill/>
+          </a:ln>
+        </p:spPr>
+        <p:txBody>
+          <a:bodyPr spcFirstLastPara="1" wrap="square" lIns="91425" tIns="45700" rIns="91425" bIns="45700" anchor="ctr" anchorCtr="0">
+            <a:noAutofit/>
+          </a:bodyPr>
+          <a:lstStyle/>
+          <a:p>
+            <a:pPr marL="0" marR="0" lvl="0" indent="0" algn="ctr" rtl="0">
+              <a:spcBef>
+                <a:spcPts val="0"/>
+              </a:spcBef>
+              <a:spcAft>
+                <a:spcPts val="0"/>
+              </a:spcAft>
+              <a:buNone/>
+            </a:pPr>
+            <a:endParaRPr sz="1800">
+              <a:solidFill>
+                <a:schemeClr val="lt1"/>
+              </a:solidFill>
+              <a:latin typeface="Calibri"/>
+              <a:ea typeface="Calibri"/>
+              <a:cs typeface="Calibri"/>
+              <a:sym typeface="Calibri"/>
+            </a:endParaRPr>
+          </a:p>
+        </p:txBody>
+      </p:sp>
+      <p:sp>
+        <p:nvSpPr>
+          <p:cNvPr id="7" name="Segnaposto numero diapositiva 6"/>
+          <p:cNvSpPr>
+            <a:spLocks noGrp="1"/>
+          </p:cNvSpPr>
+          <p:nvPr>
+            <p:ph type="sldNum" idx="12"/>
+          </p:nvPr>
+        </p:nvSpPr>
+        <p:spPr/>
+        <p:txBody>
+          <a:bodyPr/>
+          <a:lstStyle/>
+          <a:p>
+            <a:pPr marL="0" lvl="0" indent="0">
+              <a:spcBef>
+                <a:spcPts val="0"/>
+              </a:spcBef>
+              <a:spcAft>
+                <a:spcPts val="0"/>
+              </a:spcAft>
+              <a:buNone/>
+            </a:pPr>
+            <a:fld id="{00000000-1234-1234-1234-123412341234}" type="slidenum">
+              <a:rPr lang="nb-NO" sz="1800" smtClean="0"/>
+              <a:t>16</a:t>
+            </a:fld>
+            <a:endParaRPr lang="nb-NO" sz="1800"/>
+          </a:p>
+        </p:txBody>
+      </p:sp>
+      <p:sp>
+        <p:nvSpPr>
+          <p:cNvPr id="2" name="Segnaposto piè di pagina 1">
+            <a:extLst>
+              <a:ext uri="{FF2B5EF4-FFF2-40B4-BE49-F238E27FC236}">
+                <a16:creationId xmlns:a16="http://schemas.microsoft.com/office/drawing/2014/main" id="{3A8DC547-98D8-5343-982F-51E225E4C786}"/>
+              </a:ext>
+            </a:extLst>
+          </p:cNvPr>
+          <p:cNvSpPr>
+            <a:spLocks noGrp="1"/>
+          </p:cNvSpPr>
+          <p:nvPr>
+            <p:ph type="ftr" idx="11"/>
+          </p:nvPr>
+        </p:nvSpPr>
+        <p:spPr>
+          <a:xfrm>
+            <a:off x="4463425" y="6441514"/>
+            <a:ext cx="4822804" cy="365125"/>
+          </a:xfrm>
+        </p:spPr>
+        <p:txBody>
+          <a:bodyPr/>
+          <a:lstStyle/>
+          <a:p>
+            <a:r>
+              <a:rPr lang="it-IT" sz="1800" dirty="0"/>
+              <a:t>-     Data Analytics &amp; Data </a:t>
+            </a:r>
+            <a:r>
+              <a:rPr lang="it-IT" sz="1800" dirty="0" err="1"/>
+              <a:t>Driven</a:t>
+            </a:r>
+            <a:r>
+              <a:rPr lang="it-IT" sz="1800" dirty="0"/>
+              <a:t> </a:t>
+            </a:r>
+            <a:r>
+              <a:rPr lang="it-IT" sz="1800" dirty="0" err="1"/>
+              <a:t>Decision</a:t>
+            </a:r>
+            <a:endParaRPr lang="it-IT" sz="1800" dirty="0"/>
+          </a:p>
+        </p:txBody>
+      </p:sp>
+      <p:sp>
+        <p:nvSpPr>
+          <p:cNvPr id="10" name="CasellaDiTesto 9">
+            <a:extLst>
+              <a:ext uri="{FF2B5EF4-FFF2-40B4-BE49-F238E27FC236}">
+                <a16:creationId xmlns:a16="http://schemas.microsoft.com/office/drawing/2014/main" id="{6C4795C9-381A-124E-9E2A-382D90A6B249}"/>
+              </a:ext>
+            </a:extLst>
+          </p:cNvPr>
+          <p:cNvSpPr txBox="1"/>
+          <p:nvPr/>
+        </p:nvSpPr>
+        <p:spPr>
+          <a:xfrm>
+            <a:off x="857333" y="1224225"/>
+            <a:ext cx="10355150" cy="3785652"/>
+          </a:xfrm>
+          <a:prstGeom prst="rect">
+            <a:avLst/>
+          </a:prstGeom>
+          <a:noFill/>
+        </p:spPr>
+        <p:txBody>
+          <a:bodyPr wrap="square" rtlCol="0">
+            <a:spAutoFit/>
+          </a:bodyPr>
+          <a:lstStyle/>
+          <a:p>
+            <a:r>
+              <a:rPr lang="en-GB" sz="2000" dirty="0">
+                <a:latin typeface="Calibri Light" panose="020F0302020204030204" pitchFamily="34" charset="0"/>
+                <a:cs typeface="Calibri Light" panose="020F0302020204030204" pitchFamily="34" charset="0"/>
+              </a:rPr>
+              <a:t>First of all, the number of shares of a post has been divided in 4 different categories that indicate respectively:</a:t>
+            </a:r>
+          </a:p>
+          <a:p>
+            <a:endParaRPr lang="it-IT" sz="2000" dirty="0">
+              <a:latin typeface="Calibri Light" panose="020F0302020204030204" pitchFamily="34" charset="0"/>
+              <a:cs typeface="Calibri Light" panose="020F0302020204030204" pitchFamily="34" charset="0"/>
+            </a:endParaRPr>
+          </a:p>
+          <a:p>
+            <a:pPr marL="342900" lvl="0" indent="-342900">
+              <a:buFont typeface="Arial" panose="020B0604020202020204" pitchFamily="34" charset="0"/>
+              <a:buChar char="•"/>
+            </a:pPr>
+            <a:r>
+              <a:rPr lang="en-GB" sz="2000" dirty="0">
+                <a:latin typeface="Calibri Light" panose="020F0302020204030204" pitchFamily="34" charset="0"/>
+                <a:cs typeface="Calibri Light" panose="020F0302020204030204" pitchFamily="34" charset="0"/>
+              </a:rPr>
+              <a:t>A </a:t>
+            </a:r>
+            <a:r>
+              <a:rPr lang="en-GB" sz="2000" b="1" dirty="0">
+                <a:latin typeface="Calibri Light" panose="020F0302020204030204" pitchFamily="34" charset="0"/>
+                <a:cs typeface="Calibri Light" panose="020F0302020204030204" pitchFamily="34" charset="0"/>
+              </a:rPr>
+              <a:t>low</a:t>
+            </a:r>
+            <a:r>
+              <a:rPr lang="en-GB" sz="2000" dirty="0">
+                <a:latin typeface="Calibri Light" panose="020F0302020204030204" pitchFamily="34" charset="0"/>
+                <a:cs typeface="Calibri Light" panose="020F0302020204030204" pitchFamily="34" charset="0"/>
+              </a:rPr>
+              <a:t> number of shares that indicates a number between 1 and 49 and it is identified by the number '1'</a:t>
+            </a:r>
+            <a:endParaRPr lang="it-IT" sz="2000" dirty="0">
+              <a:latin typeface="Calibri Light" panose="020F0302020204030204" pitchFamily="34" charset="0"/>
+              <a:cs typeface="Calibri Light" panose="020F0302020204030204" pitchFamily="34" charset="0"/>
+            </a:endParaRPr>
+          </a:p>
+          <a:p>
+            <a:pPr marL="342900" lvl="0" indent="-342900">
+              <a:buFont typeface="Arial" panose="020B0604020202020204" pitchFamily="34" charset="0"/>
+              <a:buChar char="•"/>
+            </a:pPr>
+            <a:r>
+              <a:rPr lang="en-GB" sz="2000" dirty="0">
+                <a:latin typeface="Calibri Light" panose="020F0302020204030204" pitchFamily="34" charset="0"/>
+                <a:cs typeface="Calibri Light" panose="020F0302020204030204" pitchFamily="34" charset="0"/>
+              </a:rPr>
+              <a:t>A </a:t>
+            </a:r>
+            <a:r>
+              <a:rPr lang="en-GB" sz="2000" b="1" dirty="0">
+                <a:latin typeface="Calibri Light" panose="020F0302020204030204" pitchFamily="34" charset="0"/>
+                <a:cs typeface="Calibri Light" panose="020F0302020204030204" pitchFamily="34" charset="0"/>
+              </a:rPr>
+              <a:t>medium</a:t>
+            </a:r>
+            <a:r>
+              <a:rPr lang="en-GB" sz="2000" dirty="0">
+                <a:latin typeface="Calibri Light" panose="020F0302020204030204" pitchFamily="34" charset="0"/>
+                <a:cs typeface="Calibri Light" panose="020F0302020204030204" pitchFamily="34" charset="0"/>
+              </a:rPr>
+              <a:t> number of shares that indicates a number between 50 and 199 and it is identified by the number '2'</a:t>
+            </a:r>
+            <a:endParaRPr lang="it-IT" sz="2000" dirty="0">
+              <a:latin typeface="Calibri Light" panose="020F0302020204030204" pitchFamily="34" charset="0"/>
+              <a:cs typeface="Calibri Light" panose="020F0302020204030204" pitchFamily="34" charset="0"/>
+            </a:endParaRPr>
+          </a:p>
+          <a:p>
+            <a:pPr marL="342900" lvl="0" indent="-342900">
+              <a:buFont typeface="Arial" panose="020B0604020202020204" pitchFamily="34" charset="0"/>
+              <a:buChar char="•"/>
+            </a:pPr>
+            <a:r>
+              <a:rPr lang="en-GB" sz="2000" dirty="0">
+                <a:latin typeface="Calibri Light" panose="020F0302020204030204" pitchFamily="34" charset="0"/>
+                <a:cs typeface="Calibri Light" panose="020F0302020204030204" pitchFamily="34" charset="0"/>
+              </a:rPr>
+              <a:t>A </a:t>
+            </a:r>
+            <a:r>
+              <a:rPr lang="en-GB" sz="2000" b="1" dirty="0">
+                <a:latin typeface="Calibri Light" panose="020F0302020204030204" pitchFamily="34" charset="0"/>
+                <a:cs typeface="Calibri Light" panose="020F0302020204030204" pitchFamily="34" charset="0"/>
+              </a:rPr>
+              <a:t>good</a:t>
+            </a:r>
+            <a:r>
+              <a:rPr lang="en-GB" sz="2000" dirty="0">
+                <a:latin typeface="Calibri Light" panose="020F0302020204030204" pitchFamily="34" charset="0"/>
+                <a:cs typeface="Calibri Light" panose="020F0302020204030204" pitchFamily="34" charset="0"/>
+              </a:rPr>
+              <a:t> number of shares that indicates a number between 200 and 699 and it is identified by the number '3'</a:t>
+            </a:r>
+            <a:endParaRPr lang="it-IT" sz="2000" dirty="0">
+              <a:latin typeface="Calibri Light" panose="020F0302020204030204" pitchFamily="34" charset="0"/>
+              <a:cs typeface="Calibri Light" panose="020F0302020204030204" pitchFamily="34" charset="0"/>
+            </a:endParaRPr>
+          </a:p>
+          <a:p>
+            <a:pPr marL="342900" lvl="0" indent="-342900">
+              <a:buFont typeface="Arial" panose="020B0604020202020204" pitchFamily="34" charset="0"/>
+              <a:buChar char="•"/>
+            </a:pPr>
+            <a:r>
+              <a:rPr lang="en-GB" sz="2000" dirty="0">
+                <a:latin typeface="Calibri Light" panose="020F0302020204030204" pitchFamily="34" charset="0"/>
+                <a:cs typeface="Calibri Light" panose="020F0302020204030204" pitchFamily="34" charset="0"/>
+              </a:rPr>
+              <a:t>A </a:t>
+            </a:r>
+            <a:r>
+              <a:rPr lang="en-GB" sz="2000" b="1" dirty="0">
+                <a:latin typeface="Calibri Light" panose="020F0302020204030204" pitchFamily="34" charset="0"/>
+                <a:cs typeface="Calibri Light" panose="020F0302020204030204" pitchFamily="34" charset="0"/>
+              </a:rPr>
+              <a:t>high</a:t>
+            </a:r>
+            <a:r>
+              <a:rPr lang="en-GB" sz="2000" dirty="0">
+                <a:latin typeface="Calibri Light" panose="020F0302020204030204" pitchFamily="34" charset="0"/>
+                <a:cs typeface="Calibri Light" panose="020F0302020204030204" pitchFamily="34" charset="0"/>
+              </a:rPr>
+              <a:t> number of shares that indicates a number grater then 700 and it is identified by the number '4'</a:t>
+            </a:r>
+            <a:endParaRPr lang="it-IT" sz="2000" dirty="0">
+              <a:latin typeface="Calibri Light" panose="020F0302020204030204" pitchFamily="34" charset="0"/>
+              <a:cs typeface="Calibri Light" panose="020F0302020204030204" pitchFamily="34" charset="0"/>
+            </a:endParaRPr>
+          </a:p>
+          <a:p>
+            <a:pPr marL="342900" indent="-342900">
+              <a:buFont typeface="Arial" panose="020B0604020202020204" pitchFamily="34" charset="0"/>
+              <a:buChar char="•"/>
+            </a:pPr>
+            <a:endParaRPr lang="en-GB" sz="2000" dirty="0">
+              <a:latin typeface="Calibri Light" panose="020F0302020204030204" pitchFamily="34" charset="0"/>
+              <a:cs typeface="Calibri Light" panose="020F0302020204030204" pitchFamily="34" charset="0"/>
+            </a:endParaRPr>
+          </a:p>
+        </p:txBody>
+      </p:sp>
+    </p:spTree>
+    <p:extLst>
+      <p:ext uri="{BB962C8B-B14F-4D97-AF65-F5344CB8AC3E}">
+        <p14:creationId xmlns:p14="http://schemas.microsoft.com/office/powerpoint/2010/main" val="2666720748"/>
+      </p:ext>
+    </p:extLst>
+  </p:cSld>
+  <p:clrMapOvr>
+    <a:masterClrMapping/>
+  </p:clrMapOvr>
+</p:sld>
+</file>
+
+<file path=ppt/slides/slide17.xml><?xml version="1.0" encoding="utf-8"?>
+<p:sld xmlns:a="http://schemas.openxmlformats.org/drawingml/2006/main" xmlns:r="http://schemas.openxmlformats.org/officeDocument/2006/relationships" xmlns:p="http://schemas.openxmlformats.org/presentationml/2006/main">
+  <p:cSld>
+    <p:spTree>
+      <p:nvGrpSpPr>
+        <p:cNvPr id="1" name="Shape 245"/>
+        <p:cNvGrpSpPr/>
+        <p:nvPr/>
+      </p:nvGrpSpPr>
+      <p:grpSpPr>
+        <a:xfrm>
+          <a:off x="0" y="0"/>
+          <a:ext cx="0" cy="0"/>
+          <a:chOff x="0" y="0"/>
+          <a:chExt cx="0" cy="0"/>
+        </a:xfrm>
+      </p:grpSpPr>
+      <p:pic>
+        <p:nvPicPr>
+          <p:cNvPr id="246" name="Shape 246"/>
+          <p:cNvPicPr preferRelativeResize="0"/>
+          <p:nvPr/>
+        </p:nvPicPr>
+        <p:blipFill rotWithShape="1">
+          <a:blip r:embed="rId3">
+            <a:alphaModFix/>
+          </a:blip>
+          <a:srcRect/>
+          <a:stretch/>
+        </p:blipFill>
+        <p:spPr>
+          <a:xfrm>
+            <a:off x="108438" y="6007410"/>
+            <a:ext cx="774700" cy="732056"/>
+          </a:xfrm>
+          <a:prstGeom prst="rect">
+            <a:avLst/>
+          </a:prstGeom>
+          <a:noFill/>
+          <a:ln>
+            <a:noFill/>
+          </a:ln>
+        </p:spPr>
+      </p:pic>
+      <p:sp>
+        <p:nvSpPr>
+          <p:cNvPr id="247" name="Shape 247"/>
+          <p:cNvSpPr txBox="1"/>
+          <p:nvPr/>
+        </p:nvSpPr>
+        <p:spPr>
+          <a:xfrm>
+            <a:off x="883138" y="6441514"/>
+            <a:ext cx="3940694" cy="369332"/>
+          </a:xfrm>
+          <a:prstGeom prst="rect">
+            <a:avLst/>
+          </a:prstGeom>
+          <a:noFill/>
+          <a:ln>
+            <a:noFill/>
+          </a:ln>
+        </p:spPr>
+        <p:txBody>
+          <a:bodyPr spcFirstLastPara="1" wrap="square" lIns="91425" tIns="45700" rIns="91425" bIns="45700" anchor="t" anchorCtr="0">
+            <a:noAutofit/>
+          </a:bodyPr>
+          <a:lstStyle/>
+          <a:p>
+            <a:pPr marL="0" marR="0" lvl="0" indent="0" algn="l" rtl="0">
+              <a:spcBef>
+                <a:spcPts val="0"/>
+              </a:spcBef>
+              <a:spcAft>
+                <a:spcPts val="0"/>
+              </a:spcAft>
+              <a:buNone/>
+            </a:pPr>
+            <a:r>
+              <a:rPr lang="it-IT" sz="1800">
+                <a:solidFill>
+                  <a:schemeClr val="lt1"/>
+                </a:solidFill>
+                <a:latin typeface="Calibri"/>
+                <a:ea typeface="Calibri"/>
+                <a:cs typeface="Calibri"/>
+                <a:sym typeface="Calibri"/>
+              </a:rPr>
+              <a:t>DISIM - Università degli Studi Dell’Aquila</a:t>
+            </a:r>
+            <a:endParaRPr/>
+          </a:p>
+        </p:txBody>
+      </p:sp>
+      <p:sp>
+        <p:nvSpPr>
+          <p:cNvPr id="248" name="Shape 248"/>
+          <p:cNvSpPr txBox="1"/>
+          <p:nvPr/>
+        </p:nvSpPr>
+        <p:spPr>
+          <a:xfrm>
+            <a:off x="876468" y="352447"/>
+            <a:ext cx="9656945" cy="646331"/>
+          </a:xfrm>
+          <a:prstGeom prst="rect">
+            <a:avLst/>
+          </a:prstGeom>
+          <a:noFill/>
+          <a:ln>
+            <a:noFill/>
+          </a:ln>
+        </p:spPr>
+        <p:txBody>
+          <a:bodyPr spcFirstLastPara="1" wrap="square" lIns="91425" tIns="45700" rIns="91425" bIns="45700" anchor="t" anchorCtr="0">
+            <a:noAutofit/>
+          </a:bodyPr>
+          <a:lstStyle/>
+          <a:p>
+            <a:pPr marL="0" marR="0" lvl="0" indent="0" algn="l" rtl="0">
+              <a:spcBef>
+                <a:spcPts val="0"/>
+              </a:spcBef>
+              <a:spcAft>
+                <a:spcPts val="0"/>
+              </a:spcAft>
+              <a:buNone/>
+            </a:pPr>
+            <a:r>
+              <a:rPr lang="en-GB" sz="4000" dirty="0">
+                <a:latin typeface="Calibri" panose="020F0502020204030204" pitchFamily="34" charset="0"/>
+                <a:cs typeface="Calibri" panose="020F0502020204030204" pitchFamily="34" charset="0"/>
+              </a:rPr>
+              <a:t>Supervised Learning </a:t>
+            </a:r>
+            <a:r>
+              <a:rPr lang="en-GB" sz="2800" dirty="0">
+                <a:latin typeface="Calibri" panose="020F0502020204030204" pitchFamily="34" charset="0"/>
+                <a:cs typeface="Calibri" panose="020F0502020204030204" pitchFamily="34" charset="0"/>
+              </a:rPr>
+              <a:t>–</a:t>
+            </a:r>
+            <a:r>
+              <a:rPr lang="en-GB" sz="4000" dirty="0">
+                <a:latin typeface="Calibri" panose="020F0502020204030204" pitchFamily="34" charset="0"/>
+                <a:cs typeface="Calibri" panose="020F0502020204030204" pitchFamily="34" charset="0"/>
+              </a:rPr>
+              <a:t> </a:t>
+            </a:r>
+            <a:r>
+              <a:rPr lang="en-GB" sz="2800" dirty="0">
+                <a:latin typeface="Calibri" panose="020F0502020204030204" pitchFamily="34" charset="0"/>
+                <a:cs typeface="Calibri" panose="020F0502020204030204" pitchFamily="34" charset="0"/>
+              </a:rPr>
+              <a:t>Decision Trees</a:t>
+            </a:r>
+          </a:p>
+        </p:txBody>
+      </p:sp>
+      <p:sp>
+        <p:nvSpPr>
+          <p:cNvPr id="249" name="Shape 249"/>
+          <p:cNvSpPr/>
+          <p:nvPr/>
+        </p:nvSpPr>
+        <p:spPr>
+          <a:xfrm>
+            <a:off x="0" y="0"/>
+            <a:ext cx="12192000" cy="127000"/>
+          </a:xfrm>
+          <a:prstGeom prst="rect">
+            <a:avLst/>
+          </a:prstGeom>
+          <a:solidFill>
+            <a:schemeClr val="accent1"/>
+          </a:solidFill>
+          <a:ln>
+            <a:noFill/>
+          </a:ln>
+        </p:spPr>
+        <p:txBody>
+          <a:bodyPr spcFirstLastPara="1" wrap="square" lIns="91425" tIns="45700" rIns="91425" bIns="45700" anchor="ctr" anchorCtr="0">
+            <a:noAutofit/>
+          </a:bodyPr>
+          <a:lstStyle/>
+          <a:p>
+            <a:pPr marL="0" marR="0" lvl="0" indent="0" algn="ctr" rtl="0">
+              <a:spcBef>
+                <a:spcPts val="0"/>
+              </a:spcBef>
+              <a:spcAft>
+                <a:spcPts val="0"/>
+              </a:spcAft>
+              <a:buNone/>
+            </a:pPr>
+            <a:endParaRPr sz="1800">
+              <a:solidFill>
+                <a:schemeClr val="lt1"/>
+              </a:solidFill>
+              <a:latin typeface="Calibri"/>
+              <a:ea typeface="Calibri"/>
+              <a:cs typeface="Calibri"/>
+              <a:sym typeface="Calibri"/>
+            </a:endParaRPr>
+          </a:p>
+        </p:txBody>
+      </p:sp>
+      <p:sp>
+        <p:nvSpPr>
+          <p:cNvPr id="7" name="Segnaposto numero diapositiva 6"/>
+          <p:cNvSpPr>
+            <a:spLocks noGrp="1"/>
+          </p:cNvSpPr>
+          <p:nvPr>
+            <p:ph type="sldNum" idx="12"/>
+          </p:nvPr>
+        </p:nvSpPr>
+        <p:spPr/>
+        <p:txBody>
+          <a:bodyPr/>
+          <a:lstStyle/>
+          <a:p>
+            <a:pPr marL="0" lvl="0" indent="0">
+              <a:spcBef>
+                <a:spcPts val="0"/>
+              </a:spcBef>
+              <a:spcAft>
+                <a:spcPts val="0"/>
+              </a:spcAft>
+              <a:buNone/>
+            </a:pPr>
+            <a:fld id="{00000000-1234-1234-1234-123412341234}" type="slidenum">
+              <a:rPr lang="nb-NO" sz="1800" smtClean="0"/>
+              <a:t>17</a:t>
+            </a:fld>
+            <a:endParaRPr lang="nb-NO" sz="1800"/>
+          </a:p>
+        </p:txBody>
+      </p:sp>
+      <p:sp>
+        <p:nvSpPr>
+          <p:cNvPr id="2" name="Segnaposto piè di pagina 1">
+            <a:extLst>
+              <a:ext uri="{FF2B5EF4-FFF2-40B4-BE49-F238E27FC236}">
+                <a16:creationId xmlns:a16="http://schemas.microsoft.com/office/drawing/2014/main" id="{3A8DC547-98D8-5343-982F-51E225E4C786}"/>
+              </a:ext>
+            </a:extLst>
+          </p:cNvPr>
+          <p:cNvSpPr>
+            <a:spLocks noGrp="1"/>
+          </p:cNvSpPr>
+          <p:nvPr>
+            <p:ph type="ftr" idx="11"/>
+          </p:nvPr>
+        </p:nvSpPr>
+        <p:spPr>
+          <a:xfrm>
+            <a:off x="4463425" y="6441514"/>
+            <a:ext cx="4822804" cy="365125"/>
+          </a:xfrm>
+        </p:spPr>
+        <p:txBody>
+          <a:bodyPr/>
+          <a:lstStyle/>
+          <a:p>
+            <a:r>
+              <a:rPr lang="it-IT" sz="1800" dirty="0"/>
+              <a:t>-     Data Analytics &amp; Data </a:t>
+            </a:r>
+            <a:r>
+              <a:rPr lang="it-IT" sz="1800" dirty="0" err="1"/>
+              <a:t>Driven</a:t>
+            </a:r>
+            <a:r>
+              <a:rPr lang="it-IT" sz="1800" dirty="0"/>
+              <a:t> </a:t>
+            </a:r>
+            <a:r>
+              <a:rPr lang="it-IT" sz="1800" dirty="0" err="1"/>
+              <a:t>Decision</a:t>
+            </a:r>
+            <a:endParaRPr lang="it-IT" sz="1800" dirty="0"/>
+          </a:p>
+        </p:txBody>
+      </p:sp>
+      <p:sp>
+        <p:nvSpPr>
+          <p:cNvPr id="10" name="CasellaDiTesto 9">
+            <a:extLst>
+              <a:ext uri="{FF2B5EF4-FFF2-40B4-BE49-F238E27FC236}">
+                <a16:creationId xmlns:a16="http://schemas.microsoft.com/office/drawing/2014/main" id="{6C4795C9-381A-124E-9E2A-382D90A6B249}"/>
+              </a:ext>
+            </a:extLst>
+          </p:cNvPr>
+          <p:cNvSpPr txBox="1"/>
+          <p:nvPr/>
+        </p:nvSpPr>
+        <p:spPr>
+          <a:xfrm>
+            <a:off x="857333" y="1224225"/>
+            <a:ext cx="10355150" cy="4401205"/>
+          </a:xfrm>
+          <a:prstGeom prst="rect">
+            <a:avLst/>
+          </a:prstGeom>
+          <a:noFill/>
+        </p:spPr>
+        <p:txBody>
+          <a:bodyPr wrap="square" rtlCol="0">
+            <a:spAutoFit/>
+          </a:bodyPr>
+          <a:lstStyle/>
+          <a:p>
+            <a:r>
+              <a:rPr lang="en-GB" sz="2000" dirty="0">
+                <a:latin typeface="Calibri Light" panose="020F0302020204030204" pitchFamily="34" charset="0"/>
+                <a:cs typeface="Calibri Light" panose="020F0302020204030204" pitchFamily="34" charset="0"/>
+              </a:rPr>
+              <a:t>Decision trees are a powerful prediction method and extremely popular. It works for both continuous as well as categorical output variables.</a:t>
+            </a:r>
+          </a:p>
+          <a:p>
+            <a:pPr marL="342900" lvl="0" indent="-342900">
+              <a:buFont typeface="Arial" panose="020B0604020202020204" pitchFamily="34" charset="0"/>
+              <a:buChar char="•"/>
+            </a:pPr>
+            <a:endParaRPr lang="en-GB" sz="2000" dirty="0">
+              <a:latin typeface="Calibri Light" panose="020F0302020204030204" pitchFamily="34" charset="0"/>
+              <a:cs typeface="Calibri Light" panose="020F0302020204030204" pitchFamily="34" charset="0"/>
+            </a:endParaRPr>
+          </a:p>
+          <a:p>
+            <a:pPr marL="342900" lvl="0" indent="-342900">
+              <a:buFont typeface="Arial" panose="020B0604020202020204" pitchFamily="34" charset="0"/>
+              <a:buChar char="•"/>
+            </a:pPr>
+            <a:r>
+              <a:rPr lang="en-GB" sz="2000" dirty="0">
+                <a:latin typeface="Calibri Light" panose="020F0302020204030204" pitchFamily="34" charset="0"/>
+                <a:cs typeface="Calibri Light" panose="020F0302020204030204" pitchFamily="34" charset="0"/>
+              </a:rPr>
+              <a:t>Building Phase</a:t>
+            </a:r>
+            <a:endParaRPr lang="it-IT" sz="2000" dirty="0">
+              <a:latin typeface="Calibri Light" panose="020F0302020204030204" pitchFamily="34" charset="0"/>
+              <a:cs typeface="Calibri Light" panose="020F0302020204030204" pitchFamily="34" charset="0"/>
+            </a:endParaRPr>
+          </a:p>
+          <a:p>
+            <a:pPr lvl="8"/>
+            <a:r>
+              <a:rPr lang="en-GB" sz="2000" dirty="0">
+                <a:latin typeface="Calibri Light" panose="020F0302020204030204" pitchFamily="34" charset="0"/>
+                <a:cs typeface="Calibri Light" panose="020F0302020204030204" pitchFamily="34" charset="0"/>
+              </a:rPr>
+              <a:t>	Pre-process the dataset.</a:t>
+            </a:r>
+            <a:endParaRPr lang="it-IT" sz="2000" dirty="0">
+              <a:latin typeface="Calibri Light" panose="020F0302020204030204" pitchFamily="34" charset="0"/>
+              <a:cs typeface="Calibri Light" panose="020F0302020204030204" pitchFamily="34" charset="0"/>
+            </a:endParaRPr>
+          </a:p>
+          <a:p>
+            <a:pPr lvl="1"/>
+            <a:r>
+              <a:rPr lang="en-GB" sz="2000" dirty="0">
+                <a:latin typeface="Calibri Light" panose="020F0302020204030204" pitchFamily="34" charset="0"/>
+                <a:cs typeface="Calibri Light" panose="020F0302020204030204" pitchFamily="34" charset="0"/>
+              </a:rPr>
+              <a:t>	Split the dataset from train and test using Python.</a:t>
+            </a:r>
+            <a:endParaRPr lang="it-IT" sz="2000" dirty="0">
+              <a:latin typeface="Calibri Light" panose="020F0302020204030204" pitchFamily="34" charset="0"/>
+              <a:cs typeface="Calibri Light" panose="020F0302020204030204" pitchFamily="34" charset="0"/>
+            </a:endParaRPr>
+          </a:p>
+          <a:p>
+            <a:pPr lvl="1"/>
+            <a:r>
+              <a:rPr lang="en-GB" sz="2000" dirty="0">
+                <a:latin typeface="Calibri Light" panose="020F0302020204030204" pitchFamily="34" charset="0"/>
+                <a:cs typeface="Calibri Light" panose="020F0302020204030204" pitchFamily="34" charset="0"/>
+              </a:rPr>
+              <a:t>	Train the classifier.</a:t>
+            </a:r>
+            <a:endParaRPr lang="it-IT" sz="2000" dirty="0">
+              <a:latin typeface="Calibri Light" panose="020F0302020204030204" pitchFamily="34" charset="0"/>
+              <a:cs typeface="Calibri Light" panose="020F0302020204030204" pitchFamily="34" charset="0"/>
+            </a:endParaRPr>
+          </a:p>
+          <a:p>
+            <a:pPr marL="342900" lvl="0" indent="-342900">
+              <a:buFont typeface="Arial" panose="020B0604020202020204" pitchFamily="34" charset="0"/>
+              <a:buChar char="•"/>
+            </a:pPr>
+            <a:r>
+              <a:rPr lang="en-GB" sz="2000" dirty="0">
+                <a:latin typeface="Calibri Light" panose="020F0302020204030204" pitchFamily="34" charset="0"/>
+                <a:cs typeface="Calibri Light" panose="020F0302020204030204" pitchFamily="34" charset="0"/>
+              </a:rPr>
+              <a:t>Operational Phase</a:t>
+            </a:r>
+            <a:endParaRPr lang="it-IT" sz="2000" dirty="0">
+              <a:latin typeface="Calibri Light" panose="020F0302020204030204" pitchFamily="34" charset="0"/>
+              <a:cs typeface="Calibri Light" panose="020F0302020204030204" pitchFamily="34" charset="0"/>
+            </a:endParaRPr>
+          </a:p>
+          <a:p>
+            <a:pPr lvl="1"/>
+            <a:r>
+              <a:rPr lang="en-GB" sz="2000" dirty="0">
+                <a:latin typeface="Calibri Light" panose="020F0302020204030204" pitchFamily="34" charset="0"/>
+                <a:cs typeface="Calibri Light" panose="020F0302020204030204" pitchFamily="34" charset="0"/>
+              </a:rPr>
+              <a:t>	Make predictions.</a:t>
+            </a:r>
+            <a:endParaRPr lang="it-IT" sz="2000" dirty="0">
+              <a:latin typeface="Calibri Light" panose="020F0302020204030204" pitchFamily="34" charset="0"/>
+              <a:cs typeface="Calibri Light" panose="020F0302020204030204" pitchFamily="34" charset="0"/>
+            </a:endParaRPr>
+          </a:p>
+          <a:p>
+            <a:pPr lvl="1"/>
+            <a:r>
+              <a:rPr lang="en-GB" sz="2000" dirty="0">
+                <a:latin typeface="Calibri Light" panose="020F0302020204030204" pitchFamily="34" charset="0"/>
+                <a:cs typeface="Calibri Light" panose="020F0302020204030204" pitchFamily="34" charset="0"/>
+              </a:rPr>
+              <a:t>	Calculate the accuracy.</a:t>
+            </a:r>
+          </a:p>
+          <a:p>
+            <a:pPr lvl="1"/>
+            <a:endParaRPr lang="en-GB" sz="2000" dirty="0">
+              <a:latin typeface="Calibri Light" panose="020F0302020204030204" pitchFamily="34" charset="0"/>
+              <a:cs typeface="Calibri Light" panose="020F0302020204030204" pitchFamily="34" charset="0"/>
+            </a:endParaRPr>
+          </a:p>
+          <a:p>
+            <a:pPr lvl="1"/>
+            <a:endParaRPr lang="en-GB" sz="2000" dirty="0">
+              <a:latin typeface="Calibri Light" panose="020F0302020204030204" pitchFamily="34" charset="0"/>
+              <a:cs typeface="Calibri Light" panose="020F0302020204030204" pitchFamily="34" charset="0"/>
+            </a:endParaRPr>
+          </a:p>
+          <a:p>
+            <a:pPr lvl="1"/>
+            <a:r>
+              <a:rPr lang="en-GB" sz="2000" dirty="0">
+                <a:latin typeface="Calibri Light" panose="020F0302020204030204" pitchFamily="34" charset="0"/>
+                <a:cs typeface="Calibri Light" panose="020F0302020204030204" pitchFamily="34" charset="0"/>
+              </a:rPr>
+              <a:t>The number of shares has been predicted and the accuracy score has been calculated to be really next to 78%.</a:t>
+            </a:r>
+            <a:r>
+              <a:rPr lang="it-IT" sz="2000" dirty="0">
+                <a:latin typeface="Calibri Light" panose="020F0302020204030204" pitchFamily="34" charset="0"/>
+                <a:cs typeface="Calibri Light" panose="020F0302020204030204" pitchFamily="34" charset="0"/>
+              </a:rPr>
+              <a:t> </a:t>
+            </a:r>
+          </a:p>
+        </p:txBody>
+      </p:sp>
+    </p:spTree>
+    <p:extLst>
+      <p:ext uri="{BB962C8B-B14F-4D97-AF65-F5344CB8AC3E}">
+        <p14:creationId xmlns:p14="http://schemas.microsoft.com/office/powerpoint/2010/main" val="1268831045"/>
+      </p:ext>
+    </p:extLst>
+  </p:cSld>
+  <p:clrMapOvr>
+    <a:masterClrMapping/>
+  </p:clrMapOvr>
+</p:sld>
+</file>
+
 <file path=ppt/slides/slide18.xml><?xml version="1.0" encoding="utf-8"?>
 <p:sld xmlns:a="http://schemas.openxmlformats.org/drawingml/2006/main" xmlns:r="http://schemas.openxmlformats.org/officeDocument/2006/relationships" xmlns:p="http://schemas.openxmlformats.org/presentationml/2006/main">
   <p:cSld>
@@ -20579,7 +20607,7 @@
         <p:spPr>
           <a:xfrm>
             <a:off x="876468" y="352447"/>
-            <a:ext cx="5219531" cy="646331"/>
+            <a:ext cx="9656945" cy="646331"/>
           </a:xfrm>
           <a:prstGeom prst="rect">
             <a:avLst/>
@@ -20609,7 +20637,14 @@
                 <a:latin typeface="Calibri" panose="020F0502020204030204" pitchFamily="34" charset="0"/>
                 <a:cs typeface="Calibri" panose="020F0502020204030204" pitchFamily="34" charset="0"/>
               </a:rPr>
-              <a:t>Supervised Learning</a:t>
+              <a:t>Supervised Learning </a:t>
+            </a:r>
+            <a:r>
+              <a:rPr lang="en-GB" sz="2800" dirty="0">
+                <a:latin typeface="Calibri" panose="020F0502020204030204" pitchFamily="34" charset="0"/>
+                <a:cs typeface="Calibri" panose="020F0502020204030204" pitchFamily="34" charset="0"/>
+              </a:rPr>
+              <a:t>- Neural Network</a:t>
             </a:r>
           </a:p>
         </p:txBody>
@@ -20755,7 +20790,7 @@
         <p:spPr>
           <a:xfrm>
             <a:off x="857333" y="1224225"/>
-            <a:ext cx="10355150" cy="3785652"/>
+            <a:ext cx="10355150" cy="5016758"/>
           </a:xfrm>
           <a:prstGeom prst="rect">
             <a:avLst/>
@@ -20773,16 +20808,126 @@
                 <a:latin typeface="Calibri Light" panose="020F0302020204030204" pitchFamily="34" charset="0"/>
                 <a:cs typeface="Calibri Light" panose="020F0302020204030204" pitchFamily="34" charset="0"/>
               </a:rPr>
-              <a:t>First of all, the number of shares of a post has been divided in 4 different categories that indicate respectively:</a:t>
-            </a:r>
-          </a:p>
-          <a:p>
+              <a:t>Neural networks are computing systems vaguely inspired by the biological neural networks that constitute animal brains. </a:t>
+            </a:r>
+          </a:p>
+          <a:p>
+            <a:r>
+              <a:rPr lang="en-GB" sz="2000" dirty="0">
+                <a:latin typeface="Calibri Light" panose="020F0302020204030204" pitchFamily="34" charset="0"/>
+                <a:cs typeface="Calibri Light" panose="020F0302020204030204" pitchFamily="34" charset="0"/>
+              </a:rPr>
+              <a:t>The technic that has been used is </a:t>
+            </a:r>
+            <a:r>
+              <a:rPr lang="en-GB" sz="2000" b="1" dirty="0">
+                <a:latin typeface="Calibri Light" panose="020F0302020204030204" pitchFamily="34" charset="0"/>
+                <a:cs typeface="Calibri Light" panose="020F0302020204030204" pitchFamily="34" charset="0"/>
+              </a:rPr>
+              <a:t>Multi-layer Perceptron</a:t>
+            </a:r>
+            <a:r>
+              <a:rPr lang="en-GB" sz="2000" dirty="0">
+                <a:latin typeface="Calibri Light" panose="020F0302020204030204" pitchFamily="34" charset="0"/>
+                <a:cs typeface="Calibri Light" panose="020F0302020204030204" pitchFamily="34" charset="0"/>
+              </a:rPr>
+              <a:t>,</a:t>
+            </a:r>
+            <a:r>
+              <a:rPr lang="en-GB" dirty="0"/>
+              <a:t> </a:t>
+            </a:r>
+            <a:r>
+              <a:rPr lang="en-GB" sz="2000" dirty="0">
+                <a:latin typeface="Calibri Light" panose="020F0302020204030204" pitchFamily="34" charset="0"/>
+                <a:cs typeface="Calibri Light" panose="020F0302020204030204" pitchFamily="34" charset="0"/>
+              </a:rPr>
+              <a:t>that is a supervised learning algorithm that learns a function by training on a dataset.  </a:t>
+            </a:r>
+            <a:r>
+              <a:rPr lang="it-IT" sz="2000" dirty="0">
+                <a:latin typeface="Calibri Light" panose="020F0302020204030204" pitchFamily="34" charset="0"/>
+                <a:cs typeface="Calibri Light" panose="020F0302020204030204" pitchFamily="34" charset="0"/>
+              </a:rPr>
+              <a:t>  </a:t>
+            </a:r>
+          </a:p>
+          <a:p>
+            <a:endParaRPr lang="en-GB" sz="2000" dirty="0">
+              <a:latin typeface="Calibri Light" panose="020F0302020204030204" pitchFamily="34" charset="0"/>
+              <a:cs typeface="Calibri Light" panose="020F0302020204030204" pitchFamily="34" charset="0"/>
+            </a:endParaRPr>
+          </a:p>
+          <a:p>
+            <a:pPr marL="342900" lvl="0" indent="-342900">
+              <a:buFont typeface="Arial" panose="020B0604020202020204" pitchFamily="34" charset="0"/>
+              <a:buChar char="•"/>
+            </a:pPr>
+            <a:r>
+              <a:rPr lang="en-GB" sz="2000" dirty="0">
+                <a:latin typeface="Calibri Light" panose="020F0302020204030204" pitchFamily="34" charset="0"/>
+                <a:cs typeface="Calibri Light" panose="020F0302020204030204" pitchFamily="34" charset="0"/>
+              </a:rPr>
+              <a:t>Building Phase</a:t>
+            </a:r>
             <a:endParaRPr lang="it-IT" sz="2000" dirty="0">
               <a:latin typeface="Calibri Light" panose="020F0302020204030204" pitchFamily="34" charset="0"/>
               <a:cs typeface="Calibri Light" panose="020F0302020204030204" pitchFamily="34" charset="0"/>
             </a:endParaRPr>
           </a:p>
           <a:p>
+            <a:pPr lvl="8"/>
+            <a:r>
+              <a:rPr lang="en-GB" sz="2000" dirty="0">
+                <a:latin typeface="Calibri Light" panose="020F0302020204030204" pitchFamily="34" charset="0"/>
+                <a:cs typeface="Calibri Light" panose="020F0302020204030204" pitchFamily="34" charset="0"/>
+              </a:rPr>
+              <a:t>	Pre-process the dataset.</a:t>
+            </a:r>
+          </a:p>
+          <a:p>
+            <a:pPr lvl="8"/>
+            <a:r>
+              <a:rPr lang="en-GB" sz="2000" dirty="0">
+                <a:latin typeface="Calibri Light" panose="020F0302020204030204" pitchFamily="34" charset="0"/>
+                <a:cs typeface="Calibri Light" panose="020F0302020204030204" pitchFamily="34" charset="0"/>
+              </a:rPr>
+              <a:t>	Encoding dataset using one-hot.</a:t>
+            </a:r>
+            <a:endParaRPr lang="it-IT" sz="2000" dirty="0">
+              <a:latin typeface="Calibri Light" panose="020F0302020204030204" pitchFamily="34" charset="0"/>
+              <a:cs typeface="Calibri Light" panose="020F0302020204030204" pitchFamily="34" charset="0"/>
+            </a:endParaRPr>
+          </a:p>
+          <a:p>
+            <a:pPr lvl="1"/>
+            <a:r>
+              <a:rPr lang="en-GB" sz="2000" dirty="0">
+                <a:latin typeface="Calibri Light" panose="020F0302020204030204" pitchFamily="34" charset="0"/>
+                <a:cs typeface="Calibri Light" panose="020F0302020204030204" pitchFamily="34" charset="0"/>
+              </a:rPr>
+              <a:t>	Split the dataset from train and test using Python.</a:t>
+            </a:r>
+            <a:endParaRPr lang="it-IT" sz="2000" dirty="0">
+              <a:latin typeface="Calibri Light" panose="020F0302020204030204" pitchFamily="34" charset="0"/>
+              <a:cs typeface="Calibri Light" panose="020F0302020204030204" pitchFamily="34" charset="0"/>
+            </a:endParaRPr>
+          </a:p>
+          <a:p>
+            <a:pPr lvl="1"/>
+            <a:r>
+              <a:rPr lang="en-GB" sz="2000" dirty="0">
+                <a:latin typeface="Calibri Light" panose="020F0302020204030204" pitchFamily="34" charset="0"/>
+                <a:cs typeface="Calibri Light" panose="020F0302020204030204" pitchFamily="34" charset="0"/>
+              </a:rPr>
+              <a:t>	Train the classifier.</a:t>
+            </a:r>
+            <a:endParaRPr lang="it-IT" sz="2000" dirty="0">
+              <a:latin typeface="Calibri Light" panose="020F0302020204030204" pitchFamily="34" charset="0"/>
+              <a:cs typeface="Calibri Light" panose="020F0302020204030204" pitchFamily="34" charset="0"/>
+            </a:endParaRPr>
+          </a:p>
+          <a:p>
             <a:pPr marL="342900" lvl="0" indent="-342900">
               <a:buFont typeface="Arial" panose="020B0604020202020204" pitchFamily="34" charset="0"/>
               <a:buChar char="•"/>
@@ -20792,21 +20937,21 @@
                 <a:latin typeface="Calibri Light" panose="020F0302020204030204" pitchFamily="34" charset="0"/>
                 <a:cs typeface="Calibri Light" panose="020F0302020204030204" pitchFamily="34" charset="0"/>
               </a:rPr>
-              <a:t>A </a:t>
-            </a:r>
-            <a:r>
-              <a:rPr lang="en-GB" sz="2000" b="1" dirty="0">
-                <a:latin typeface="Calibri Light" panose="020F0302020204030204" pitchFamily="34" charset="0"/>
-                <a:cs typeface="Calibri Light" panose="020F0302020204030204" pitchFamily="34" charset="0"/>
-              </a:rPr>
-              <a:t>low</a:t>
-            </a:r>
+              <a:t>Operational Phase</a:t>
+            </a:r>
+            <a:endParaRPr lang="it-IT" sz="2000" dirty="0">
+              <a:latin typeface="Calibri Light" panose="020F0302020204030204" pitchFamily="34" charset="0"/>
+              <a:cs typeface="Calibri Light" panose="020F0302020204030204" pitchFamily="34" charset="0"/>
+            </a:endParaRPr>
+          </a:p>
+          <a:p>
+            <a:pPr lvl="1"/>
             <a:r>
               <a:rPr lang="en-GB" sz="2000" dirty="0">
                 <a:latin typeface="Calibri Light" panose="020F0302020204030204" pitchFamily="34" charset="0"/>
                 <a:cs typeface="Calibri Light" panose="020F0302020204030204" pitchFamily="34" charset="0"/>
               </a:rPr>
-              <a:t> number of shares that indicates a number between 1 and 49 and it is identified by the number '1'</a:t>
+              <a:t>	Make predictions.</a:t>
             </a:r>
             <a:endParaRPr lang="it-IT" sz="2000" dirty="0">
               <a:latin typeface="Calibri Light" panose="020F0302020204030204" pitchFamily="34" charset="0"/>
@@ -20814,114 +20959,45 @@
             </a:endParaRPr>
           </a:p>
           <a:p>
-            <a:pPr marL="342900" lvl="0" indent="-342900">
-              <a:buFont typeface="Arial" panose="020B0604020202020204" pitchFamily="34" charset="0"/>
-              <a:buChar char="•"/>
-            </a:pPr>
+            <a:pPr lvl="1"/>
             <a:r>
               <a:rPr lang="en-GB" sz="2000" dirty="0">
                 <a:latin typeface="Calibri Light" panose="020F0302020204030204" pitchFamily="34" charset="0"/>
                 <a:cs typeface="Calibri Light" panose="020F0302020204030204" pitchFamily="34" charset="0"/>
               </a:rPr>
-              <a:t>A </a:t>
-            </a:r>
-            <a:r>
-              <a:rPr lang="en-GB" sz="2000" b="1" dirty="0">
-                <a:latin typeface="Calibri Light" panose="020F0302020204030204" pitchFamily="34" charset="0"/>
-                <a:cs typeface="Calibri Light" panose="020F0302020204030204" pitchFamily="34" charset="0"/>
-              </a:rPr>
-              <a:t>medium</a:t>
-            </a:r>
+              <a:t>	Calculate the accuracy.</a:t>
+            </a:r>
+          </a:p>
+          <a:p>
+            <a:pPr lvl="1"/>
+            <a:endParaRPr lang="en-GB" sz="2000" dirty="0">
+              <a:latin typeface="Calibri Light" panose="020F0302020204030204" pitchFamily="34" charset="0"/>
+              <a:cs typeface="Calibri Light" panose="020F0302020204030204" pitchFamily="34" charset="0"/>
+            </a:endParaRPr>
+          </a:p>
+          <a:p>
+            <a:pPr lvl="1"/>
             <a:r>
               <a:rPr lang="en-GB" sz="2000" dirty="0">
                 <a:latin typeface="Calibri Light" panose="020F0302020204030204" pitchFamily="34" charset="0"/>
                 <a:cs typeface="Calibri Light" panose="020F0302020204030204" pitchFamily="34" charset="0"/>
               </a:rPr>
-              <a:t> number of shares that indicates a number between 50 and 199 and it is identified by the number '2'</a:t>
-            </a:r>
-            <a:endParaRPr lang="it-IT" sz="2000" dirty="0">
-              <a:latin typeface="Calibri Light" panose="020F0302020204030204" pitchFamily="34" charset="0"/>
-              <a:cs typeface="Calibri Light" panose="020F0302020204030204" pitchFamily="34" charset="0"/>
-            </a:endParaRPr>
-          </a:p>
-          <a:p>
-            <a:pPr marL="342900" lvl="0" indent="-342900">
-              <a:buFont typeface="Arial" panose="020B0604020202020204" pitchFamily="34" charset="0"/>
-              <a:buChar char="•"/>
-            </a:pPr>
-            <a:r>
-              <a:rPr lang="en-GB" sz="2000" dirty="0">
+              <a:t>The number of shares has been predicted and the accuracy score has been calculated to be really next to 76%.</a:t>
+            </a:r>
+            <a:r>
+              <a:rPr lang="it-IT" sz="2000" dirty="0">
                 <a:latin typeface="Calibri Light" panose="020F0302020204030204" pitchFamily="34" charset="0"/>
                 <a:cs typeface="Calibri Light" panose="020F0302020204030204" pitchFamily="34" charset="0"/>
               </a:rPr>
-              <a:t>A </a:t>
-            </a:r>
-            <a:r>
-              <a:rPr lang="en-GB" sz="2000" b="1" dirty="0">
-                <a:latin typeface="Calibri Light" panose="020F0302020204030204" pitchFamily="34" charset="0"/>
-                <a:cs typeface="Calibri Light" panose="020F0302020204030204" pitchFamily="34" charset="0"/>
-              </a:rPr>
-              <a:t>good</a:t>
-            </a:r>
-            <a:r>
-              <a:rPr lang="en-GB" sz="2000" dirty="0">
-                <a:latin typeface="Calibri Light" panose="020F0302020204030204" pitchFamily="34" charset="0"/>
-                <a:cs typeface="Calibri Light" panose="020F0302020204030204" pitchFamily="34" charset="0"/>
-              </a:rPr>
-              <a:t> number of shares that indicates a number between 200 and 699 and it is identified by the number '3'</a:t>
-            </a:r>
-            <a:endParaRPr lang="it-IT" sz="2000" dirty="0">
-              <a:latin typeface="Calibri Light" panose="020F0302020204030204" pitchFamily="34" charset="0"/>
-              <a:cs typeface="Calibri Light" panose="020F0302020204030204" pitchFamily="34" charset="0"/>
-            </a:endParaRPr>
-          </a:p>
-          <a:p>
-            <a:pPr marL="342900" lvl="0" indent="-342900">
-              <a:buFont typeface="Arial" panose="020B0604020202020204" pitchFamily="34" charset="0"/>
-              <a:buChar char="•"/>
-            </a:pPr>
-            <a:r>
-              <a:rPr lang="en-GB" sz="2000" dirty="0">
-                <a:latin typeface="Calibri Light" panose="020F0302020204030204" pitchFamily="34" charset="0"/>
-                <a:cs typeface="Calibri Light" panose="020F0302020204030204" pitchFamily="34" charset="0"/>
-              </a:rPr>
-              <a:t>A </a:t>
-            </a:r>
-            <a:r>
-              <a:rPr lang="en-GB" sz="2000" b="1" dirty="0">
-                <a:latin typeface="Calibri Light" panose="020F0302020204030204" pitchFamily="34" charset="0"/>
-                <a:cs typeface="Calibri Light" panose="020F0302020204030204" pitchFamily="34" charset="0"/>
-              </a:rPr>
-              <a:t>high</a:t>
-            </a:r>
-            <a:r>
-              <a:rPr lang="en-GB" sz="2000" dirty="0">
-                <a:latin typeface="Calibri Light" panose="020F0302020204030204" pitchFamily="34" charset="0"/>
-                <a:cs typeface="Calibri Light" panose="020F0302020204030204" pitchFamily="34" charset="0"/>
-              </a:rPr>
-              <a:t> number of shares that indicates a number grater then 700 and it is identified by the number '4'</a:t>
-            </a:r>
-            <a:endParaRPr lang="it-IT" sz="2000" dirty="0">
-              <a:latin typeface="Calibri Light" panose="020F0302020204030204" pitchFamily="34" charset="0"/>
-              <a:cs typeface="Calibri Light" panose="020F0302020204030204" pitchFamily="34" charset="0"/>
-            </a:endParaRPr>
-          </a:p>
-          <a:p>
-            <a:pPr marL="342900" indent="-342900">
-              <a:buFont typeface="Arial" panose="020B0604020202020204" pitchFamily="34" charset="0"/>
-              <a:buChar char="•"/>
-            </a:pPr>
-            <a:endParaRPr lang="en-GB" sz="2000" dirty="0">
-              <a:latin typeface="Calibri Light" panose="020F0302020204030204" pitchFamily="34" charset="0"/>
-              <a:cs typeface="Calibri Light" panose="020F0302020204030204" pitchFamily="34" charset="0"/>
-            </a:endParaRPr>
+              <a:t> </a:t>
+            </a:r>
           </a:p>
         </p:txBody>
       </p:sp>
     </p:spTree>
     <p:extLst>
       <p:ext uri="{BB962C8B-B14F-4D97-AF65-F5344CB8AC3E}">
-        <p14:creationId xmlns:p14="http://schemas.microsoft.com/office/powerpoint/2010/main" val="2666720748"/>
+        <p14:creationId xmlns:p14="http://schemas.microsoft.com/office/powerpoint/2010/main" val="961496636"/>
       </p:ext>
     </p:extLst>
   </p:cSld>
@@ -21064,29 +21140,12 @@
                 <a:latin typeface="Calibri" panose="020F0502020204030204" pitchFamily="34" charset="0"/>
                 <a:cs typeface="Calibri" panose="020F0502020204030204" pitchFamily="34" charset="0"/>
               </a:rPr>
-              <a:t>Supervised Learning </a:t>
-            </a:r>
-            <a:r>
-              <a:rPr lang="en-GB" sz="2800" dirty="0">
-                <a:latin typeface="Calibri" panose="020F0502020204030204" pitchFamily="34" charset="0"/>
-                <a:cs typeface="Calibri" panose="020F0502020204030204" pitchFamily="34" charset="0"/>
-              </a:rPr>
-              <a:t>–</a:t>
-            </a:r>
-            <a:r>
-              <a:rPr lang="en-GB" sz="4000" dirty="0">
-                <a:latin typeface="Calibri" panose="020F0502020204030204" pitchFamily="34" charset="0"/>
-                <a:cs typeface="Calibri" panose="020F0502020204030204" pitchFamily="34" charset="0"/>
-              </a:rPr>
-              <a:t> </a:t>
-            </a:r>
-            <a:r>
-              <a:rPr lang="en-GB" sz="2800" dirty="0">
-                <a:latin typeface="Calibri" panose="020F0502020204030204" pitchFamily="34" charset="0"/>
-                <a:cs typeface="Calibri" panose="020F0502020204030204" pitchFamily="34" charset="0"/>
-              </a:rPr>
-              <a:t>Decision Trees</a:t>
-            </a:r>
+              <a:t>Conclusions</a:t>
+            </a:r>
+            <a:endParaRPr lang="en-GB" sz="2800" dirty="0">
+              <a:latin typeface="Calibri" panose="020F0502020204030204" pitchFamily="34" charset="0"/>
+              <a:cs typeface="Calibri" panose="020F0502020204030204" pitchFamily="34" charset="0"/>
+            </a:endParaRPr>
           </a:p>
         </p:txBody>
       </p:sp>
@@ -21218,10 +21277,10 @@
       </p:sp>
       <p:sp>
         <p:nvSpPr>
-          <p:cNvPr id="10" name="CasellaDiTesto 9">
+          <p:cNvPr id="11" name="CasellaDiTesto 10">
             <a:extLst>
               <a:ext uri="{FF2B5EF4-FFF2-40B4-BE49-F238E27FC236}">
-                <a16:creationId xmlns:a16="http://schemas.microsoft.com/office/drawing/2014/main" id="{6C4795C9-381A-124E-9E2A-382D90A6B249}"/>
+                <a16:creationId xmlns:a16="http://schemas.microsoft.com/office/drawing/2014/main" id="{E256A0C8-3930-6142-8293-773113303761}"/>
               </a:ext>
             </a:extLst>
           </p:cNvPr>
@@ -21249,21 +21308,17 @@
                 <a:latin typeface="Calibri Light" panose="020F0302020204030204" pitchFamily="34" charset="0"/>
                 <a:cs typeface="Calibri Light" panose="020F0302020204030204" pitchFamily="34" charset="0"/>
               </a:rPr>
-              <a:t>Decision trees are a powerful prediction method and extremely popular. It works for both continuous as well as categorical output variables.</a:t>
-            </a:r>
-          </a:p>
-          <a:p>
-            <a:pPr marL="342900" lvl="0" indent="-342900">
-              <a:buFont typeface="Arial" panose="020B0604020202020204" pitchFamily="34" charset="0"/>
-              <a:buChar char="•"/>
-            </a:pPr>
+              <a:t>At the end of our study we can conclude that:</a:t>
+            </a:r>
+          </a:p>
+          <a:p>
             <a:endParaRPr lang="en-GB" sz="2000" dirty="0">
               <a:latin typeface="Calibri Light" panose="020F0302020204030204" pitchFamily="34" charset="0"/>
               <a:cs typeface="Calibri Light" panose="020F0302020204030204" pitchFamily="34" charset="0"/>
             </a:endParaRPr>
           </a:p>
           <a:p>
-            <a:pPr marL="342900" lvl="0" indent="-342900">
+            <a:pPr marL="342900" indent="-342900">
               <a:buFont typeface="Arial" panose="020B0604020202020204" pitchFamily="34" charset="0"/>
               <a:buChar char="•"/>
             </a:pPr>
@@ -21272,57 +21327,93 @@
                 <a:latin typeface="Calibri Light" panose="020F0302020204030204" pitchFamily="34" charset="0"/>
                 <a:cs typeface="Calibri Light" panose="020F0302020204030204" pitchFamily="34" charset="0"/>
               </a:rPr>
-              <a:t>Building Phase</a:t>
-            </a:r>
-            <a:endParaRPr lang="it-IT" sz="2000" dirty="0">
-              <a:latin typeface="Calibri Light" panose="020F0302020204030204" pitchFamily="34" charset="0"/>
-              <a:cs typeface="Calibri Light" panose="020F0302020204030204" pitchFamily="34" charset="0"/>
-            </a:endParaRPr>
-          </a:p>
-          <a:p>
-            <a:pPr lvl="8"/>
+              <a:t>The day when there are </a:t>
+            </a:r>
+            <a:r>
+              <a:rPr lang="en-GB" sz="2000" i="1" dirty="0">
+                <a:latin typeface="Calibri Light" panose="020F0302020204030204" pitchFamily="34" charset="0"/>
+                <a:cs typeface="Calibri Light" panose="020F0302020204030204" pitchFamily="34" charset="0"/>
+              </a:rPr>
+              <a:t>more publications is Thursday</a:t>
+            </a:r>
+            <a:r>
+              <a:rPr lang="it-IT" sz="2000" i="1" dirty="0">
+                <a:latin typeface="Calibri Light" panose="020F0302020204030204" pitchFamily="34" charset="0"/>
+                <a:cs typeface="Calibri Light" panose="020F0302020204030204" pitchFamily="34" charset="0"/>
+              </a:rPr>
+              <a:t>.</a:t>
+            </a:r>
+          </a:p>
+          <a:p>
+            <a:pPr marL="342900" indent="-342900">
+              <a:buFont typeface="Arial" panose="020B0604020202020204" pitchFamily="34" charset="0"/>
+              <a:buChar char="•"/>
+            </a:pPr>
             <a:r>
               <a:rPr lang="en-GB" sz="2000" dirty="0">
                 <a:latin typeface="Calibri Light" panose="020F0302020204030204" pitchFamily="34" charset="0"/>
                 <a:cs typeface="Calibri Light" panose="020F0302020204030204" pitchFamily="34" charset="0"/>
               </a:rPr>
-              <a:t>	Pre-process the dataset.</a:t>
-            </a:r>
-            <a:endParaRPr lang="it-IT" sz="2000" dirty="0">
-              <a:latin typeface="Calibri Light" panose="020F0302020204030204" pitchFamily="34" charset="0"/>
-              <a:cs typeface="Calibri Light" panose="020F0302020204030204" pitchFamily="34" charset="0"/>
-            </a:endParaRPr>
-          </a:p>
-          <a:p>
-            <a:pPr lvl="1"/>
+              <a:t>The day when there are </a:t>
+            </a:r>
+            <a:r>
+              <a:rPr lang="en-GB" sz="2000" i="1" dirty="0">
+                <a:latin typeface="Calibri Light" panose="020F0302020204030204" pitchFamily="34" charset="0"/>
+                <a:cs typeface="Calibri Light" panose="020F0302020204030204" pitchFamily="34" charset="0"/>
+              </a:rPr>
+              <a:t>fewer publications is Monday</a:t>
+            </a:r>
+            <a:r>
+              <a:rPr lang="it-IT" sz="2000" i="1" dirty="0">
+                <a:latin typeface="Calibri Light" panose="020F0302020204030204" pitchFamily="34" charset="0"/>
+                <a:cs typeface="Calibri Light" panose="020F0302020204030204" pitchFamily="34" charset="0"/>
+              </a:rPr>
+              <a:t>.</a:t>
+            </a:r>
+          </a:p>
+          <a:p>
+            <a:pPr marL="342900" indent="-342900">
+              <a:buFont typeface="Arial" panose="020B0604020202020204" pitchFamily="34" charset="0"/>
+              <a:buChar char="•"/>
+            </a:pPr>
             <a:r>
               <a:rPr lang="en-GB" sz="2000" dirty="0">
                 <a:latin typeface="Calibri Light" panose="020F0302020204030204" pitchFamily="34" charset="0"/>
                 <a:cs typeface="Calibri Light" panose="020F0302020204030204" pitchFamily="34" charset="0"/>
               </a:rPr>
-              <a:t>	Split the dataset from train and test using Python.</a:t>
-            </a:r>
-            <a:endParaRPr lang="it-IT" sz="2000" dirty="0">
-              <a:latin typeface="Calibri Light" panose="020F0302020204030204" pitchFamily="34" charset="0"/>
-              <a:cs typeface="Calibri Light" panose="020F0302020204030204" pitchFamily="34" charset="0"/>
-            </a:endParaRPr>
-          </a:p>
-          <a:p>
-            <a:pPr lvl="1"/>
+              <a:t>The </a:t>
+            </a:r>
+            <a:r>
+              <a:rPr lang="en-GB" sz="2000" i="1" dirty="0">
+                <a:latin typeface="Calibri Light" panose="020F0302020204030204" pitchFamily="34" charset="0"/>
+                <a:cs typeface="Calibri Light" panose="020F0302020204030204" pitchFamily="34" charset="0"/>
+              </a:rPr>
+              <a:t>period in which more comments are made </a:t>
+            </a:r>
             <a:r>
               <a:rPr lang="en-GB" sz="2000" dirty="0">
                 <a:latin typeface="Calibri Light" panose="020F0302020204030204" pitchFamily="34" charset="0"/>
                 <a:cs typeface="Calibri Light" panose="020F0302020204030204" pitchFamily="34" charset="0"/>
               </a:rPr>
-              <a:t>	Train the classifier.</a:t>
-            </a:r>
-            <a:endParaRPr lang="it-IT" sz="2000" dirty="0">
-              <a:latin typeface="Calibri Light" panose="020F0302020204030204" pitchFamily="34" charset="0"/>
-              <a:cs typeface="Calibri Light" panose="020F0302020204030204" pitchFamily="34" charset="0"/>
-            </a:endParaRPr>
-          </a:p>
-          <a:p>
-            <a:pPr marL="342900" lvl="0" indent="-342900">
+              <a:t>and more likes are placed </a:t>
+            </a:r>
+            <a:r>
+              <a:rPr lang="en-GB" sz="2000" i="1" dirty="0">
+                <a:latin typeface="Calibri Light" panose="020F0302020204030204" pitchFamily="34" charset="0"/>
+                <a:cs typeface="Calibri Light" panose="020F0302020204030204" pitchFamily="34" charset="0"/>
+              </a:rPr>
+              <a:t>is between 48 and 72 hours after the publication of a post</a:t>
+            </a:r>
+            <a:r>
+              <a:rPr lang="it-IT" sz="2000" i="1" dirty="0">
+                <a:latin typeface="Calibri Light" panose="020F0302020204030204" pitchFamily="34" charset="0"/>
+                <a:cs typeface="Calibri Light" panose="020F0302020204030204" pitchFamily="34" charset="0"/>
+              </a:rPr>
+              <a:t>.</a:t>
+            </a:r>
+          </a:p>
+          <a:p>
+            <a:pPr marL="342900" indent="-342900">
               <a:buFont typeface="Arial" panose="020B0604020202020204" pitchFamily="34" charset="0"/>
               <a:buChar char="•"/>
             </a:pPr>
@@ -21331,59 +21422,95 @@
                 <a:latin typeface="Calibri Light" panose="020F0302020204030204" pitchFamily="34" charset="0"/>
                 <a:cs typeface="Calibri Light" panose="020F0302020204030204" pitchFamily="34" charset="0"/>
               </a:rPr>
-              <a:t>Operational Phase</a:t>
-            </a:r>
-            <a:endParaRPr lang="it-IT" sz="2000" dirty="0">
-              <a:latin typeface="Calibri Light" panose="020F0302020204030204" pitchFamily="34" charset="0"/>
-              <a:cs typeface="Calibri Light" panose="020F0302020204030204" pitchFamily="34" charset="0"/>
-            </a:endParaRPr>
-          </a:p>
-          <a:p>
-            <a:pPr lvl="1"/>
+              <a:t>The category that shows the most interactions</a:t>
+            </a:r>
+            <a:r>
+              <a:rPr lang="en-GB" sz="2000" i="1" dirty="0">
+                <a:latin typeface="Calibri Light" panose="020F0302020204030204" pitchFamily="34" charset="0"/>
+                <a:cs typeface="Calibri Light" panose="020F0302020204030204" pitchFamily="34" charset="0"/>
+              </a:rPr>
+              <a:t> is 'Professional Sports Team’</a:t>
+            </a:r>
+            <a:r>
+              <a:rPr lang="it-IT" sz="2000" i="1" dirty="0">
+                <a:latin typeface="Calibri Light" panose="020F0302020204030204" pitchFamily="34" charset="0"/>
+                <a:cs typeface="Calibri Light" panose="020F0302020204030204" pitchFamily="34" charset="0"/>
+              </a:rPr>
+              <a:t>.</a:t>
+            </a:r>
+          </a:p>
+          <a:p>
+            <a:pPr marL="342900" indent="-342900">
+              <a:buFont typeface="Arial" panose="020B0604020202020204" pitchFamily="34" charset="0"/>
+              <a:buChar char="•"/>
+            </a:pPr>
             <a:r>
               <a:rPr lang="en-GB" sz="2000" dirty="0">
                 <a:latin typeface="Calibri Light" panose="020F0302020204030204" pitchFamily="34" charset="0"/>
                 <a:cs typeface="Calibri Light" panose="020F0302020204030204" pitchFamily="34" charset="0"/>
               </a:rPr>
-              <a:t>	Make predictions.</a:t>
-            </a:r>
-            <a:endParaRPr lang="it-IT" sz="2000" dirty="0">
-              <a:latin typeface="Calibri Light" panose="020F0302020204030204" pitchFamily="34" charset="0"/>
-              <a:cs typeface="Calibri Light" panose="020F0302020204030204" pitchFamily="34" charset="0"/>
-            </a:endParaRPr>
-          </a:p>
-          <a:p>
-            <a:pPr lvl="1"/>
+              <a:t>About </a:t>
+            </a:r>
+            <a:r>
+              <a:rPr lang="en-GB" sz="2000" i="1" dirty="0">
+                <a:latin typeface="Calibri Light" panose="020F0302020204030204" pitchFamily="34" charset="0"/>
+                <a:cs typeface="Calibri Light" panose="020F0302020204030204" pitchFamily="34" charset="0"/>
+              </a:rPr>
+              <a:t>90% of posts have less than 400 characters</a:t>
+            </a:r>
+            <a:r>
+              <a:rPr lang="it-IT" sz="2000" dirty="0">
+                <a:latin typeface="Calibri Light" panose="020F0302020204030204" pitchFamily="34" charset="0"/>
+                <a:cs typeface="Calibri Light" panose="020F0302020204030204" pitchFamily="34" charset="0"/>
+              </a:rPr>
+              <a:t>.</a:t>
+            </a:r>
+          </a:p>
+          <a:p>
+            <a:pPr marL="342900" indent="-342900">
+              <a:buFont typeface="Arial" panose="020B0604020202020204" pitchFamily="34" charset="0"/>
+              <a:buChar char="•"/>
+            </a:pPr>
             <a:r>
               <a:rPr lang="en-GB" sz="2000" dirty="0">
                 <a:latin typeface="Calibri Light" panose="020F0302020204030204" pitchFamily="34" charset="0"/>
                 <a:cs typeface="Calibri Light" panose="020F0302020204030204" pitchFamily="34" charset="0"/>
               </a:rPr>
-              <a:t>	Calculate the accuracy.</a:t>
-            </a:r>
-          </a:p>
-          <a:p>
-            <a:pPr lvl="1"/>
-            <a:endParaRPr lang="en-GB" sz="2000" dirty="0">
-              <a:latin typeface="Calibri Light" panose="020F0302020204030204" pitchFamily="34" charset="0"/>
-              <a:cs typeface="Calibri Light" panose="020F0302020204030204" pitchFamily="34" charset="0"/>
-            </a:endParaRPr>
-          </a:p>
-          <a:p>
-            <a:pPr lvl="1"/>
-            <a:endParaRPr lang="en-GB" sz="2000" dirty="0">
-              <a:latin typeface="Calibri Light" panose="020F0302020204030204" pitchFamily="34" charset="0"/>
-              <a:cs typeface="Calibri Light" panose="020F0302020204030204" pitchFamily="34" charset="0"/>
-            </a:endParaRPr>
-          </a:p>
-          <a:p>
-            <a:pPr lvl="1"/>
+              <a:t>24 hours following the sharing are the most interactive for </a:t>
+            </a:r>
+            <a:r>
+              <a:rPr lang="en-GB" sz="2000" b="1" i="1" dirty="0">
+                <a:latin typeface="Calibri Light" panose="020F0302020204030204" pitchFamily="34" charset="0"/>
+                <a:cs typeface="Calibri Light" panose="020F0302020204030204" pitchFamily="34" charset="0"/>
+              </a:rPr>
+              <a:t>short posts</a:t>
+            </a:r>
+            <a:r>
+              <a:rPr lang="it-IT" sz="2000" dirty="0">
+                <a:latin typeface="Calibri Light" panose="020F0302020204030204" pitchFamily="34" charset="0"/>
+                <a:cs typeface="Calibri Light" panose="020F0302020204030204" pitchFamily="34" charset="0"/>
+              </a:rPr>
+              <a:t>.</a:t>
+            </a:r>
+          </a:p>
+          <a:p>
+            <a:pPr marL="342900" indent="-342900">
+              <a:buFont typeface="Arial" panose="020B0604020202020204" pitchFamily="34" charset="0"/>
+              <a:buChar char="•"/>
+            </a:pPr>
             <a:r>
               <a:rPr lang="en-GB" sz="2000" dirty="0">
                 <a:latin typeface="Calibri Light" panose="020F0302020204030204" pitchFamily="34" charset="0"/>
                 <a:cs typeface="Calibri Light" panose="020F0302020204030204" pitchFamily="34" charset="0"/>
               </a:rPr>
-              <a:t>The number of shares has been predicted and the accuracy score has been calculated to be really next to 78%.</a:t>
+              <a:t>Between the 24h and 48h after the share are the most interactive hours for </a:t>
+            </a:r>
+            <a:r>
+              <a:rPr lang="en-GB" sz="2000" b="1" i="1" dirty="0">
+                <a:latin typeface="Calibri Light" panose="020F0302020204030204" pitchFamily="34" charset="0"/>
+                <a:cs typeface="Calibri Light" panose="020F0302020204030204" pitchFamily="34" charset="0"/>
+              </a:rPr>
+              <a:t>long posts.</a:t>
             </a:r>
             <a:r>
               <a:rPr lang="it-IT" sz="2000" dirty="0">
@@ -21392,13 +21519,99 @@
               </a:rPr>
               <a:t> </a:t>
             </a:r>
+            <a:r>
+              <a:rPr lang="en-GB" sz="2000" dirty="0">
+                <a:latin typeface="Calibri Light" panose="020F0302020204030204" pitchFamily="34" charset="0"/>
+                <a:cs typeface="Calibri Light" panose="020F0302020204030204" pitchFamily="34" charset="0"/>
+              </a:rPr>
+              <a:t> </a:t>
+            </a:r>
+          </a:p>
+          <a:p>
+            <a:pPr marL="285750" indent="-285750">
+              <a:buFont typeface="Arial" panose="020B0604020202020204" pitchFamily="34" charset="0"/>
+              <a:buChar char="•"/>
+            </a:pPr>
+            <a:r>
+              <a:rPr lang="en-GB" sz="2000" dirty="0">
+                <a:latin typeface="Calibri Light" panose="020F0302020204030204" pitchFamily="34" charset="0"/>
+                <a:cs typeface="Calibri Light" panose="020F0302020204030204" pitchFamily="34" charset="0"/>
+              </a:rPr>
+              <a:t> </a:t>
+            </a:r>
+            <a:r>
+              <a:rPr lang="en-GB" sz="2000" b="1" dirty="0">
+                <a:latin typeface="Calibri Light" panose="020F0302020204030204" pitchFamily="34" charset="0"/>
+                <a:cs typeface="Calibri Light" panose="020F0302020204030204" pitchFamily="34" charset="0"/>
+              </a:rPr>
+              <a:t>Short length posts are:</a:t>
+            </a:r>
+            <a:endParaRPr lang="it-IT" sz="2000" b="1" dirty="0">
+              <a:latin typeface="Calibri Light" panose="020F0302020204030204" pitchFamily="34" charset="0"/>
+              <a:cs typeface="Calibri Light" panose="020F0302020204030204" pitchFamily="34" charset="0"/>
+            </a:endParaRPr>
+          </a:p>
+          <a:p>
+            <a:pPr lvl="0"/>
+            <a:r>
+              <a:rPr lang="en-GB" sz="2000" b="1" dirty="0">
+                <a:latin typeface="Calibri Light" panose="020F0302020204030204" pitchFamily="34" charset="0"/>
+                <a:cs typeface="Calibri Light" panose="020F0302020204030204" pitchFamily="34" charset="0"/>
+              </a:rPr>
+              <a:t>	preferred by users,</a:t>
+            </a:r>
+            <a:endParaRPr lang="it-IT" sz="2000" b="1" dirty="0">
+              <a:latin typeface="Calibri Light" panose="020F0302020204030204" pitchFamily="34" charset="0"/>
+              <a:cs typeface="Calibri Light" panose="020F0302020204030204" pitchFamily="34" charset="0"/>
+            </a:endParaRPr>
+          </a:p>
+          <a:p>
+            <a:pPr lvl="0"/>
+            <a:r>
+              <a:rPr lang="en-GB" sz="2000" b="1" dirty="0">
+                <a:latin typeface="Calibri Light" panose="020F0302020204030204" pitchFamily="34" charset="0"/>
+                <a:cs typeface="Calibri Light" panose="020F0302020204030204" pitchFamily="34" charset="0"/>
+              </a:rPr>
+              <a:t>	have more interactions</a:t>
+            </a:r>
+            <a:r>
+              <a:rPr lang="en-GB" sz="2000" dirty="0">
+                <a:latin typeface="Calibri Light" panose="020F0302020204030204" pitchFamily="34" charset="0"/>
+                <a:cs typeface="Calibri Light" panose="020F0302020204030204" pitchFamily="34" charset="0"/>
+              </a:rPr>
+              <a:t>.</a:t>
+            </a:r>
+          </a:p>
+          <a:p>
+            <a:pPr marL="285750" lvl="0" indent="-285750">
+              <a:buFont typeface="Arial" panose="020B0604020202020204" pitchFamily="34" charset="0"/>
+              <a:buChar char="•"/>
+            </a:pPr>
+            <a:r>
+              <a:rPr lang="en-GB" sz="2000" dirty="0">
+                <a:latin typeface="Calibri Light" panose="020F0302020204030204" pitchFamily="34" charset="0"/>
+                <a:cs typeface="Calibri Light" panose="020F0302020204030204" pitchFamily="34" charset="0"/>
+              </a:rPr>
+              <a:t>Accuracy level is really close to </a:t>
+            </a:r>
+            <a:r>
+              <a:rPr lang="en-GB" sz="2000" i="1" dirty="0">
+                <a:latin typeface="Calibri Light" panose="020F0302020204030204" pitchFamily="34" charset="0"/>
+                <a:cs typeface="Calibri Light" panose="020F0302020204030204" pitchFamily="34" charset="0"/>
+              </a:rPr>
+              <a:t>76%.</a:t>
+            </a:r>
+            <a:endParaRPr lang="en-GB" sz="2000" dirty="0">
+              <a:latin typeface="Calibri Light" panose="020F0302020204030204" pitchFamily="34" charset="0"/>
+              <a:cs typeface="Calibri Light" panose="020F0302020204030204" pitchFamily="34" charset="0"/>
+            </a:endParaRPr>
           </a:p>
         </p:txBody>
       </p:sp>
     </p:spTree>
     <p:extLst>
       <p:ext uri="{BB962C8B-B14F-4D97-AF65-F5344CB8AC3E}">
-        <p14:creationId xmlns:p14="http://schemas.microsoft.com/office/powerpoint/2010/main" val="1268831045"/>
+        <p14:creationId xmlns:p14="http://schemas.microsoft.com/office/powerpoint/2010/main" val="511949893"/>
       </p:ext>
     </p:extLst>
   </p:cSld>
@@ -21886,1123 +22099,6 @@
   <p:cSld>
     <p:spTree>
       <p:nvGrpSpPr>
-        <p:cNvPr id="1" name="Shape 245"/>
-        <p:cNvGrpSpPr/>
-        <p:nvPr/>
-      </p:nvGrpSpPr>
-      <p:grpSpPr>
-        <a:xfrm>
-          <a:off x="0" y="0"/>
-          <a:ext cx="0" cy="0"/>
-          <a:chOff x="0" y="0"/>
-          <a:chExt cx="0" cy="0"/>
-        </a:xfrm>
-      </p:grpSpPr>
-      <p:pic>
-        <p:nvPicPr>
-          <p:cNvPr id="246" name="Shape 246"/>
-          <p:cNvPicPr preferRelativeResize="0"/>
-          <p:nvPr/>
-        </p:nvPicPr>
-        <p:blipFill rotWithShape="1">
-          <a:blip r:embed="rId3">
-            <a:alphaModFix/>
-          </a:blip>
-          <a:srcRect/>
-          <a:stretch/>
-        </p:blipFill>
-        <p:spPr>
-          <a:xfrm>
-            <a:off x="108438" y="6007410"/>
-            <a:ext cx="774700" cy="732056"/>
-          </a:xfrm>
-          <a:prstGeom prst="rect">
-            <a:avLst/>
-          </a:prstGeom>
-          <a:noFill/>
-          <a:ln>
-            <a:noFill/>
-          </a:ln>
-        </p:spPr>
-      </p:pic>
-      <p:sp>
-        <p:nvSpPr>
-          <p:cNvPr id="247" name="Shape 247"/>
-          <p:cNvSpPr txBox="1"/>
-          <p:nvPr/>
-        </p:nvSpPr>
-        <p:spPr>
-          <a:xfrm>
-            <a:off x="883138" y="6441514"/>
-            <a:ext cx="3940694" cy="369332"/>
-          </a:xfrm>
-          <a:prstGeom prst="rect">
-            <a:avLst/>
-          </a:prstGeom>
-          <a:noFill/>
-          <a:ln>
-            <a:noFill/>
-          </a:ln>
-        </p:spPr>
-        <p:txBody>
-          <a:bodyPr spcFirstLastPara="1" wrap="square" lIns="91425" tIns="45700" rIns="91425" bIns="45700" anchor="t" anchorCtr="0">
-            <a:noAutofit/>
-          </a:bodyPr>
-          <a:lstStyle/>
-          <a:p>
-            <a:pPr marL="0" marR="0" lvl="0" indent="0" algn="l" rtl="0">
-              <a:spcBef>
-                <a:spcPts val="0"/>
-              </a:spcBef>
-              <a:spcAft>
-                <a:spcPts val="0"/>
-              </a:spcAft>
-              <a:buNone/>
-            </a:pPr>
-            <a:r>
-              <a:rPr lang="it-IT" sz="1800">
-                <a:solidFill>
-                  <a:schemeClr val="lt1"/>
-                </a:solidFill>
-                <a:latin typeface="Calibri"/>
-                <a:ea typeface="Calibri"/>
-                <a:cs typeface="Calibri"/>
-                <a:sym typeface="Calibri"/>
-              </a:rPr>
-              <a:t>DISIM - Università degli Studi Dell’Aquila</a:t>
-            </a:r>
-            <a:endParaRPr/>
-          </a:p>
-        </p:txBody>
-      </p:sp>
-      <p:sp>
-        <p:nvSpPr>
-          <p:cNvPr id="248" name="Shape 248"/>
-          <p:cNvSpPr txBox="1"/>
-          <p:nvPr/>
-        </p:nvSpPr>
-        <p:spPr>
-          <a:xfrm>
-            <a:off x="876468" y="352447"/>
-            <a:ext cx="9656945" cy="646331"/>
-          </a:xfrm>
-          <a:prstGeom prst="rect">
-            <a:avLst/>
-          </a:prstGeom>
-          <a:noFill/>
-          <a:ln>
-            <a:noFill/>
-          </a:ln>
-        </p:spPr>
-        <p:txBody>
-          <a:bodyPr spcFirstLastPara="1" wrap="square" lIns="91425" tIns="45700" rIns="91425" bIns="45700" anchor="t" anchorCtr="0">
-            <a:noAutofit/>
-          </a:bodyPr>
-          <a:lstStyle/>
-          <a:p>
-            <a:pPr marL="0" marR="0" lvl="0" indent="0" algn="l" rtl="0">
-              <a:spcBef>
-                <a:spcPts val="0"/>
-              </a:spcBef>
-              <a:spcAft>
-                <a:spcPts val="0"/>
-              </a:spcAft>
-              <a:buNone/>
-            </a:pPr>
-            <a:r>
-              <a:rPr lang="en-GB" sz="4000" dirty="0">
-                <a:latin typeface="Calibri" panose="020F0502020204030204" pitchFamily="34" charset="0"/>
-                <a:cs typeface="Calibri" panose="020F0502020204030204" pitchFamily="34" charset="0"/>
-              </a:rPr>
-              <a:t>Supervised Learning </a:t>
-            </a:r>
-            <a:r>
-              <a:rPr lang="en-GB" sz="2800" dirty="0">
-                <a:latin typeface="Calibri" panose="020F0502020204030204" pitchFamily="34" charset="0"/>
-                <a:cs typeface="Calibri" panose="020F0502020204030204" pitchFamily="34" charset="0"/>
-              </a:rPr>
-              <a:t>- Neural Network</a:t>
-            </a:r>
-          </a:p>
-        </p:txBody>
-      </p:sp>
-      <p:sp>
-        <p:nvSpPr>
-          <p:cNvPr id="249" name="Shape 249"/>
-          <p:cNvSpPr/>
-          <p:nvPr/>
-        </p:nvSpPr>
-        <p:spPr>
-          <a:xfrm>
-            <a:off x="0" y="0"/>
-            <a:ext cx="12192000" cy="127000"/>
-          </a:xfrm>
-          <a:prstGeom prst="rect">
-            <a:avLst/>
-          </a:prstGeom>
-          <a:solidFill>
-            <a:schemeClr val="accent1"/>
-          </a:solidFill>
-          <a:ln>
-            <a:noFill/>
-          </a:ln>
-        </p:spPr>
-        <p:txBody>
-          <a:bodyPr spcFirstLastPara="1" wrap="square" lIns="91425" tIns="45700" rIns="91425" bIns="45700" anchor="ctr" anchorCtr="0">
-            <a:noAutofit/>
-          </a:bodyPr>
-          <a:lstStyle/>
-          <a:p>
-            <a:pPr marL="0" marR="0" lvl="0" indent="0" algn="ctr" rtl="0">
-              <a:spcBef>
-                <a:spcPts val="0"/>
-              </a:spcBef>
-              <a:spcAft>
-                <a:spcPts val="0"/>
-              </a:spcAft>
-              <a:buNone/>
-            </a:pPr>
-            <a:endParaRPr sz="1800">
-              <a:solidFill>
-                <a:schemeClr val="lt1"/>
-              </a:solidFill>
-              <a:latin typeface="Calibri"/>
-              <a:ea typeface="Calibri"/>
-              <a:cs typeface="Calibri"/>
-              <a:sym typeface="Calibri"/>
-            </a:endParaRPr>
-          </a:p>
-        </p:txBody>
-      </p:sp>
-      <p:sp>
-        <p:nvSpPr>
-          <p:cNvPr id="7" name="Segnaposto numero diapositiva 6"/>
-          <p:cNvSpPr>
-            <a:spLocks noGrp="1"/>
-          </p:cNvSpPr>
-          <p:nvPr>
-            <p:ph type="sldNum" idx="12"/>
-          </p:nvPr>
-        </p:nvSpPr>
-        <p:spPr/>
-        <p:txBody>
-          <a:bodyPr/>
-          <a:lstStyle/>
-          <a:p>
-            <a:pPr marL="0" lvl="0" indent="0">
-              <a:spcBef>
-                <a:spcPts val="0"/>
-              </a:spcBef>
-              <a:spcAft>
-                <a:spcPts val="0"/>
-              </a:spcAft>
-              <a:buNone/>
-            </a:pPr>
-            <a:fld id="{00000000-1234-1234-1234-123412341234}" type="slidenum">
-              <a:rPr lang="nb-NO" sz="1800" smtClean="0"/>
-              <a:t>20</a:t>
-            </a:fld>
-            <a:endParaRPr lang="nb-NO" sz="1800"/>
-          </a:p>
-        </p:txBody>
-      </p:sp>
-      <p:sp>
-        <p:nvSpPr>
-          <p:cNvPr id="2" name="Segnaposto piè di pagina 1">
-            <a:extLst>
-              <a:ext uri="{FF2B5EF4-FFF2-40B4-BE49-F238E27FC236}">
-                <a16:creationId xmlns:a16="http://schemas.microsoft.com/office/drawing/2014/main" id="{3A8DC547-98D8-5343-982F-51E225E4C786}"/>
-              </a:ext>
-            </a:extLst>
-          </p:cNvPr>
-          <p:cNvSpPr>
-            <a:spLocks noGrp="1"/>
-          </p:cNvSpPr>
-          <p:nvPr>
-            <p:ph type="ftr" idx="11"/>
-          </p:nvPr>
-        </p:nvSpPr>
-        <p:spPr>
-          <a:xfrm>
-            <a:off x="4463425" y="6441514"/>
-            <a:ext cx="4822804" cy="365125"/>
-          </a:xfrm>
-        </p:spPr>
-        <p:txBody>
-          <a:bodyPr/>
-          <a:lstStyle/>
-          <a:p>
-            <a:r>
-              <a:rPr lang="it-IT" sz="1800" dirty="0"/>
-              <a:t>-     Data Analytics &amp; Data </a:t>
-            </a:r>
-            <a:r>
-              <a:rPr lang="it-IT" sz="1800" dirty="0" err="1"/>
-              <a:t>Driven</a:t>
-            </a:r>
-            <a:r>
-              <a:rPr lang="it-IT" sz="1800" dirty="0"/>
-              <a:t> </a:t>
-            </a:r>
-            <a:r>
-              <a:rPr lang="it-IT" sz="1800" dirty="0" err="1"/>
-              <a:t>Decision</a:t>
-            </a:r>
-            <a:endParaRPr lang="it-IT" sz="1800" dirty="0"/>
-          </a:p>
-        </p:txBody>
-      </p:sp>
-      <p:sp>
-        <p:nvSpPr>
-          <p:cNvPr id="10" name="CasellaDiTesto 9">
-            <a:extLst>
-              <a:ext uri="{FF2B5EF4-FFF2-40B4-BE49-F238E27FC236}">
-                <a16:creationId xmlns:a16="http://schemas.microsoft.com/office/drawing/2014/main" id="{6C4795C9-381A-124E-9E2A-382D90A6B249}"/>
-              </a:ext>
-            </a:extLst>
-          </p:cNvPr>
-          <p:cNvSpPr txBox="1"/>
-          <p:nvPr/>
-        </p:nvSpPr>
-        <p:spPr>
-          <a:xfrm>
-            <a:off x="857333" y="1224225"/>
-            <a:ext cx="10355150" cy="5016758"/>
-          </a:xfrm>
-          <a:prstGeom prst="rect">
-            <a:avLst/>
-          </a:prstGeom>
-          <a:noFill/>
-        </p:spPr>
-        <p:txBody>
-          <a:bodyPr wrap="square" rtlCol="0">
-            <a:spAutoFit/>
-          </a:bodyPr>
-          <a:lstStyle/>
-          <a:p>
-            <a:r>
-              <a:rPr lang="en-GB" sz="2000" dirty="0">
-                <a:latin typeface="Calibri Light" panose="020F0302020204030204" pitchFamily="34" charset="0"/>
-                <a:cs typeface="Calibri Light" panose="020F0302020204030204" pitchFamily="34" charset="0"/>
-              </a:rPr>
-              <a:t>Neural networks are computing systems vaguely inspired by the biological neural networks that constitute animal brains. </a:t>
-            </a:r>
-          </a:p>
-          <a:p>
-            <a:r>
-              <a:rPr lang="en-GB" sz="2000" dirty="0">
-                <a:latin typeface="Calibri Light" panose="020F0302020204030204" pitchFamily="34" charset="0"/>
-                <a:cs typeface="Calibri Light" panose="020F0302020204030204" pitchFamily="34" charset="0"/>
-              </a:rPr>
-              <a:t>The technic that has been used is </a:t>
-            </a:r>
-            <a:r>
-              <a:rPr lang="en-GB" sz="2000" b="1" dirty="0">
-                <a:latin typeface="Calibri Light" panose="020F0302020204030204" pitchFamily="34" charset="0"/>
-                <a:cs typeface="Calibri Light" panose="020F0302020204030204" pitchFamily="34" charset="0"/>
-              </a:rPr>
-              <a:t>Multi-layer Perceptron</a:t>
-            </a:r>
-            <a:r>
-              <a:rPr lang="en-GB" sz="2000" dirty="0">
-                <a:latin typeface="Calibri Light" panose="020F0302020204030204" pitchFamily="34" charset="0"/>
-                <a:cs typeface="Calibri Light" panose="020F0302020204030204" pitchFamily="34" charset="0"/>
-              </a:rPr>
-              <a:t>,</a:t>
-            </a:r>
-            <a:r>
-              <a:rPr lang="en-GB" dirty="0"/>
-              <a:t> </a:t>
-            </a:r>
-            <a:r>
-              <a:rPr lang="en-GB" sz="2000" dirty="0">
-                <a:latin typeface="Calibri Light" panose="020F0302020204030204" pitchFamily="34" charset="0"/>
-                <a:cs typeface="Calibri Light" panose="020F0302020204030204" pitchFamily="34" charset="0"/>
-              </a:rPr>
-              <a:t>that is a supervised learning algorithm that learns a function by training on a dataset.  </a:t>
-            </a:r>
-            <a:r>
-              <a:rPr lang="it-IT" sz="2000" dirty="0">
-                <a:latin typeface="Calibri Light" panose="020F0302020204030204" pitchFamily="34" charset="0"/>
-                <a:cs typeface="Calibri Light" panose="020F0302020204030204" pitchFamily="34" charset="0"/>
-              </a:rPr>
-              <a:t>  </a:t>
-            </a:r>
-          </a:p>
-          <a:p>
-            <a:endParaRPr lang="en-GB" sz="2000" dirty="0">
-              <a:latin typeface="Calibri Light" panose="020F0302020204030204" pitchFamily="34" charset="0"/>
-              <a:cs typeface="Calibri Light" panose="020F0302020204030204" pitchFamily="34" charset="0"/>
-            </a:endParaRPr>
-          </a:p>
-          <a:p>
-            <a:pPr marL="342900" lvl="0" indent="-342900">
-              <a:buFont typeface="Arial" panose="020B0604020202020204" pitchFamily="34" charset="0"/>
-              <a:buChar char="•"/>
-            </a:pPr>
-            <a:r>
-              <a:rPr lang="en-GB" sz="2000" dirty="0">
-                <a:latin typeface="Calibri Light" panose="020F0302020204030204" pitchFamily="34" charset="0"/>
-                <a:cs typeface="Calibri Light" panose="020F0302020204030204" pitchFamily="34" charset="0"/>
-              </a:rPr>
-              <a:t>Building Phase</a:t>
-            </a:r>
-            <a:endParaRPr lang="it-IT" sz="2000" dirty="0">
-              <a:latin typeface="Calibri Light" panose="020F0302020204030204" pitchFamily="34" charset="0"/>
-              <a:cs typeface="Calibri Light" panose="020F0302020204030204" pitchFamily="34" charset="0"/>
-            </a:endParaRPr>
-          </a:p>
-          <a:p>
-            <a:pPr lvl="8"/>
-            <a:r>
-              <a:rPr lang="en-GB" sz="2000" dirty="0">
-                <a:latin typeface="Calibri Light" panose="020F0302020204030204" pitchFamily="34" charset="0"/>
-                <a:cs typeface="Calibri Light" panose="020F0302020204030204" pitchFamily="34" charset="0"/>
-              </a:rPr>
-              <a:t>	Pre-process the dataset.</a:t>
-            </a:r>
-          </a:p>
-          <a:p>
-            <a:pPr lvl="8"/>
-            <a:r>
-              <a:rPr lang="en-GB" sz="2000" dirty="0">
-                <a:latin typeface="Calibri Light" panose="020F0302020204030204" pitchFamily="34" charset="0"/>
-                <a:cs typeface="Calibri Light" panose="020F0302020204030204" pitchFamily="34" charset="0"/>
-              </a:rPr>
-              <a:t>	Encoding dataset using one-hot.</a:t>
-            </a:r>
-            <a:endParaRPr lang="it-IT" sz="2000" dirty="0">
-              <a:latin typeface="Calibri Light" panose="020F0302020204030204" pitchFamily="34" charset="0"/>
-              <a:cs typeface="Calibri Light" panose="020F0302020204030204" pitchFamily="34" charset="0"/>
-            </a:endParaRPr>
-          </a:p>
-          <a:p>
-            <a:pPr lvl="1"/>
-            <a:r>
-              <a:rPr lang="en-GB" sz="2000" dirty="0">
-                <a:latin typeface="Calibri Light" panose="020F0302020204030204" pitchFamily="34" charset="0"/>
-                <a:cs typeface="Calibri Light" panose="020F0302020204030204" pitchFamily="34" charset="0"/>
-              </a:rPr>
-              <a:t>	Split the dataset from train and test using Python.</a:t>
-            </a:r>
-            <a:endParaRPr lang="it-IT" sz="2000" dirty="0">
-              <a:latin typeface="Calibri Light" panose="020F0302020204030204" pitchFamily="34" charset="0"/>
-              <a:cs typeface="Calibri Light" panose="020F0302020204030204" pitchFamily="34" charset="0"/>
-            </a:endParaRPr>
-          </a:p>
-          <a:p>
-            <a:pPr lvl="1"/>
-            <a:r>
-              <a:rPr lang="en-GB" sz="2000" dirty="0">
-                <a:latin typeface="Calibri Light" panose="020F0302020204030204" pitchFamily="34" charset="0"/>
-                <a:cs typeface="Calibri Light" panose="020F0302020204030204" pitchFamily="34" charset="0"/>
-              </a:rPr>
-              <a:t>	Train the classifier.</a:t>
-            </a:r>
-            <a:endParaRPr lang="it-IT" sz="2000" dirty="0">
-              <a:latin typeface="Calibri Light" panose="020F0302020204030204" pitchFamily="34" charset="0"/>
-              <a:cs typeface="Calibri Light" panose="020F0302020204030204" pitchFamily="34" charset="0"/>
-            </a:endParaRPr>
-          </a:p>
-          <a:p>
-            <a:pPr marL="342900" lvl="0" indent="-342900">
-              <a:buFont typeface="Arial" panose="020B0604020202020204" pitchFamily="34" charset="0"/>
-              <a:buChar char="•"/>
-            </a:pPr>
-            <a:r>
-              <a:rPr lang="en-GB" sz="2000" dirty="0">
-                <a:latin typeface="Calibri Light" panose="020F0302020204030204" pitchFamily="34" charset="0"/>
-                <a:cs typeface="Calibri Light" panose="020F0302020204030204" pitchFamily="34" charset="0"/>
-              </a:rPr>
-              <a:t>Operational Phase</a:t>
-            </a:r>
-            <a:endParaRPr lang="it-IT" sz="2000" dirty="0">
-              <a:latin typeface="Calibri Light" panose="020F0302020204030204" pitchFamily="34" charset="0"/>
-              <a:cs typeface="Calibri Light" panose="020F0302020204030204" pitchFamily="34" charset="0"/>
-            </a:endParaRPr>
-          </a:p>
-          <a:p>
-            <a:pPr lvl="1"/>
-            <a:r>
-              <a:rPr lang="en-GB" sz="2000" dirty="0">
-                <a:latin typeface="Calibri Light" panose="020F0302020204030204" pitchFamily="34" charset="0"/>
-                <a:cs typeface="Calibri Light" panose="020F0302020204030204" pitchFamily="34" charset="0"/>
-              </a:rPr>
-              <a:t>	Make predictions.</a:t>
-            </a:r>
-            <a:endParaRPr lang="it-IT" sz="2000" dirty="0">
-              <a:latin typeface="Calibri Light" panose="020F0302020204030204" pitchFamily="34" charset="0"/>
-              <a:cs typeface="Calibri Light" panose="020F0302020204030204" pitchFamily="34" charset="0"/>
-            </a:endParaRPr>
-          </a:p>
-          <a:p>
-            <a:pPr lvl="1"/>
-            <a:r>
-              <a:rPr lang="en-GB" sz="2000" dirty="0">
-                <a:latin typeface="Calibri Light" panose="020F0302020204030204" pitchFamily="34" charset="0"/>
-                <a:cs typeface="Calibri Light" panose="020F0302020204030204" pitchFamily="34" charset="0"/>
-              </a:rPr>
-              <a:t>	Calculate the accuracy.</a:t>
-            </a:r>
-          </a:p>
-          <a:p>
-            <a:pPr lvl="1"/>
-            <a:endParaRPr lang="en-GB" sz="2000" dirty="0">
-              <a:latin typeface="Calibri Light" panose="020F0302020204030204" pitchFamily="34" charset="0"/>
-              <a:cs typeface="Calibri Light" panose="020F0302020204030204" pitchFamily="34" charset="0"/>
-            </a:endParaRPr>
-          </a:p>
-          <a:p>
-            <a:pPr lvl="1"/>
-            <a:r>
-              <a:rPr lang="en-GB" sz="2000" dirty="0">
-                <a:latin typeface="Calibri Light" panose="020F0302020204030204" pitchFamily="34" charset="0"/>
-                <a:cs typeface="Calibri Light" panose="020F0302020204030204" pitchFamily="34" charset="0"/>
-              </a:rPr>
-              <a:t>The number of shares has been predicted and the accuracy score has been calculated to be really next to 76%.</a:t>
-            </a:r>
-            <a:r>
-              <a:rPr lang="it-IT" sz="2000" dirty="0">
-                <a:latin typeface="Calibri Light" panose="020F0302020204030204" pitchFamily="34" charset="0"/>
-                <a:cs typeface="Calibri Light" panose="020F0302020204030204" pitchFamily="34" charset="0"/>
-              </a:rPr>
-              <a:t> </a:t>
-            </a:r>
-          </a:p>
-        </p:txBody>
-      </p:sp>
-    </p:spTree>
-    <p:extLst>
-      <p:ext uri="{BB962C8B-B14F-4D97-AF65-F5344CB8AC3E}">
-        <p14:creationId xmlns:p14="http://schemas.microsoft.com/office/powerpoint/2010/main" val="961496636"/>
-      </p:ext>
-    </p:extLst>
-  </p:cSld>
-  <p:clrMapOvr>
-    <a:masterClrMapping/>
-  </p:clrMapOvr>
-</p:sld>
-</file>
-
-<file path=ppt/slides/slide21.xml><?xml version="1.0" encoding="utf-8"?>
-<p:sld xmlns:a="http://schemas.openxmlformats.org/drawingml/2006/main" xmlns:r="http://schemas.openxmlformats.org/officeDocument/2006/relationships" xmlns:p="http://schemas.openxmlformats.org/presentationml/2006/main">
-  <p:cSld>
-    <p:spTree>
-      <p:nvGrpSpPr>
-        <p:cNvPr id="1" name="Shape 245"/>
-        <p:cNvGrpSpPr/>
-        <p:nvPr/>
-      </p:nvGrpSpPr>
-      <p:grpSpPr>
-        <a:xfrm>
-          <a:off x="0" y="0"/>
-          <a:ext cx="0" cy="0"/>
-          <a:chOff x="0" y="0"/>
-          <a:chExt cx="0" cy="0"/>
-        </a:xfrm>
-      </p:grpSpPr>
-      <p:pic>
-        <p:nvPicPr>
-          <p:cNvPr id="246" name="Shape 246"/>
-          <p:cNvPicPr preferRelativeResize="0"/>
-          <p:nvPr/>
-        </p:nvPicPr>
-        <p:blipFill rotWithShape="1">
-          <a:blip r:embed="rId3">
-            <a:alphaModFix/>
-          </a:blip>
-          <a:srcRect/>
-          <a:stretch/>
-        </p:blipFill>
-        <p:spPr>
-          <a:xfrm>
-            <a:off x="108438" y="6007410"/>
-            <a:ext cx="774700" cy="732056"/>
-          </a:xfrm>
-          <a:prstGeom prst="rect">
-            <a:avLst/>
-          </a:prstGeom>
-          <a:noFill/>
-          <a:ln>
-            <a:noFill/>
-          </a:ln>
-        </p:spPr>
-      </p:pic>
-      <p:sp>
-        <p:nvSpPr>
-          <p:cNvPr id="247" name="Shape 247"/>
-          <p:cNvSpPr txBox="1"/>
-          <p:nvPr/>
-        </p:nvSpPr>
-        <p:spPr>
-          <a:xfrm>
-            <a:off x="883138" y="6441514"/>
-            <a:ext cx="3940694" cy="369332"/>
-          </a:xfrm>
-          <a:prstGeom prst="rect">
-            <a:avLst/>
-          </a:prstGeom>
-          <a:noFill/>
-          <a:ln>
-            <a:noFill/>
-          </a:ln>
-        </p:spPr>
-        <p:txBody>
-          <a:bodyPr spcFirstLastPara="1" wrap="square" lIns="91425" tIns="45700" rIns="91425" bIns="45700" anchor="t" anchorCtr="0">
-            <a:noAutofit/>
-          </a:bodyPr>
-          <a:lstStyle/>
-          <a:p>
-            <a:pPr marL="0" marR="0" lvl="0" indent="0" algn="l" rtl="0">
-              <a:spcBef>
-                <a:spcPts val="0"/>
-              </a:spcBef>
-              <a:spcAft>
-                <a:spcPts val="0"/>
-              </a:spcAft>
-              <a:buNone/>
-            </a:pPr>
-            <a:r>
-              <a:rPr lang="it-IT" sz="1800">
-                <a:solidFill>
-                  <a:schemeClr val="lt1"/>
-                </a:solidFill>
-                <a:latin typeface="Calibri"/>
-                <a:ea typeface="Calibri"/>
-                <a:cs typeface="Calibri"/>
-                <a:sym typeface="Calibri"/>
-              </a:rPr>
-              <a:t>DISIM - Università degli Studi Dell’Aquila</a:t>
-            </a:r>
-            <a:endParaRPr/>
-          </a:p>
-        </p:txBody>
-      </p:sp>
-      <p:sp>
-        <p:nvSpPr>
-          <p:cNvPr id="248" name="Shape 248"/>
-          <p:cNvSpPr txBox="1"/>
-          <p:nvPr/>
-        </p:nvSpPr>
-        <p:spPr>
-          <a:xfrm>
-            <a:off x="876468" y="352447"/>
-            <a:ext cx="9656945" cy="646331"/>
-          </a:xfrm>
-          <a:prstGeom prst="rect">
-            <a:avLst/>
-          </a:prstGeom>
-          <a:noFill/>
-          <a:ln>
-            <a:noFill/>
-          </a:ln>
-        </p:spPr>
-        <p:txBody>
-          <a:bodyPr spcFirstLastPara="1" wrap="square" lIns="91425" tIns="45700" rIns="91425" bIns="45700" anchor="t" anchorCtr="0">
-            <a:noAutofit/>
-          </a:bodyPr>
-          <a:lstStyle/>
-          <a:p>
-            <a:pPr marL="0" marR="0" lvl="0" indent="0" algn="l" rtl="0">
-              <a:spcBef>
-                <a:spcPts val="0"/>
-              </a:spcBef>
-              <a:spcAft>
-                <a:spcPts val="0"/>
-              </a:spcAft>
-              <a:buNone/>
-            </a:pPr>
-            <a:r>
-              <a:rPr lang="en-GB" sz="4000" dirty="0">
-                <a:latin typeface="Calibri" panose="020F0502020204030204" pitchFamily="34" charset="0"/>
-                <a:cs typeface="Calibri" panose="020F0502020204030204" pitchFamily="34" charset="0"/>
-              </a:rPr>
-              <a:t>Conclusions</a:t>
-            </a:r>
-            <a:endParaRPr lang="en-GB" sz="2800" dirty="0">
-              <a:latin typeface="Calibri" panose="020F0502020204030204" pitchFamily="34" charset="0"/>
-              <a:cs typeface="Calibri" panose="020F0502020204030204" pitchFamily="34" charset="0"/>
-            </a:endParaRPr>
-          </a:p>
-        </p:txBody>
-      </p:sp>
-      <p:sp>
-        <p:nvSpPr>
-          <p:cNvPr id="249" name="Shape 249"/>
-          <p:cNvSpPr/>
-          <p:nvPr/>
-        </p:nvSpPr>
-        <p:spPr>
-          <a:xfrm>
-            <a:off x="0" y="0"/>
-            <a:ext cx="12192000" cy="127000"/>
-          </a:xfrm>
-          <a:prstGeom prst="rect">
-            <a:avLst/>
-          </a:prstGeom>
-          <a:solidFill>
-            <a:schemeClr val="accent1"/>
-          </a:solidFill>
-          <a:ln>
-            <a:noFill/>
-          </a:ln>
-        </p:spPr>
-        <p:txBody>
-          <a:bodyPr spcFirstLastPara="1" wrap="square" lIns="91425" tIns="45700" rIns="91425" bIns="45700" anchor="ctr" anchorCtr="0">
-            <a:noAutofit/>
-          </a:bodyPr>
-          <a:lstStyle/>
-          <a:p>
-            <a:pPr marL="0" marR="0" lvl="0" indent="0" algn="ctr" rtl="0">
-              <a:spcBef>
-                <a:spcPts val="0"/>
-              </a:spcBef>
-              <a:spcAft>
-                <a:spcPts val="0"/>
-              </a:spcAft>
-              <a:buNone/>
-            </a:pPr>
-            <a:endParaRPr sz="1800">
-              <a:solidFill>
-                <a:schemeClr val="lt1"/>
-              </a:solidFill>
-              <a:latin typeface="Calibri"/>
-              <a:ea typeface="Calibri"/>
-              <a:cs typeface="Calibri"/>
-              <a:sym typeface="Calibri"/>
-            </a:endParaRPr>
-          </a:p>
-        </p:txBody>
-      </p:sp>
-      <p:sp>
-        <p:nvSpPr>
-          <p:cNvPr id="7" name="Segnaposto numero diapositiva 6"/>
-          <p:cNvSpPr>
-            <a:spLocks noGrp="1"/>
-          </p:cNvSpPr>
-          <p:nvPr>
-            <p:ph type="sldNum" idx="12"/>
-          </p:nvPr>
-        </p:nvSpPr>
-        <p:spPr/>
-        <p:txBody>
-          <a:bodyPr/>
-          <a:lstStyle/>
-          <a:p>
-            <a:pPr marL="0" lvl="0" indent="0">
-              <a:spcBef>
-                <a:spcPts val="0"/>
-              </a:spcBef>
-              <a:spcAft>
-                <a:spcPts val="0"/>
-              </a:spcAft>
-              <a:buNone/>
-            </a:pPr>
-            <a:fld id="{00000000-1234-1234-1234-123412341234}" type="slidenum">
-              <a:rPr lang="nb-NO" sz="1800" smtClean="0"/>
-              <a:t>21</a:t>
-            </a:fld>
-            <a:endParaRPr lang="nb-NO" sz="1800"/>
-          </a:p>
-        </p:txBody>
-      </p:sp>
-      <p:sp>
-        <p:nvSpPr>
-          <p:cNvPr id="2" name="Segnaposto piè di pagina 1">
-            <a:extLst>
-              <a:ext uri="{FF2B5EF4-FFF2-40B4-BE49-F238E27FC236}">
-                <a16:creationId xmlns:a16="http://schemas.microsoft.com/office/drawing/2014/main" id="{3A8DC547-98D8-5343-982F-51E225E4C786}"/>
-              </a:ext>
-            </a:extLst>
-          </p:cNvPr>
-          <p:cNvSpPr>
-            <a:spLocks noGrp="1"/>
-          </p:cNvSpPr>
-          <p:nvPr>
-            <p:ph type="ftr" idx="11"/>
-          </p:nvPr>
-        </p:nvSpPr>
-        <p:spPr>
-          <a:xfrm>
-            <a:off x="4463425" y="6441514"/>
-            <a:ext cx="4822804" cy="365125"/>
-          </a:xfrm>
-        </p:spPr>
-        <p:txBody>
-          <a:bodyPr/>
-          <a:lstStyle/>
-          <a:p>
-            <a:r>
-              <a:rPr lang="it-IT" sz="1800" dirty="0"/>
-              <a:t>-     Data Analytics &amp; Data </a:t>
-            </a:r>
-            <a:r>
-              <a:rPr lang="it-IT" sz="1800" dirty="0" err="1"/>
-              <a:t>Driven</a:t>
-            </a:r>
-            <a:r>
-              <a:rPr lang="it-IT" sz="1800" dirty="0"/>
-              <a:t> </a:t>
-            </a:r>
-            <a:r>
-              <a:rPr lang="it-IT" sz="1800" dirty="0" err="1"/>
-              <a:t>Decision</a:t>
-            </a:r>
-            <a:endParaRPr lang="it-IT" sz="1800" dirty="0"/>
-          </a:p>
-        </p:txBody>
-      </p:sp>
-      <p:sp>
-        <p:nvSpPr>
-          <p:cNvPr id="11" name="CasellaDiTesto 10">
-            <a:extLst>
-              <a:ext uri="{FF2B5EF4-FFF2-40B4-BE49-F238E27FC236}">
-                <a16:creationId xmlns:a16="http://schemas.microsoft.com/office/drawing/2014/main" id="{E256A0C8-3930-6142-8293-773113303761}"/>
-              </a:ext>
-            </a:extLst>
-          </p:cNvPr>
-          <p:cNvSpPr txBox="1"/>
-          <p:nvPr/>
-        </p:nvSpPr>
-        <p:spPr>
-          <a:xfrm>
-            <a:off x="857333" y="1224225"/>
-            <a:ext cx="10355150" cy="4401205"/>
-          </a:xfrm>
-          <a:prstGeom prst="rect">
-            <a:avLst/>
-          </a:prstGeom>
-          <a:noFill/>
-        </p:spPr>
-        <p:txBody>
-          <a:bodyPr wrap="square" rtlCol="0">
-            <a:spAutoFit/>
-          </a:bodyPr>
-          <a:lstStyle/>
-          <a:p>
-            <a:r>
-              <a:rPr lang="en-GB" sz="2000" dirty="0">
-                <a:latin typeface="Calibri Light" panose="020F0302020204030204" pitchFamily="34" charset="0"/>
-                <a:cs typeface="Calibri Light" panose="020F0302020204030204" pitchFamily="34" charset="0"/>
-              </a:rPr>
-              <a:t>At the end of our study we can conclude that:</a:t>
-            </a:r>
-          </a:p>
-          <a:p>
-            <a:endParaRPr lang="en-GB" sz="2000" dirty="0">
-              <a:latin typeface="Calibri Light" panose="020F0302020204030204" pitchFamily="34" charset="0"/>
-              <a:cs typeface="Calibri Light" panose="020F0302020204030204" pitchFamily="34" charset="0"/>
-            </a:endParaRPr>
-          </a:p>
-          <a:p>
-            <a:pPr marL="342900" indent="-342900">
-              <a:buFont typeface="Arial" panose="020B0604020202020204" pitchFamily="34" charset="0"/>
-              <a:buChar char="•"/>
-            </a:pPr>
-            <a:r>
-              <a:rPr lang="en-GB" sz="2000" dirty="0">
-                <a:latin typeface="Calibri Light" panose="020F0302020204030204" pitchFamily="34" charset="0"/>
-                <a:cs typeface="Calibri Light" panose="020F0302020204030204" pitchFamily="34" charset="0"/>
-              </a:rPr>
-              <a:t>The day when there are </a:t>
-            </a:r>
-            <a:r>
-              <a:rPr lang="en-GB" sz="2000" i="1" dirty="0">
-                <a:latin typeface="Calibri Light" panose="020F0302020204030204" pitchFamily="34" charset="0"/>
-                <a:cs typeface="Calibri Light" panose="020F0302020204030204" pitchFamily="34" charset="0"/>
-              </a:rPr>
-              <a:t>more publications is Thursday</a:t>
-            </a:r>
-            <a:r>
-              <a:rPr lang="it-IT" sz="2000" i="1" dirty="0">
-                <a:latin typeface="Calibri Light" panose="020F0302020204030204" pitchFamily="34" charset="0"/>
-                <a:cs typeface="Calibri Light" panose="020F0302020204030204" pitchFamily="34" charset="0"/>
-              </a:rPr>
-              <a:t>.</a:t>
-            </a:r>
-          </a:p>
-          <a:p>
-            <a:pPr marL="342900" indent="-342900">
-              <a:buFont typeface="Arial" panose="020B0604020202020204" pitchFamily="34" charset="0"/>
-              <a:buChar char="•"/>
-            </a:pPr>
-            <a:r>
-              <a:rPr lang="en-GB" sz="2000" dirty="0">
-                <a:latin typeface="Calibri Light" panose="020F0302020204030204" pitchFamily="34" charset="0"/>
-                <a:cs typeface="Calibri Light" panose="020F0302020204030204" pitchFamily="34" charset="0"/>
-              </a:rPr>
-              <a:t>The day when there are </a:t>
-            </a:r>
-            <a:r>
-              <a:rPr lang="en-GB" sz="2000" i="1" dirty="0">
-                <a:latin typeface="Calibri Light" panose="020F0302020204030204" pitchFamily="34" charset="0"/>
-                <a:cs typeface="Calibri Light" panose="020F0302020204030204" pitchFamily="34" charset="0"/>
-              </a:rPr>
-              <a:t>fewer publications is Monday</a:t>
-            </a:r>
-            <a:r>
-              <a:rPr lang="it-IT" sz="2000" i="1" dirty="0">
-                <a:latin typeface="Calibri Light" panose="020F0302020204030204" pitchFamily="34" charset="0"/>
-                <a:cs typeface="Calibri Light" panose="020F0302020204030204" pitchFamily="34" charset="0"/>
-              </a:rPr>
-              <a:t>.</a:t>
-            </a:r>
-          </a:p>
-          <a:p>
-            <a:pPr marL="342900" indent="-342900">
-              <a:buFont typeface="Arial" panose="020B0604020202020204" pitchFamily="34" charset="0"/>
-              <a:buChar char="•"/>
-            </a:pPr>
-            <a:r>
-              <a:rPr lang="en-GB" sz="2000" dirty="0">
-                <a:latin typeface="Calibri Light" panose="020F0302020204030204" pitchFamily="34" charset="0"/>
-                <a:cs typeface="Calibri Light" panose="020F0302020204030204" pitchFamily="34" charset="0"/>
-              </a:rPr>
-              <a:t>The </a:t>
-            </a:r>
-            <a:r>
-              <a:rPr lang="en-GB" sz="2000" i="1" dirty="0">
-                <a:latin typeface="Calibri Light" panose="020F0302020204030204" pitchFamily="34" charset="0"/>
-                <a:cs typeface="Calibri Light" panose="020F0302020204030204" pitchFamily="34" charset="0"/>
-              </a:rPr>
-              <a:t>period in which more comments are made </a:t>
-            </a:r>
-            <a:r>
-              <a:rPr lang="en-GB" sz="2000" dirty="0">
-                <a:latin typeface="Calibri Light" panose="020F0302020204030204" pitchFamily="34" charset="0"/>
-                <a:cs typeface="Calibri Light" panose="020F0302020204030204" pitchFamily="34" charset="0"/>
-              </a:rPr>
-              <a:t>and more likes are placed </a:t>
-            </a:r>
-            <a:r>
-              <a:rPr lang="en-GB" sz="2000" i="1" dirty="0">
-                <a:latin typeface="Calibri Light" panose="020F0302020204030204" pitchFamily="34" charset="0"/>
-                <a:cs typeface="Calibri Light" panose="020F0302020204030204" pitchFamily="34" charset="0"/>
-              </a:rPr>
-              <a:t>is between 48 and 72 hours after the publication of a post</a:t>
-            </a:r>
-            <a:r>
-              <a:rPr lang="it-IT" sz="2000" i="1" dirty="0">
-                <a:latin typeface="Calibri Light" panose="020F0302020204030204" pitchFamily="34" charset="0"/>
-                <a:cs typeface="Calibri Light" panose="020F0302020204030204" pitchFamily="34" charset="0"/>
-              </a:rPr>
-              <a:t>.</a:t>
-            </a:r>
-          </a:p>
-          <a:p>
-            <a:pPr marL="342900" indent="-342900">
-              <a:buFont typeface="Arial" panose="020B0604020202020204" pitchFamily="34" charset="0"/>
-              <a:buChar char="•"/>
-            </a:pPr>
-            <a:r>
-              <a:rPr lang="en-GB" sz="2000" dirty="0">
-                <a:latin typeface="Calibri Light" panose="020F0302020204030204" pitchFamily="34" charset="0"/>
-                <a:cs typeface="Calibri Light" panose="020F0302020204030204" pitchFamily="34" charset="0"/>
-              </a:rPr>
-              <a:t>The category that shows the most interactions</a:t>
-            </a:r>
-            <a:r>
-              <a:rPr lang="en-GB" sz="2000" i="1" dirty="0">
-                <a:latin typeface="Calibri Light" panose="020F0302020204030204" pitchFamily="34" charset="0"/>
-                <a:cs typeface="Calibri Light" panose="020F0302020204030204" pitchFamily="34" charset="0"/>
-              </a:rPr>
-              <a:t> is 'Professional Sports Team’</a:t>
-            </a:r>
-            <a:r>
-              <a:rPr lang="it-IT" sz="2000" i="1" dirty="0">
-                <a:latin typeface="Calibri Light" panose="020F0302020204030204" pitchFamily="34" charset="0"/>
-                <a:cs typeface="Calibri Light" panose="020F0302020204030204" pitchFamily="34" charset="0"/>
-              </a:rPr>
-              <a:t>.</a:t>
-            </a:r>
-          </a:p>
-          <a:p>
-            <a:pPr marL="342900" indent="-342900">
-              <a:buFont typeface="Arial" panose="020B0604020202020204" pitchFamily="34" charset="0"/>
-              <a:buChar char="•"/>
-            </a:pPr>
-            <a:r>
-              <a:rPr lang="en-GB" sz="2000" dirty="0">
-                <a:latin typeface="Calibri Light" panose="020F0302020204030204" pitchFamily="34" charset="0"/>
-                <a:cs typeface="Calibri Light" panose="020F0302020204030204" pitchFamily="34" charset="0"/>
-              </a:rPr>
-              <a:t>About </a:t>
-            </a:r>
-            <a:r>
-              <a:rPr lang="en-GB" sz="2000" i="1" dirty="0">
-                <a:latin typeface="Calibri Light" panose="020F0302020204030204" pitchFamily="34" charset="0"/>
-                <a:cs typeface="Calibri Light" panose="020F0302020204030204" pitchFamily="34" charset="0"/>
-              </a:rPr>
-              <a:t>90% of posts have less than 400 characters</a:t>
-            </a:r>
-            <a:r>
-              <a:rPr lang="it-IT" sz="2000" dirty="0">
-                <a:latin typeface="Calibri Light" panose="020F0302020204030204" pitchFamily="34" charset="0"/>
-                <a:cs typeface="Calibri Light" panose="020F0302020204030204" pitchFamily="34" charset="0"/>
-              </a:rPr>
-              <a:t>.</a:t>
-            </a:r>
-          </a:p>
-          <a:p>
-            <a:pPr marL="342900" indent="-342900">
-              <a:buFont typeface="Arial" panose="020B0604020202020204" pitchFamily="34" charset="0"/>
-              <a:buChar char="•"/>
-            </a:pPr>
-            <a:r>
-              <a:rPr lang="en-GB" sz="2000" dirty="0">
-                <a:latin typeface="Calibri Light" panose="020F0302020204030204" pitchFamily="34" charset="0"/>
-                <a:cs typeface="Calibri Light" panose="020F0302020204030204" pitchFamily="34" charset="0"/>
-              </a:rPr>
-              <a:t>24 hours following the sharing are the most interactive for </a:t>
-            </a:r>
-            <a:r>
-              <a:rPr lang="en-GB" sz="2000" b="1" i="1" dirty="0">
-                <a:latin typeface="Calibri Light" panose="020F0302020204030204" pitchFamily="34" charset="0"/>
-                <a:cs typeface="Calibri Light" panose="020F0302020204030204" pitchFamily="34" charset="0"/>
-              </a:rPr>
-              <a:t>short posts</a:t>
-            </a:r>
-            <a:r>
-              <a:rPr lang="it-IT" sz="2000" dirty="0">
-                <a:latin typeface="Calibri Light" panose="020F0302020204030204" pitchFamily="34" charset="0"/>
-                <a:cs typeface="Calibri Light" panose="020F0302020204030204" pitchFamily="34" charset="0"/>
-              </a:rPr>
-              <a:t>.</a:t>
-            </a:r>
-          </a:p>
-          <a:p>
-            <a:pPr marL="342900" indent="-342900">
-              <a:buFont typeface="Arial" panose="020B0604020202020204" pitchFamily="34" charset="0"/>
-              <a:buChar char="•"/>
-            </a:pPr>
-            <a:r>
-              <a:rPr lang="en-GB" sz="2000" dirty="0">
-                <a:latin typeface="Calibri Light" panose="020F0302020204030204" pitchFamily="34" charset="0"/>
-                <a:cs typeface="Calibri Light" panose="020F0302020204030204" pitchFamily="34" charset="0"/>
-              </a:rPr>
-              <a:t>Between the 24h and 48h after the share are the most interactive hours for </a:t>
-            </a:r>
-            <a:r>
-              <a:rPr lang="en-GB" sz="2000" b="1" i="1" dirty="0">
-                <a:latin typeface="Calibri Light" panose="020F0302020204030204" pitchFamily="34" charset="0"/>
-                <a:cs typeface="Calibri Light" panose="020F0302020204030204" pitchFamily="34" charset="0"/>
-              </a:rPr>
-              <a:t>long posts.</a:t>
-            </a:r>
-            <a:r>
-              <a:rPr lang="it-IT" sz="2000" dirty="0">
-                <a:latin typeface="Calibri Light" panose="020F0302020204030204" pitchFamily="34" charset="0"/>
-                <a:cs typeface="Calibri Light" panose="020F0302020204030204" pitchFamily="34" charset="0"/>
-              </a:rPr>
-              <a:t> </a:t>
-            </a:r>
-            <a:r>
-              <a:rPr lang="en-GB" sz="2000" dirty="0">
-                <a:latin typeface="Calibri Light" panose="020F0302020204030204" pitchFamily="34" charset="0"/>
-                <a:cs typeface="Calibri Light" panose="020F0302020204030204" pitchFamily="34" charset="0"/>
-              </a:rPr>
-              <a:t> </a:t>
-            </a:r>
-          </a:p>
-          <a:p>
-            <a:pPr marL="285750" indent="-285750">
-              <a:buFont typeface="Arial" panose="020B0604020202020204" pitchFamily="34" charset="0"/>
-              <a:buChar char="•"/>
-            </a:pPr>
-            <a:r>
-              <a:rPr lang="en-GB" sz="2000" dirty="0">
-                <a:latin typeface="Calibri Light" panose="020F0302020204030204" pitchFamily="34" charset="0"/>
-                <a:cs typeface="Calibri Light" panose="020F0302020204030204" pitchFamily="34" charset="0"/>
-              </a:rPr>
-              <a:t> </a:t>
-            </a:r>
-            <a:r>
-              <a:rPr lang="en-GB" sz="2000" b="1" dirty="0">
-                <a:latin typeface="Calibri Light" panose="020F0302020204030204" pitchFamily="34" charset="0"/>
-                <a:cs typeface="Calibri Light" panose="020F0302020204030204" pitchFamily="34" charset="0"/>
-              </a:rPr>
-              <a:t>Short length posts are:</a:t>
-            </a:r>
-            <a:endParaRPr lang="it-IT" sz="2000" b="1" dirty="0">
-              <a:latin typeface="Calibri Light" panose="020F0302020204030204" pitchFamily="34" charset="0"/>
-              <a:cs typeface="Calibri Light" panose="020F0302020204030204" pitchFamily="34" charset="0"/>
-            </a:endParaRPr>
-          </a:p>
-          <a:p>
-            <a:pPr lvl="0"/>
-            <a:r>
-              <a:rPr lang="en-GB" sz="2000" b="1" dirty="0">
-                <a:latin typeface="Calibri Light" panose="020F0302020204030204" pitchFamily="34" charset="0"/>
-                <a:cs typeface="Calibri Light" panose="020F0302020204030204" pitchFamily="34" charset="0"/>
-              </a:rPr>
-              <a:t>	preferred by users,</a:t>
-            </a:r>
-            <a:endParaRPr lang="it-IT" sz="2000" b="1" dirty="0">
-              <a:latin typeface="Calibri Light" panose="020F0302020204030204" pitchFamily="34" charset="0"/>
-              <a:cs typeface="Calibri Light" panose="020F0302020204030204" pitchFamily="34" charset="0"/>
-            </a:endParaRPr>
-          </a:p>
-          <a:p>
-            <a:pPr lvl="0"/>
-            <a:r>
-              <a:rPr lang="en-GB" sz="2000" b="1" dirty="0">
-                <a:latin typeface="Calibri Light" panose="020F0302020204030204" pitchFamily="34" charset="0"/>
-                <a:cs typeface="Calibri Light" panose="020F0302020204030204" pitchFamily="34" charset="0"/>
-              </a:rPr>
-              <a:t>	have more interactions</a:t>
-            </a:r>
-            <a:r>
-              <a:rPr lang="en-GB" sz="2000" dirty="0">
-                <a:latin typeface="Calibri Light" panose="020F0302020204030204" pitchFamily="34" charset="0"/>
-                <a:cs typeface="Calibri Light" panose="020F0302020204030204" pitchFamily="34" charset="0"/>
-              </a:rPr>
-              <a:t>.</a:t>
-            </a:r>
-          </a:p>
-          <a:p>
-            <a:pPr marL="285750" lvl="0" indent="-285750">
-              <a:buFont typeface="Arial" panose="020B0604020202020204" pitchFamily="34" charset="0"/>
-              <a:buChar char="•"/>
-            </a:pPr>
-            <a:r>
-              <a:rPr lang="en-GB" sz="2000" dirty="0">
-                <a:latin typeface="Calibri Light" panose="020F0302020204030204" pitchFamily="34" charset="0"/>
-                <a:cs typeface="Calibri Light" panose="020F0302020204030204" pitchFamily="34" charset="0"/>
-              </a:rPr>
-              <a:t>Accuracy level is really close to </a:t>
-            </a:r>
-            <a:r>
-              <a:rPr lang="en-GB" sz="2000" i="1" dirty="0">
-                <a:latin typeface="Calibri Light" panose="020F0302020204030204" pitchFamily="34" charset="0"/>
-                <a:cs typeface="Calibri Light" panose="020F0302020204030204" pitchFamily="34" charset="0"/>
-              </a:rPr>
-              <a:t>76%.</a:t>
-            </a:r>
-            <a:endParaRPr lang="en-GB" sz="2000" dirty="0">
-              <a:latin typeface="Calibri Light" panose="020F0302020204030204" pitchFamily="34" charset="0"/>
-              <a:cs typeface="Calibri Light" panose="020F0302020204030204" pitchFamily="34" charset="0"/>
-            </a:endParaRPr>
-          </a:p>
-        </p:txBody>
-      </p:sp>
-    </p:spTree>
-    <p:extLst>
-      <p:ext uri="{BB962C8B-B14F-4D97-AF65-F5344CB8AC3E}">
-        <p14:creationId xmlns:p14="http://schemas.microsoft.com/office/powerpoint/2010/main" val="511949893"/>
-      </p:ext>
-    </p:extLst>
-  </p:cSld>
-  <p:clrMapOvr>
-    <a:masterClrMapping/>
-  </p:clrMapOvr>
-</p:sld>
-</file>
-
-<file path=ppt/slides/slide22.xml><?xml version="1.0" encoding="utf-8"?>
-<p:sld xmlns:a="http://schemas.openxmlformats.org/drawingml/2006/main" xmlns:r="http://schemas.openxmlformats.org/officeDocument/2006/relationships" xmlns:p="http://schemas.openxmlformats.org/presentationml/2006/main">
-  <p:cSld>
-    <p:spTree>
-      <p:nvGrpSpPr>
         <p:cNvPr id="1" name=""/>
         <p:cNvGrpSpPr/>
         <p:nvPr/>
@@ -23075,7 +22171,7 @@
             </a:pPr>
             <a:fld id="{00000000-1234-1234-1234-123412341234}" type="slidenum">
               <a:rPr lang="it-IT" smtClean="0"/>
-              <a:t>22</a:t>
+              <a:t>20</a:t>
             </a:fld>
             <a:endParaRPr lang="it-IT"/>
           </a:p>
